--- a/DomainModelPresentation.pptx
+++ b/DomainModelPresentation.pptx
@@ -2,16 +2,15 @@
 <file path=ppt/presentation.xml><?xml version="1.0" encoding="utf-8"?>
 <p:presentation xmlns:a="http://schemas.openxmlformats.org/drawingml/2006/main" xmlns:r="http://schemas.openxmlformats.org/officeDocument/2006/relationships" xmlns:p="http://schemas.openxmlformats.org/presentationml/2006/main">
   <p:sldMasterIdLst>
-    <p:sldMasterId id="2147483648" r:id="rId5"/>
+    <p:sldMasterId id="2147483648" r:id="rId1"/>
   </p:sldMasterIdLst>
   <p:notesMasterIdLst>
-    <p:notesMasterId r:id="rId7"/>
+    <p:notesMasterId r:id="rId5"/>
   </p:notesMasterIdLst>
   <p:sldIdLst>
-    <p:sldId id="256" r:id="rId8"/>
-    <p:sldId id="257" r:id="rId9"/>
-    <p:sldId id="258" r:id="rId10"/>
-    <p:sldId id="259" r:id="rId11"/>
+    <p:sldId id="256" r:id="rId2"/>
+    <p:sldId id="257" r:id="rId3"/>
+    <p:sldId id="258" r:id="rId4"/>
   </p:sldIdLst>
   <p:sldSz cx="13004800" cy="9753600"/>
   <p:notesSz cx="6858000" cy="9144000"/>
@@ -31,7 +30,7 @@
       <a:buFontTx/>
       <a:buNone/>
       <a:tabLst/>
-      <a:defRPr b="0" baseline="0" cap="none" i="0" spc="0" strike="noStrike" sz="1800" u="none" kumimoji="0" normalizeH="0">
+      <a:defRPr kumimoji="0" sz="1800" b="0" i="0" u="none" strike="noStrike" cap="none" spc="0" normalizeH="0" baseline="0">
         <a:ln>
           <a:noFill/>
         </a:ln>
@@ -57,7 +56,7 @@
       <a:buFontTx/>
       <a:buNone/>
       <a:tabLst/>
-      <a:defRPr b="0" baseline="0" cap="none" i="0" spc="0" strike="noStrike" sz="3600" u="none" kumimoji="0" normalizeH="0">
+      <a:defRPr kumimoji="0" sz="3600" b="0" i="0" u="none" strike="noStrike" cap="none" spc="0" normalizeH="0" baseline="0">
         <a:ln>
           <a:noFill/>
         </a:ln>
@@ -87,7 +86,7 @@
       <a:buFontTx/>
       <a:buNone/>
       <a:tabLst/>
-      <a:defRPr b="0" baseline="0" cap="none" i="0" spc="0" strike="noStrike" sz="3600" u="none" kumimoji="0" normalizeH="0">
+      <a:defRPr kumimoji="0" sz="3600" b="0" i="0" u="none" strike="noStrike" cap="none" spc="0" normalizeH="0" baseline="0">
         <a:ln>
           <a:noFill/>
         </a:ln>
@@ -117,7 +116,7 @@
       <a:buFontTx/>
       <a:buNone/>
       <a:tabLst/>
-      <a:defRPr b="0" baseline="0" cap="none" i="0" spc="0" strike="noStrike" sz="3600" u="none" kumimoji="0" normalizeH="0">
+      <a:defRPr kumimoji="0" sz="3600" b="0" i="0" u="none" strike="noStrike" cap="none" spc="0" normalizeH="0" baseline="0">
         <a:ln>
           <a:noFill/>
         </a:ln>
@@ -147,7 +146,7 @@
       <a:buFontTx/>
       <a:buNone/>
       <a:tabLst/>
-      <a:defRPr b="0" baseline="0" cap="none" i="0" spc="0" strike="noStrike" sz="3600" u="none" kumimoji="0" normalizeH="0">
+      <a:defRPr kumimoji="0" sz="3600" b="0" i="0" u="none" strike="noStrike" cap="none" spc="0" normalizeH="0" baseline="0">
         <a:ln>
           <a:noFill/>
         </a:ln>
@@ -177,7 +176,7 @@
       <a:buFontTx/>
       <a:buNone/>
       <a:tabLst/>
-      <a:defRPr b="0" baseline="0" cap="none" i="0" spc="0" strike="noStrike" sz="3600" u="none" kumimoji="0" normalizeH="0">
+      <a:defRPr kumimoji="0" sz="3600" b="0" i="0" u="none" strike="noStrike" cap="none" spc="0" normalizeH="0" baseline="0">
         <a:ln>
           <a:noFill/>
         </a:ln>
@@ -207,7 +206,7 @@
       <a:buFontTx/>
       <a:buNone/>
       <a:tabLst/>
-      <a:defRPr b="0" baseline="0" cap="none" i="0" spc="0" strike="noStrike" sz="3600" u="none" kumimoji="0" normalizeH="0">
+      <a:defRPr kumimoji="0" sz="3600" b="0" i="0" u="none" strike="noStrike" cap="none" spc="0" normalizeH="0" baseline="0">
         <a:ln>
           <a:noFill/>
         </a:ln>
@@ -237,7 +236,7 @@
       <a:buFontTx/>
       <a:buNone/>
       <a:tabLst/>
-      <a:defRPr b="0" baseline="0" cap="none" i="0" spc="0" strike="noStrike" sz="3600" u="none" kumimoji="0" normalizeH="0">
+      <a:defRPr kumimoji="0" sz="3600" b="0" i="0" u="none" strike="noStrike" cap="none" spc="0" normalizeH="0" baseline="0">
         <a:ln>
           <a:noFill/>
         </a:ln>
@@ -267,7 +266,7 @@
       <a:buFontTx/>
       <a:buNone/>
       <a:tabLst/>
-      <a:defRPr b="0" baseline="0" cap="none" i="0" spc="0" strike="noStrike" sz="3600" u="none" kumimoji="0" normalizeH="0">
+      <a:defRPr kumimoji="0" sz="3600" b="0" i="0" u="none" strike="noStrike" cap="none" spc="0" normalizeH="0" baseline="0">
         <a:ln>
           <a:noFill/>
         </a:ln>
@@ -297,7 +296,7 @@
       <a:buFontTx/>
       <a:buNone/>
       <a:tabLst/>
-      <a:defRPr b="0" baseline="0" cap="none" i="0" spc="0" strike="noStrike" sz="3600" u="none" kumimoji="0" normalizeH="0">
+      <a:defRPr kumimoji="0" sz="3600" b="0" i="0" u="none" strike="noStrike" cap="none" spc="0" normalizeH="0" baseline="0">
         <a:ln>
           <a:noFill/>
         </a:ln>
@@ -316,13 +315,14 @@
 </p:presentation>
 </file>
 
-<file path=ppt/commentAuthors.xml><?xml version="1.0" encoding="utf-8"?>
-<p:cmAuthorLst xmlns:a="http://schemas.openxmlformats.org/drawingml/2006/main" xmlns:r="http://schemas.openxmlformats.org/officeDocument/2006/relationships" xmlns:p="http://schemas.openxmlformats.org/presentationml/2006/main"/>
-</file>
-
 <file path=ppt/notesMasters/notesMaster1.xml><?xml version="1.0" encoding="utf-8"?>
 <p:notesMaster xmlns:a="http://schemas.openxmlformats.org/drawingml/2006/main" xmlns:r="http://schemas.openxmlformats.org/officeDocument/2006/relationships" xmlns:p="http://schemas.openxmlformats.org/presentationml/2006/main">
   <p:cSld>
+    <p:bg>
+      <p:bgRef idx="1001">
+        <a:schemeClr val="bg1"/>
+      </p:bgRef>
+    </p:bg>
     <p:spTree>
       <p:nvGrpSpPr>
         <p:cNvPr id="1" name=""/>
@@ -340,7 +340,9 @@
       <p:sp>
         <p:nvSpPr>
           <p:cNvPr id="116" name="Shape 116"/>
-          <p:cNvSpPr/>
+          <p:cNvSpPr>
+            <a:spLocks noGrp="1" noRot="1" noChangeAspect="1"/>
+          </p:cNvSpPr>
           <p:nvPr>
             <p:ph type="sldImg"/>
           </p:nvPr>
@@ -358,14 +360,16 @@
           <a:bodyPr/>
           <a:lstStyle/>
           <a:p>
-            <a:pPr/>
+            <a:endParaRPr/>
           </a:p>
         </p:txBody>
       </p:sp>
       <p:sp>
         <p:nvSpPr>
           <p:cNvPr id="117" name="Shape 117"/>
-          <p:cNvSpPr/>
+          <p:cNvSpPr>
+            <a:spLocks noGrp="1"/>
+          </p:cNvSpPr>
           <p:nvPr>
             <p:ph type="body" sz="quarter" idx="1"/>
           </p:nvPr>
@@ -383,7 +387,7 @@
           <a:bodyPr/>
           <a:lstStyle/>
           <a:p>
-            <a:pPr/>
+            <a:endParaRPr/>
           </a:p>
         </p:txBody>
       </p:sp>
@@ -495,7 +499,7 @@
 </file>
 
 <file path=ppt/slideLayouts/slideLayout1.xml><?xml version="1.0" encoding="utf-8"?>
-<p:sldLayout xmlns:a="http://schemas.openxmlformats.org/drawingml/2006/main" xmlns:r="http://schemas.openxmlformats.org/officeDocument/2006/relationships" xmlns:p="http://schemas.openxmlformats.org/presentationml/2006/main" type="title" showMasterSp="1" showMasterPhAnim="1">
+<p:sldLayout xmlns:a="http://schemas.openxmlformats.org/drawingml/2006/main" xmlns:r="http://schemas.openxmlformats.org/officeDocument/2006/relationships" xmlns:p="http://schemas.openxmlformats.org/presentationml/2006/main" type="title">
   <p:cSld name="Title &amp; Subtitle">
     <p:spTree>
       <p:nvGrpSpPr>
@@ -514,7 +518,9 @@
       <p:sp>
         <p:nvSpPr>
           <p:cNvPr id="11" name="Shape 11"/>
-          <p:cNvSpPr/>
+          <p:cNvSpPr>
+            <a:spLocks noGrp="1"/>
+          </p:cNvSpPr>
           <p:nvPr>
             <p:ph type="title"/>
           </p:nvPr>
@@ -532,7 +538,6 @@
           <a:bodyPr anchor="b"/>
           <a:lstStyle/>
           <a:p>
-            <a:pPr/>
             <a:r>
               <a:t>Title Text</a:t>
             </a:r>
@@ -542,7 +547,9 @@
       <p:sp>
         <p:nvSpPr>
           <p:cNvPr id="12" name="Shape 12"/>
-          <p:cNvSpPr/>
+          <p:cNvSpPr>
+            <a:spLocks noGrp="1"/>
+          </p:cNvSpPr>
           <p:nvPr>
             <p:ph type="body" sz="quarter" idx="1"/>
           </p:nvPr>
@@ -601,7 +608,6 @@
             </a:lvl5pPr>
           </a:lstStyle>
           <a:p>
-            <a:pPr/>
             <a:r>
               <a:t>Body Level One</a:t>
             </a:r>
@@ -635,7 +641,9 @@
       <p:sp>
         <p:nvSpPr>
           <p:cNvPr id="13" name="Shape 13"/>
-          <p:cNvSpPr/>
+          <p:cNvSpPr>
+            <a:spLocks noGrp="1"/>
+          </p:cNvSpPr>
           <p:nvPr>
             <p:ph type="sldNum" sz="quarter" idx="2"/>
           </p:nvPr>
@@ -649,8 +657,10 @@
           <a:bodyPr/>
           <a:lstStyle/>
           <a:p>
-            <a:pPr/>
-            <a:fld id="{86CB4B4D-7CA3-9044-876B-883B54F8677D}" type="slidenum"/>
+            <a:fld id="{86CB4B4D-7CA3-9044-876B-883B54F8677D}" type="slidenum">
+              <a:t>‹#›</a:t>
+            </a:fld>
+            <a:endParaRPr/>
           </a:p>
         </p:txBody>
       </p:sp>
@@ -659,12 +669,12 @@
   <p:clrMapOvr>
     <a:masterClrMapping/>
   </p:clrMapOvr>
-  <p:transition xmlns:p14="http://schemas.microsoft.com/office/powerpoint/2010/main" spd="med" advClick="1"/>
+  <p:transition spd="med"/>
 </p:sldLayout>
 </file>
 
 <file path=ppt/slideLayouts/slideLayout10.xml><?xml version="1.0" encoding="utf-8"?>
-<p:sldLayout xmlns:a="http://schemas.openxmlformats.org/drawingml/2006/main" xmlns:r="http://schemas.openxmlformats.org/officeDocument/2006/relationships" xmlns:p="http://schemas.openxmlformats.org/presentationml/2006/main" type="tx" showMasterSp="1" showMasterPhAnim="1">
+<p:sldLayout xmlns:a="http://schemas.openxmlformats.org/drawingml/2006/main" xmlns:r="http://schemas.openxmlformats.org/officeDocument/2006/relationships" xmlns:p="http://schemas.openxmlformats.org/presentationml/2006/main" type="tx">
   <p:cSld name="Quote">
     <p:spTree>
       <p:nvGrpSpPr>
@@ -683,7 +693,9 @@
       <p:sp>
         <p:nvSpPr>
           <p:cNvPr id="93" name="Shape 93"/>
-          <p:cNvSpPr/>
+          <p:cNvSpPr>
+            <a:spLocks noGrp="1"/>
+          </p:cNvSpPr>
           <p:nvPr>
             <p:ph type="body" sz="quarter" idx="13"/>
           </p:nvPr>
@@ -717,7 +729,6 @@
             </a:lvl1pPr>
           </a:lstStyle>
           <a:p>
-            <a:pPr/>
             <a:r>
               <a:t>–Johnny Appleseed</a:t>
             </a:r>
@@ -727,7 +738,9 @@
       <p:sp>
         <p:nvSpPr>
           <p:cNvPr id="94" name="Shape 94"/>
-          <p:cNvSpPr/>
+          <p:cNvSpPr>
+            <a:spLocks noGrp="1"/>
+          </p:cNvSpPr>
           <p:nvPr>
             <p:ph type="body" sz="quarter" idx="14"/>
           </p:nvPr>
@@ -756,7 +769,6 @@
             </a:lvl1pPr>
           </a:lstStyle>
           <a:p>
-            <a:pPr/>
             <a:r>
               <a:t>“Type a quote here.” </a:t>
             </a:r>
@@ -766,7 +778,9 @@
       <p:sp>
         <p:nvSpPr>
           <p:cNvPr id="95" name="Shape 95"/>
-          <p:cNvSpPr/>
+          <p:cNvSpPr>
+            <a:spLocks noGrp="1"/>
+          </p:cNvSpPr>
           <p:nvPr>
             <p:ph type="sldNum" sz="quarter" idx="2"/>
           </p:nvPr>
@@ -780,8 +794,10 @@
           <a:bodyPr/>
           <a:lstStyle/>
           <a:p>
-            <a:pPr/>
-            <a:fld id="{86CB4B4D-7CA3-9044-876B-883B54F8677D}" type="slidenum"/>
+            <a:fld id="{86CB4B4D-7CA3-9044-876B-883B54F8677D}" type="slidenum">
+              <a:t>‹#›</a:t>
+            </a:fld>
+            <a:endParaRPr/>
           </a:p>
         </p:txBody>
       </p:sp>
@@ -790,12 +806,12 @@
   <p:clrMapOvr>
     <a:masterClrMapping/>
   </p:clrMapOvr>
-  <p:transition xmlns:p14="http://schemas.microsoft.com/office/powerpoint/2010/main" spd="med" advClick="1"/>
+  <p:transition spd="med"/>
 </p:sldLayout>
 </file>
 
 <file path=ppt/slideLayouts/slideLayout11.xml><?xml version="1.0" encoding="utf-8"?>
-<p:sldLayout xmlns:a="http://schemas.openxmlformats.org/drawingml/2006/main" xmlns:r="http://schemas.openxmlformats.org/officeDocument/2006/relationships" xmlns:p="http://schemas.openxmlformats.org/presentationml/2006/main" type="tx" showMasterSp="1" showMasterPhAnim="1">
+<p:sldLayout xmlns:a="http://schemas.openxmlformats.org/drawingml/2006/main" xmlns:r="http://schemas.openxmlformats.org/officeDocument/2006/relationships" xmlns:p="http://schemas.openxmlformats.org/presentationml/2006/main" type="tx">
   <p:cSld name="Photo">
     <p:spTree>
       <p:nvGrpSpPr>
@@ -814,7 +830,9 @@
       <p:sp>
         <p:nvSpPr>
           <p:cNvPr id="102" name="Shape 102"/>
-          <p:cNvSpPr/>
+          <p:cNvSpPr>
+            <a:spLocks noGrp="1"/>
+          </p:cNvSpPr>
           <p:nvPr>
             <p:ph type="pic" idx="13"/>
           </p:nvPr>
@@ -834,14 +852,16 @@
           </a:bodyPr>
           <a:lstStyle/>
           <a:p>
-            <a:pPr/>
+            <a:endParaRPr/>
           </a:p>
         </p:txBody>
       </p:sp>
       <p:sp>
         <p:nvSpPr>
           <p:cNvPr id="103" name="Shape 103"/>
-          <p:cNvSpPr/>
+          <p:cNvSpPr>
+            <a:spLocks noGrp="1"/>
+          </p:cNvSpPr>
           <p:nvPr>
             <p:ph type="sldNum" sz="quarter" idx="2"/>
           </p:nvPr>
@@ -855,8 +875,10 @@
           <a:bodyPr/>
           <a:lstStyle/>
           <a:p>
-            <a:pPr/>
-            <a:fld id="{86CB4B4D-7CA3-9044-876B-883B54F8677D}" type="slidenum"/>
+            <a:fld id="{86CB4B4D-7CA3-9044-876B-883B54F8677D}" type="slidenum">
+              <a:t>‹#›</a:t>
+            </a:fld>
+            <a:endParaRPr/>
           </a:p>
         </p:txBody>
       </p:sp>
@@ -865,12 +887,12 @@
   <p:clrMapOvr>
     <a:masterClrMapping/>
   </p:clrMapOvr>
-  <p:transition xmlns:p14="http://schemas.microsoft.com/office/powerpoint/2010/main" spd="med" advClick="1"/>
+  <p:transition spd="med"/>
 </p:sldLayout>
 </file>
 
 <file path=ppt/slideLayouts/slideLayout12.xml><?xml version="1.0" encoding="utf-8"?>
-<p:sldLayout xmlns:a="http://schemas.openxmlformats.org/drawingml/2006/main" xmlns:r="http://schemas.openxmlformats.org/officeDocument/2006/relationships" xmlns:p="http://schemas.openxmlformats.org/presentationml/2006/main" type="tx" showMasterSp="1" showMasterPhAnim="1">
+<p:sldLayout xmlns:a="http://schemas.openxmlformats.org/drawingml/2006/main" xmlns:r="http://schemas.openxmlformats.org/officeDocument/2006/relationships" xmlns:p="http://schemas.openxmlformats.org/presentationml/2006/main" type="tx">
   <p:cSld name="Blank">
     <p:spTree>
       <p:nvGrpSpPr>
@@ -889,7 +911,9 @@
       <p:sp>
         <p:nvSpPr>
           <p:cNvPr id="110" name="Shape 110"/>
-          <p:cNvSpPr/>
+          <p:cNvSpPr>
+            <a:spLocks noGrp="1"/>
+          </p:cNvSpPr>
           <p:nvPr>
             <p:ph type="sldNum" sz="quarter" idx="2"/>
           </p:nvPr>
@@ -903,8 +927,10 @@
           <a:bodyPr/>
           <a:lstStyle/>
           <a:p>
-            <a:pPr/>
-            <a:fld id="{86CB4B4D-7CA3-9044-876B-883B54F8677D}" type="slidenum"/>
+            <a:fld id="{86CB4B4D-7CA3-9044-876B-883B54F8677D}" type="slidenum">
+              <a:t>‹#›</a:t>
+            </a:fld>
+            <a:endParaRPr/>
           </a:p>
         </p:txBody>
       </p:sp>
@@ -913,12 +939,12 @@
   <p:clrMapOvr>
     <a:masterClrMapping/>
   </p:clrMapOvr>
-  <p:transition xmlns:p14="http://schemas.microsoft.com/office/powerpoint/2010/main" spd="med" advClick="1"/>
+  <p:transition spd="med"/>
 </p:sldLayout>
 </file>
 
 <file path=ppt/slideLayouts/slideLayout2.xml><?xml version="1.0" encoding="utf-8"?>
-<p:sldLayout xmlns:a="http://schemas.openxmlformats.org/drawingml/2006/main" xmlns:r="http://schemas.openxmlformats.org/officeDocument/2006/relationships" xmlns:p="http://schemas.openxmlformats.org/presentationml/2006/main" type="tx" showMasterSp="1" showMasterPhAnim="1">
+<p:sldLayout xmlns:a="http://schemas.openxmlformats.org/drawingml/2006/main" xmlns:r="http://schemas.openxmlformats.org/officeDocument/2006/relationships" xmlns:p="http://schemas.openxmlformats.org/presentationml/2006/main" type="tx">
   <p:cSld name="Photo - Horizontal">
     <p:spTree>
       <p:nvGrpSpPr>
@@ -937,7 +963,9 @@
       <p:sp>
         <p:nvSpPr>
           <p:cNvPr id="20" name="Shape 20"/>
-          <p:cNvSpPr/>
+          <p:cNvSpPr>
+            <a:spLocks noGrp="1"/>
+          </p:cNvSpPr>
           <p:nvPr>
             <p:ph type="pic" idx="13"/>
           </p:nvPr>
@@ -957,14 +985,16 @@
           </a:bodyPr>
           <a:lstStyle/>
           <a:p>
-            <a:pPr/>
+            <a:endParaRPr/>
           </a:p>
         </p:txBody>
       </p:sp>
       <p:sp>
         <p:nvSpPr>
           <p:cNvPr id="21" name="Shape 21"/>
-          <p:cNvSpPr/>
+          <p:cNvSpPr>
+            <a:spLocks noGrp="1"/>
+          </p:cNvSpPr>
           <p:nvPr>
             <p:ph type="title"/>
           </p:nvPr>
@@ -982,7 +1012,6 @@
           <a:bodyPr anchor="b"/>
           <a:lstStyle/>
           <a:p>
-            <a:pPr/>
             <a:r>
               <a:t>Title Text</a:t>
             </a:r>
@@ -992,7 +1021,9 @@
       <p:sp>
         <p:nvSpPr>
           <p:cNvPr id="22" name="Shape 22"/>
-          <p:cNvSpPr/>
+          <p:cNvSpPr>
+            <a:spLocks noGrp="1"/>
+          </p:cNvSpPr>
           <p:nvPr>
             <p:ph type="body" sz="quarter" idx="1"/>
           </p:nvPr>
@@ -1051,7 +1082,6 @@
             </a:lvl5pPr>
           </a:lstStyle>
           <a:p>
-            <a:pPr/>
             <a:r>
               <a:t>Body Level One</a:t>
             </a:r>
@@ -1085,7 +1115,9 @@
       <p:sp>
         <p:nvSpPr>
           <p:cNvPr id="23" name="Shape 23"/>
-          <p:cNvSpPr/>
+          <p:cNvSpPr>
+            <a:spLocks noGrp="1"/>
+          </p:cNvSpPr>
           <p:nvPr>
             <p:ph type="sldNum" sz="quarter" idx="2"/>
           </p:nvPr>
@@ -1103,8 +1135,10 @@
           <a:bodyPr/>
           <a:lstStyle/>
           <a:p>
-            <a:pPr/>
-            <a:fld id="{86CB4B4D-7CA3-9044-876B-883B54F8677D}" type="slidenum"/>
+            <a:fld id="{86CB4B4D-7CA3-9044-876B-883B54F8677D}" type="slidenum">
+              <a:t>‹#›</a:t>
+            </a:fld>
+            <a:endParaRPr/>
           </a:p>
         </p:txBody>
       </p:sp>
@@ -1113,12 +1147,12 @@
   <p:clrMapOvr>
     <a:masterClrMapping/>
   </p:clrMapOvr>
-  <p:transition xmlns:p14="http://schemas.microsoft.com/office/powerpoint/2010/main" spd="med" advClick="1"/>
+  <p:transition spd="med"/>
 </p:sldLayout>
 </file>
 
 <file path=ppt/slideLayouts/slideLayout3.xml><?xml version="1.0" encoding="utf-8"?>
-<p:sldLayout xmlns:a="http://schemas.openxmlformats.org/drawingml/2006/main" xmlns:r="http://schemas.openxmlformats.org/officeDocument/2006/relationships" xmlns:p="http://schemas.openxmlformats.org/presentationml/2006/main" type="tx" showMasterSp="1" showMasterPhAnim="1">
+<p:sldLayout xmlns:a="http://schemas.openxmlformats.org/drawingml/2006/main" xmlns:r="http://schemas.openxmlformats.org/officeDocument/2006/relationships" xmlns:p="http://schemas.openxmlformats.org/presentationml/2006/main" type="tx">
   <p:cSld name="Title - Center">
     <p:spTree>
       <p:nvGrpSpPr>
@@ -1137,7 +1171,9 @@
       <p:sp>
         <p:nvSpPr>
           <p:cNvPr id="30" name="Shape 30"/>
-          <p:cNvSpPr/>
+          <p:cNvSpPr>
+            <a:spLocks noGrp="1"/>
+          </p:cNvSpPr>
           <p:nvPr>
             <p:ph type="title"/>
           </p:nvPr>
@@ -1155,7 +1191,6 @@
           <a:bodyPr/>
           <a:lstStyle/>
           <a:p>
-            <a:pPr/>
             <a:r>
               <a:t>Title Text</a:t>
             </a:r>
@@ -1165,7 +1200,9 @@
       <p:sp>
         <p:nvSpPr>
           <p:cNvPr id="31" name="Shape 31"/>
-          <p:cNvSpPr/>
+          <p:cNvSpPr>
+            <a:spLocks noGrp="1"/>
+          </p:cNvSpPr>
           <p:nvPr>
             <p:ph type="sldNum" sz="quarter" idx="2"/>
           </p:nvPr>
@@ -1179,8 +1216,10 @@
           <a:bodyPr/>
           <a:lstStyle/>
           <a:p>
-            <a:pPr/>
-            <a:fld id="{86CB4B4D-7CA3-9044-876B-883B54F8677D}" type="slidenum"/>
+            <a:fld id="{86CB4B4D-7CA3-9044-876B-883B54F8677D}" type="slidenum">
+              <a:t>‹#›</a:t>
+            </a:fld>
+            <a:endParaRPr/>
           </a:p>
         </p:txBody>
       </p:sp>
@@ -1189,12 +1228,12 @@
   <p:clrMapOvr>
     <a:masterClrMapping/>
   </p:clrMapOvr>
-  <p:transition xmlns:p14="http://schemas.microsoft.com/office/powerpoint/2010/main" spd="med" advClick="1"/>
+  <p:transition spd="med"/>
 </p:sldLayout>
 </file>
 
 <file path=ppt/slideLayouts/slideLayout4.xml><?xml version="1.0" encoding="utf-8"?>
-<p:sldLayout xmlns:a="http://schemas.openxmlformats.org/drawingml/2006/main" xmlns:r="http://schemas.openxmlformats.org/officeDocument/2006/relationships" xmlns:p="http://schemas.openxmlformats.org/presentationml/2006/main" type="tx" showMasterSp="1" showMasterPhAnim="1">
+<p:sldLayout xmlns:a="http://schemas.openxmlformats.org/drawingml/2006/main" xmlns:r="http://schemas.openxmlformats.org/officeDocument/2006/relationships" xmlns:p="http://schemas.openxmlformats.org/presentationml/2006/main" type="tx">
   <p:cSld name="Photo - Vertical">
     <p:spTree>
       <p:nvGrpSpPr>
@@ -1213,7 +1252,9 @@
       <p:sp>
         <p:nvSpPr>
           <p:cNvPr id="38" name="Shape 38"/>
-          <p:cNvSpPr/>
+          <p:cNvSpPr>
+            <a:spLocks noGrp="1"/>
+          </p:cNvSpPr>
           <p:nvPr>
             <p:ph type="pic" sz="half" idx="13"/>
           </p:nvPr>
@@ -1233,14 +1274,16 @@
           </a:bodyPr>
           <a:lstStyle/>
           <a:p>
-            <a:pPr/>
+            <a:endParaRPr/>
           </a:p>
         </p:txBody>
       </p:sp>
       <p:sp>
         <p:nvSpPr>
           <p:cNvPr id="39" name="Shape 39"/>
-          <p:cNvSpPr/>
+          <p:cNvSpPr>
+            <a:spLocks noGrp="1"/>
+          </p:cNvSpPr>
           <p:nvPr>
             <p:ph type="title"/>
           </p:nvPr>
@@ -1262,7 +1305,6 @@
             </a:lvl1pPr>
           </a:lstStyle>
           <a:p>
-            <a:pPr/>
             <a:r>
               <a:t>Title Text</a:t>
             </a:r>
@@ -1272,7 +1314,9 @@
       <p:sp>
         <p:nvSpPr>
           <p:cNvPr id="40" name="Shape 40"/>
-          <p:cNvSpPr/>
+          <p:cNvSpPr>
+            <a:spLocks noGrp="1"/>
+          </p:cNvSpPr>
           <p:nvPr>
             <p:ph type="body" sz="quarter" idx="1"/>
           </p:nvPr>
@@ -1331,7 +1375,6 @@
             </a:lvl5pPr>
           </a:lstStyle>
           <a:p>
-            <a:pPr/>
             <a:r>
               <a:t>Body Level One</a:t>
             </a:r>
@@ -1365,7 +1408,9 @@
       <p:sp>
         <p:nvSpPr>
           <p:cNvPr id="41" name="Shape 41"/>
-          <p:cNvSpPr/>
+          <p:cNvSpPr>
+            <a:spLocks noGrp="1"/>
+          </p:cNvSpPr>
           <p:nvPr>
             <p:ph type="sldNum" sz="quarter" idx="2"/>
           </p:nvPr>
@@ -1379,8 +1424,10 @@
           <a:bodyPr/>
           <a:lstStyle/>
           <a:p>
-            <a:pPr/>
-            <a:fld id="{86CB4B4D-7CA3-9044-876B-883B54F8677D}" type="slidenum"/>
+            <a:fld id="{86CB4B4D-7CA3-9044-876B-883B54F8677D}" type="slidenum">
+              <a:t>‹#›</a:t>
+            </a:fld>
+            <a:endParaRPr/>
           </a:p>
         </p:txBody>
       </p:sp>
@@ -1389,12 +1436,12 @@
   <p:clrMapOvr>
     <a:masterClrMapping/>
   </p:clrMapOvr>
-  <p:transition xmlns:p14="http://schemas.microsoft.com/office/powerpoint/2010/main" spd="med" advClick="1"/>
+  <p:transition spd="med"/>
 </p:sldLayout>
 </file>
 
 <file path=ppt/slideLayouts/slideLayout5.xml><?xml version="1.0" encoding="utf-8"?>
-<p:sldLayout xmlns:a="http://schemas.openxmlformats.org/drawingml/2006/main" xmlns:r="http://schemas.openxmlformats.org/officeDocument/2006/relationships" xmlns:p="http://schemas.openxmlformats.org/presentationml/2006/main" type="tx" showMasterSp="1" showMasterPhAnim="1">
+<p:sldLayout xmlns:a="http://schemas.openxmlformats.org/drawingml/2006/main" xmlns:r="http://schemas.openxmlformats.org/officeDocument/2006/relationships" xmlns:p="http://schemas.openxmlformats.org/presentationml/2006/main" type="tx">
   <p:cSld name="Title - Top">
     <p:spTree>
       <p:nvGrpSpPr>
@@ -1413,7 +1460,9 @@
       <p:sp>
         <p:nvSpPr>
           <p:cNvPr id="48" name="Shape 48"/>
-          <p:cNvSpPr/>
+          <p:cNvSpPr>
+            <a:spLocks noGrp="1"/>
+          </p:cNvSpPr>
           <p:nvPr>
             <p:ph type="title"/>
           </p:nvPr>
@@ -1427,7 +1476,6 @@
           <a:bodyPr/>
           <a:lstStyle/>
           <a:p>
-            <a:pPr/>
             <a:r>
               <a:t>Title Text</a:t>
             </a:r>
@@ -1437,7 +1485,9 @@
       <p:sp>
         <p:nvSpPr>
           <p:cNvPr id="49" name="Shape 49"/>
-          <p:cNvSpPr/>
+          <p:cNvSpPr>
+            <a:spLocks noGrp="1"/>
+          </p:cNvSpPr>
           <p:nvPr>
             <p:ph type="sldNum" sz="quarter" idx="2"/>
           </p:nvPr>
@@ -1451,8 +1501,10 @@
           <a:bodyPr/>
           <a:lstStyle/>
           <a:p>
-            <a:pPr/>
-            <a:fld id="{86CB4B4D-7CA3-9044-876B-883B54F8677D}" type="slidenum"/>
+            <a:fld id="{86CB4B4D-7CA3-9044-876B-883B54F8677D}" type="slidenum">
+              <a:t>‹#›</a:t>
+            </a:fld>
+            <a:endParaRPr/>
           </a:p>
         </p:txBody>
       </p:sp>
@@ -1461,12 +1513,12 @@
   <p:clrMapOvr>
     <a:masterClrMapping/>
   </p:clrMapOvr>
-  <p:transition xmlns:p14="http://schemas.microsoft.com/office/powerpoint/2010/main" spd="med" advClick="1"/>
+  <p:transition spd="med"/>
 </p:sldLayout>
 </file>
 
 <file path=ppt/slideLayouts/slideLayout6.xml><?xml version="1.0" encoding="utf-8"?>
-<p:sldLayout xmlns:a="http://schemas.openxmlformats.org/drawingml/2006/main" xmlns:r="http://schemas.openxmlformats.org/officeDocument/2006/relationships" xmlns:p="http://schemas.openxmlformats.org/presentationml/2006/main" type="tx" showMasterSp="1" showMasterPhAnim="1">
+<p:sldLayout xmlns:a="http://schemas.openxmlformats.org/drawingml/2006/main" xmlns:r="http://schemas.openxmlformats.org/officeDocument/2006/relationships" xmlns:p="http://schemas.openxmlformats.org/presentationml/2006/main" type="tx">
   <p:cSld name="Title &amp; Bullets">
     <p:spTree>
       <p:nvGrpSpPr>
@@ -1485,7 +1537,9 @@
       <p:sp>
         <p:nvSpPr>
           <p:cNvPr id="56" name="Shape 56"/>
-          <p:cNvSpPr/>
+          <p:cNvSpPr>
+            <a:spLocks noGrp="1"/>
+          </p:cNvSpPr>
           <p:nvPr>
             <p:ph type="title"/>
           </p:nvPr>
@@ -1499,7 +1553,6 @@
           <a:bodyPr/>
           <a:lstStyle/>
           <a:p>
-            <a:pPr/>
             <a:r>
               <a:t>Title Text</a:t>
             </a:r>
@@ -1509,7 +1562,9 @@
       <p:sp>
         <p:nvSpPr>
           <p:cNvPr id="57" name="Shape 57"/>
-          <p:cNvSpPr/>
+          <p:cNvSpPr>
+            <a:spLocks noGrp="1"/>
+          </p:cNvSpPr>
           <p:nvPr>
             <p:ph type="body" idx="1"/>
           </p:nvPr>
@@ -1523,7 +1578,6 @@
           <a:bodyPr/>
           <a:lstStyle/>
           <a:p>
-            <a:pPr/>
             <a:r>
               <a:t>Body Level One</a:t>
             </a:r>
@@ -1557,7 +1611,9 @@
       <p:sp>
         <p:nvSpPr>
           <p:cNvPr id="58" name="Shape 58"/>
-          <p:cNvSpPr/>
+          <p:cNvSpPr>
+            <a:spLocks noGrp="1"/>
+          </p:cNvSpPr>
           <p:nvPr>
             <p:ph type="sldNum" sz="quarter" idx="2"/>
           </p:nvPr>
@@ -1571,8 +1627,10 @@
           <a:bodyPr/>
           <a:lstStyle/>
           <a:p>
-            <a:pPr/>
-            <a:fld id="{86CB4B4D-7CA3-9044-876B-883B54F8677D}" type="slidenum"/>
+            <a:fld id="{86CB4B4D-7CA3-9044-876B-883B54F8677D}" type="slidenum">
+              <a:t>‹#›</a:t>
+            </a:fld>
+            <a:endParaRPr/>
           </a:p>
         </p:txBody>
       </p:sp>
@@ -1581,12 +1639,12 @@
   <p:clrMapOvr>
     <a:masterClrMapping/>
   </p:clrMapOvr>
-  <p:transition xmlns:p14="http://schemas.microsoft.com/office/powerpoint/2010/main" spd="med" advClick="1"/>
+  <p:transition spd="med"/>
 </p:sldLayout>
 </file>
 
 <file path=ppt/slideLayouts/slideLayout7.xml><?xml version="1.0" encoding="utf-8"?>
-<p:sldLayout xmlns:a="http://schemas.openxmlformats.org/drawingml/2006/main" xmlns:r="http://schemas.openxmlformats.org/officeDocument/2006/relationships" xmlns:p="http://schemas.openxmlformats.org/presentationml/2006/main" type="tx" showMasterSp="1" showMasterPhAnim="1">
+<p:sldLayout xmlns:a="http://schemas.openxmlformats.org/drawingml/2006/main" xmlns:r="http://schemas.openxmlformats.org/officeDocument/2006/relationships" xmlns:p="http://schemas.openxmlformats.org/presentationml/2006/main" type="tx">
   <p:cSld name="Title, Bullets &amp; Photo">
     <p:spTree>
       <p:nvGrpSpPr>
@@ -1605,7 +1663,9 @@
       <p:sp>
         <p:nvSpPr>
           <p:cNvPr id="65" name="Shape 65"/>
-          <p:cNvSpPr/>
+          <p:cNvSpPr>
+            <a:spLocks noGrp="1"/>
+          </p:cNvSpPr>
           <p:nvPr>
             <p:ph type="pic" sz="half" idx="13"/>
           </p:nvPr>
@@ -1625,14 +1685,16 @@
           </a:bodyPr>
           <a:lstStyle/>
           <a:p>
-            <a:pPr/>
+            <a:endParaRPr/>
           </a:p>
         </p:txBody>
       </p:sp>
       <p:sp>
         <p:nvSpPr>
           <p:cNvPr id="66" name="Shape 66"/>
-          <p:cNvSpPr/>
+          <p:cNvSpPr>
+            <a:spLocks noGrp="1"/>
+          </p:cNvSpPr>
           <p:nvPr>
             <p:ph type="title"/>
           </p:nvPr>
@@ -1646,7 +1708,6 @@
           <a:bodyPr/>
           <a:lstStyle/>
           <a:p>
-            <a:pPr/>
             <a:r>
               <a:t>Title Text</a:t>
             </a:r>
@@ -1656,7 +1717,9 @@
       <p:sp>
         <p:nvSpPr>
           <p:cNvPr id="67" name="Shape 67"/>
-          <p:cNvSpPr/>
+          <p:cNvSpPr>
+            <a:spLocks noGrp="1"/>
+          </p:cNvSpPr>
           <p:nvPr>
             <p:ph type="body" sz="half" idx="1"/>
           </p:nvPr>
@@ -1705,7 +1768,6 @@
             </a:lvl5pPr>
           </a:lstStyle>
           <a:p>
-            <a:pPr/>
             <a:r>
               <a:t>Body Level One</a:t>
             </a:r>
@@ -1739,7 +1801,9 @@
       <p:sp>
         <p:nvSpPr>
           <p:cNvPr id="68" name="Shape 68"/>
-          <p:cNvSpPr/>
+          <p:cNvSpPr>
+            <a:spLocks noGrp="1"/>
+          </p:cNvSpPr>
           <p:nvPr>
             <p:ph type="sldNum" sz="quarter" idx="2"/>
           </p:nvPr>
@@ -1753,8 +1817,10 @@
           <a:bodyPr/>
           <a:lstStyle/>
           <a:p>
-            <a:pPr/>
-            <a:fld id="{86CB4B4D-7CA3-9044-876B-883B54F8677D}" type="slidenum"/>
+            <a:fld id="{86CB4B4D-7CA3-9044-876B-883B54F8677D}" type="slidenum">
+              <a:t>‹#›</a:t>
+            </a:fld>
+            <a:endParaRPr/>
           </a:p>
         </p:txBody>
       </p:sp>
@@ -1763,12 +1829,12 @@
   <p:clrMapOvr>
     <a:masterClrMapping/>
   </p:clrMapOvr>
-  <p:transition xmlns:p14="http://schemas.microsoft.com/office/powerpoint/2010/main" spd="med" advClick="1"/>
+  <p:transition spd="med"/>
 </p:sldLayout>
 </file>
 
 <file path=ppt/slideLayouts/slideLayout8.xml><?xml version="1.0" encoding="utf-8"?>
-<p:sldLayout xmlns:a="http://schemas.openxmlformats.org/drawingml/2006/main" xmlns:r="http://schemas.openxmlformats.org/officeDocument/2006/relationships" xmlns:p="http://schemas.openxmlformats.org/presentationml/2006/main" type="tx" showMasterSp="1" showMasterPhAnim="1">
+<p:sldLayout xmlns:a="http://schemas.openxmlformats.org/drawingml/2006/main" xmlns:r="http://schemas.openxmlformats.org/officeDocument/2006/relationships" xmlns:p="http://schemas.openxmlformats.org/presentationml/2006/main" type="tx">
   <p:cSld name="Bullets">
     <p:spTree>
       <p:nvGrpSpPr>
@@ -1787,7 +1853,9 @@
       <p:sp>
         <p:nvSpPr>
           <p:cNvPr id="75" name="Shape 75"/>
-          <p:cNvSpPr/>
+          <p:cNvSpPr>
+            <a:spLocks noGrp="1"/>
+          </p:cNvSpPr>
           <p:nvPr>
             <p:ph type="body" idx="1"/>
           </p:nvPr>
@@ -1805,7 +1873,6 @@
           <a:bodyPr/>
           <a:lstStyle/>
           <a:p>
-            <a:pPr/>
             <a:r>
               <a:t>Body Level One</a:t>
             </a:r>
@@ -1839,7 +1906,9 @@
       <p:sp>
         <p:nvSpPr>
           <p:cNvPr id="76" name="Shape 76"/>
-          <p:cNvSpPr/>
+          <p:cNvSpPr>
+            <a:spLocks noGrp="1"/>
+          </p:cNvSpPr>
           <p:nvPr>
             <p:ph type="sldNum" sz="quarter" idx="2"/>
           </p:nvPr>
@@ -1853,8 +1922,10 @@
           <a:bodyPr/>
           <a:lstStyle/>
           <a:p>
-            <a:pPr/>
-            <a:fld id="{86CB4B4D-7CA3-9044-876B-883B54F8677D}" type="slidenum"/>
+            <a:fld id="{86CB4B4D-7CA3-9044-876B-883B54F8677D}" type="slidenum">
+              <a:t>‹#›</a:t>
+            </a:fld>
+            <a:endParaRPr/>
           </a:p>
         </p:txBody>
       </p:sp>
@@ -1863,12 +1934,12 @@
   <p:clrMapOvr>
     <a:masterClrMapping/>
   </p:clrMapOvr>
-  <p:transition xmlns:p14="http://schemas.microsoft.com/office/powerpoint/2010/main" spd="med" advClick="1"/>
+  <p:transition spd="med"/>
 </p:sldLayout>
 </file>
 
 <file path=ppt/slideLayouts/slideLayout9.xml><?xml version="1.0" encoding="utf-8"?>
-<p:sldLayout xmlns:a="http://schemas.openxmlformats.org/drawingml/2006/main" xmlns:r="http://schemas.openxmlformats.org/officeDocument/2006/relationships" xmlns:p="http://schemas.openxmlformats.org/presentationml/2006/main" type="tx" showMasterSp="1" showMasterPhAnim="1">
+<p:sldLayout xmlns:a="http://schemas.openxmlformats.org/drawingml/2006/main" xmlns:r="http://schemas.openxmlformats.org/officeDocument/2006/relationships" xmlns:p="http://schemas.openxmlformats.org/presentationml/2006/main" type="tx">
   <p:cSld name="Photo - 3 Up">
     <p:spTree>
       <p:nvGrpSpPr>
@@ -1887,7 +1958,9 @@
       <p:sp>
         <p:nvSpPr>
           <p:cNvPr id="83" name="Shape 83"/>
-          <p:cNvSpPr/>
+          <p:cNvSpPr>
+            <a:spLocks noGrp="1"/>
+          </p:cNvSpPr>
           <p:nvPr>
             <p:ph type="pic" sz="quarter" idx="13"/>
           </p:nvPr>
@@ -1907,14 +1980,16 @@
           </a:bodyPr>
           <a:lstStyle/>
           <a:p>
-            <a:pPr/>
+            <a:endParaRPr/>
           </a:p>
         </p:txBody>
       </p:sp>
       <p:sp>
         <p:nvSpPr>
           <p:cNvPr id="84" name="Shape 84"/>
-          <p:cNvSpPr/>
+          <p:cNvSpPr>
+            <a:spLocks noGrp="1"/>
+          </p:cNvSpPr>
           <p:nvPr>
             <p:ph type="pic" sz="quarter" idx="14"/>
           </p:nvPr>
@@ -1934,14 +2009,16 @@
           </a:bodyPr>
           <a:lstStyle/>
           <a:p>
-            <a:pPr/>
+            <a:endParaRPr/>
           </a:p>
         </p:txBody>
       </p:sp>
       <p:sp>
         <p:nvSpPr>
           <p:cNvPr id="85" name="Shape 85"/>
-          <p:cNvSpPr/>
+          <p:cNvSpPr>
+            <a:spLocks noGrp="1"/>
+          </p:cNvSpPr>
           <p:nvPr>
             <p:ph type="pic" sz="half" idx="15"/>
           </p:nvPr>
@@ -1961,14 +2038,16 @@
           </a:bodyPr>
           <a:lstStyle/>
           <a:p>
-            <a:pPr/>
+            <a:endParaRPr/>
           </a:p>
         </p:txBody>
       </p:sp>
       <p:sp>
         <p:nvSpPr>
           <p:cNvPr id="86" name="Shape 86"/>
-          <p:cNvSpPr/>
+          <p:cNvSpPr>
+            <a:spLocks noGrp="1"/>
+          </p:cNvSpPr>
           <p:nvPr>
             <p:ph type="sldNum" sz="quarter" idx="2"/>
           </p:nvPr>
@@ -1982,8 +2061,10 @@
           <a:bodyPr/>
           <a:lstStyle/>
           <a:p>
-            <a:pPr/>
-            <a:fld id="{86CB4B4D-7CA3-9044-876B-883B54F8677D}" type="slidenum"/>
+            <a:fld id="{86CB4B4D-7CA3-9044-876B-883B54F8677D}" type="slidenum">
+              <a:t>‹#›</a:t>
+            </a:fld>
+            <a:endParaRPr/>
           </a:p>
         </p:txBody>
       </p:sp>
@@ -1992,7 +2073,7 @@
   <p:clrMapOvr>
     <a:masterClrMapping/>
   </p:clrMapOvr>
-  <p:transition xmlns:p14="http://schemas.microsoft.com/office/powerpoint/2010/main" spd="med" advClick="1"/>
+  <p:transition spd="med"/>
 </p:sldLayout>
 </file>
 
@@ -2004,6 +2085,7 @@
         <a:solidFill>
           <a:srgbClr val="FFFFFF"/>
         </a:solidFill>
+        <a:effectLst/>
       </p:bgPr>
     </p:bg>
     <p:spTree>
@@ -2023,7 +2105,9 @@
       <p:sp>
         <p:nvSpPr>
           <p:cNvPr id="2" name="Shape 2"/>
-          <p:cNvSpPr/>
+          <p:cNvSpPr>
+            <a:spLocks noGrp="1"/>
+          </p:cNvSpPr>
           <p:nvPr>
             <p:ph type="title"/>
           </p:nvPr>
@@ -2041,17 +2125,16 @@
           </a:ln>
           <a:extLst>
             <a:ext uri="{C572A759-6A51-4108-AA02-DFA0A04FC94B}">
-              <ma14:wrappingTextBoxFlag xmlns:ma14="http://schemas.microsoft.com/office/mac/drawingml/2011/main" val="1"/>
+              <ma14:wrappingTextBoxFlag xmlns:ma14="http://schemas.microsoft.com/office/mac/drawingml/2011/main" xmlns="" val="1"/>
             </a:ext>
           </a:extLst>
         </p:spPr>
         <p:txBody>
           <a:bodyPr lIns="50800" tIns="50800" rIns="50800" bIns="50800" anchor="ctr">
-            <a:normAutofit fontScale="100000" lnSpcReduction="0"/>
+            <a:normAutofit/>
           </a:bodyPr>
           <a:lstStyle/>
           <a:p>
-            <a:pPr/>
             <a:r>
               <a:t>Title Text</a:t>
             </a:r>
@@ -2061,7 +2144,9 @@
       <p:sp>
         <p:nvSpPr>
           <p:cNvPr id="3" name="Shape 3"/>
-          <p:cNvSpPr/>
+          <p:cNvSpPr>
+            <a:spLocks noGrp="1"/>
+          </p:cNvSpPr>
           <p:nvPr>
             <p:ph type="body" idx="1"/>
           </p:nvPr>
@@ -2079,17 +2164,16 @@
           </a:ln>
           <a:extLst>
             <a:ext uri="{C572A759-6A51-4108-AA02-DFA0A04FC94B}">
-              <ma14:wrappingTextBoxFlag xmlns:ma14="http://schemas.microsoft.com/office/mac/drawingml/2011/main" val="1"/>
+              <ma14:wrappingTextBoxFlag xmlns:ma14="http://schemas.microsoft.com/office/mac/drawingml/2011/main" xmlns="" val="1"/>
             </a:ext>
           </a:extLst>
         </p:spPr>
         <p:txBody>
           <a:bodyPr lIns="50800" tIns="50800" rIns="50800" bIns="50800" anchor="ctr">
-            <a:normAutofit fontScale="100000" lnSpcReduction="0"/>
+            <a:normAutofit/>
           </a:bodyPr>
           <a:lstStyle/>
           <a:p>
-            <a:pPr/>
             <a:r>
               <a:t>Body Level One</a:t>
             </a:r>
@@ -2123,7 +2207,9 @@
       <p:sp>
         <p:nvSpPr>
           <p:cNvPr id="4" name="Shape 4"/>
-          <p:cNvSpPr/>
+          <p:cNvSpPr>
+            <a:spLocks noGrp="1"/>
+          </p:cNvSpPr>
           <p:nvPr>
             <p:ph type="sldNum" sz="quarter" idx="2"/>
           </p:nvPr>
@@ -2150,8 +2236,10 @@
             </a:lvl1pPr>
           </a:lstStyle>
           <a:p>
-            <a:pPr/>
-            <a:fld id="{86CB4B4D-7CA3-9044-876B-883B54F8677D}" type="slidenum"/>
+            <a:fld id="{86CB4B4D-7CA3-9044-876B-883B54F8677D}" type="slidenum">
+              <a:t>‹#›</a:t>
+            </a:fld>
+            <a:endParaRPr/>
           </a:p>
         </p:txBody>
       </p:sp>
@@ -2159,20 +2247,20 @@
   </p:cSld>
   <p:clrMap bg1="lt1" tx1="dk1" bg2="lt2" tx2="dk2" accent1="accent1" accent2="accent2" accent3="accent3" accent4="accent4" accent5="accent5" accent6="accent6" hlink="hlink" folHlink="folHlink"/>
   <p:sldLayoutIdLst>
-    <p:sldLayoutId id="2147483649" r:id="rId2"/>
-    <p:sldLayoutId id="2147483650" r:id="rId3"/>
-    <p:sldLayoutId id="2147483651" r:id="rId4"/>
-    <p:sldLayoutId id="2147483652" r:id="rId5"/>
-    <p:sldLayoutId id="2147483653" r:id="rId6"/>
-    <p:sldLayoutId id="2147483654" r:id="rId7"/>
-    <p:sldLayoutId id="2147483655" r:id="rId8"/>
-    <p:sldLayoutId id="2147483656" r:id="rId9"/>
-    <p:sldLayoutId id="2147483657" r:id="rId10"/>
-    <p:sldLayoutId id="2147483658" r:id="rId11"/>
-    <p:sldLayoutId id="2147483659" r:id="rId12"/>
-    <p:sldLayoutId id="2147483660" r:id="rId13"/>
+    <p:sldLayoutId id="2147483649" r:id="rId1"/>
+    <p:sldLayoutId id="2147483650" r:id="rId2"/>
+    <p:sldLayoutId id="2147483651" r:id="rId3"/>
+    <p:sldLayoutId id="2147483652" r:id="rId4"/>
+    <p:sldLayoutId id="2147483653" r:id="rId5"/>
+    <p:sldLayoutId id="2147483654" r:id="rId6"/>
+    <p:sldLayoutId id="2147483655" r:id="rId7"/>
+    <p:sldLayoutId id="2147483656" r:id="rId8"/>
+    <p:sldLayoutId id="2147483657" r:id="rId9"/>
+    <p:sldLayoutId id="2147483658" r:id="rId10"/>
+    <p:sldLayoutId id="2147483659" r:id="rId11"/>
+    <p:sldLayoutId id="2147483660" r:id="rId12"/>
   </p:sldLayoutIdLst>
-  <p:transition xmlns:p14="http://schemas.microsoft.com/office/powerpoint/2010/main" spd="med" advClick="1"/>
+  <p:transition spd="med"/>
   <p:txStyles>
     <p:titleStyle>
       <a:lvl1pPr marL="0" marR="0" indent="0" algn="ctr" defTabSz="584200" rtl="0" latinLnBrk="0">
@@ -2190,7 +2278,7 @@
         <a:buFontTx/>
         <a:buNone/>
         <a:tabLst/>
-        <a:defRPr b="0" baseline="0" cap="none" i="0" spc="0" strike="noStrike" sz="8000" u="none">
+        <a:defRPr sz="8000" b="0" i="0" u="none" strike="noStrike" cap="none" spc="0" baseline="0">
           <a:ln>
             <a:noFill/>
           </a:ln>
@@ -2219,7 +2307,7 @@
         <a:buFontTx/>
         <a:buNone/>
         <a:tabLst/>
-        <a:defRPr b="0" baseline="0" cap="none" i="0" spc="0" strike="noStrike" sz="8000" u="none">
+        <a:defRPr sz="8000" b="0" i="0" u="none" strike="noStrike" cap="none" spc="0" baseline="0">
           <a:ln>
             <a:noFill/>
           </a:ln>
@@ -2248,7 +2336,7 @@
         <a:buFontTx/>
         <a:buNone/>
         <a:tabLst/>
-        <a:defRPr b="0" baseline="0" cap="none" i="0" spc="0" strike="noStrike" sz="8000" u="none">
+        <a:defRPr sz="8000" b="0" i="0" u="none" strike="noStrike" cap="none" spc="0" baseline="0">
           <a:ln>
             <a:noFill/>
           </a:ln>
@@ -2277,7 +2365,7 @@
         <a:buFontTx/>
         <a:buNone/>
         <a:tabLst/>
-        <a:defRPr b="0" baseline="0" cap="none" i="0" spc="0" strike="noStrike" sz="8000" u="none">
+        <a:defRPr sz="8000" b="0" i="0" u="none" strike="noStrike" cap="none" spc="0" baseline="0">
           <a:ln>
             <a:noFill/>
           </a:ln>
@@ -2306,7 +2394,7 @@
         <a:buFontTx/>
         <a:buNone/>
         <a:tabLst/>
-        <a:defRPr b="0" baseline="0" cap="none" i="0" spc="0" strike="noStrike" sz="8000" u="none">
+        <a:defRPr sz="8000" b="0" i="0" u="none" strike="noStrike" cap="none" spc="0" baseline="0">
           <a:ln>
             <a:noFill/>
           </a:ln>
@@ -2335,7 +2423,7 @@
         <a:buFontTx/>
         <a:buNone/>
         <a:tabLst/>
-        <a:defRPr b="0" baseline="0" cap="none" i="0" spc="0" strike="noStrike" sz="8000" u="none">
+        <a:defRPr sz="8000" b="0" i="0" u="none" strike="noStrike" cap="none" spc="0" baseline="0">
           <a:ln>
             <a:noFill/>
           </a:ln>
@@ -2364,7 +2452,7 @@
         <a:buFontTx/>
         <a:buNone/>
         <a:tabLst/>
-        <a:defRPr b="0" baseline="0" cap="none" i="0" spc="0" strike="noStrike" sz="8000" u="none">
+        <a:defRPr sz="8000" b="0" i="0" u="none" strike="noStrike" cap="none" spc="0" baseline="0">
           <a:ln>
             <a:noFill/>
           </a:ln>
@@ -2393,7 +2481,7 @@
         <a:buFontTx/>
         <a:buNone/>
         <a:tabLst/>
-        <a:defRPr b="0" baseline="0" cap="none" i="0" spc="0" strike="noStrike" sz="8000" u="none">
+        <a:defRPr sz="8000" b="0" i="0" u="none" strike="noStrike" cap="none" spc="0" baseline="0">
           <a:ln>
             <a:noFill/>
           </a:ln>
@@ -2422,7 +2510,7 @@
         <a:buFontTx/>
         <a:buNone/>
         <a:tabLst/>
-        <a:defRPr b="0" baseline="0" cap="none" i="0" spc="0" strike="noStrike" sz="8000" u="none">
+        <a:defRPr sz="8000" b="0" i="0" u="none" strike="noStrike" cap="none" spc="0" baseline="0">
           <a:ln>
             <a:noFill/>
           </a:ln>
@@ -2453,7 +2541,7 @@
         <a:buFontTx/>
         <a:buChar char="•"/>
         <a:tabLst/>
-        <a:defRPr b="0" baseline="0" cap="none" i="0" spc="0" strike="noStrike" sz="3600" u="none">
+        <a:defRPr sz="3600" b="0" i="0" u="none" strike="noStrike" cap="none" spc="0" baseline="0">
           <a:ln>
             <a:noFill/>
           </a:ln>
@@ -2482,7 +2570,7 @@
         <a:buFontTx/>
         <a:buChar char="•"/>
         <a:tabLst/>
-        <a:defRPr b="0" baseline="0" cap="none" i="0" spc="0" strike="noStrike" sz="3600" u="none">
+        <a:defRPr sz="3600" b="0" i="0" u="none" strike="noStrike" cap="none" spc="0" baseline="0">
           <a:ln>
             <a:noFill/>
           </a:ln>
@@ -2511,7 +2599,7 @@
         <a:buFontTx/>
         <a:buChar char="•"/>
         <a:tabLst/>
-        <a:defRPr b="0" baseline="0" cap="none" i="0" spc="0" strike="noStrike" sz="3600" u="none">
+        <a:defRPr sz="3600" b="0" i="0" u="none" strike="noStrike" cap="none" spc="0" baseline="0">
           <a:ln>
             <a:noFill/>
           </a:ln>
@@ -2540,7 +2628,7 @@
         <a:buFontTx/>
         <a:buChar char="•"/>
         <a:tabLst/>
-        <a:defRPr b="0" baseline="0" cap="none" i="0" spc="0" strike="noStrike" sz="3600" u="none">
+        <a:defRPr sz="3600" b="0" i="0" u="none" strike="noStrike" cap="none" spc="0" baseline="0">
           <a:ln>
             <a:noFill/>
           </a:ln>
@@ -2569,7 +2657,7 @@
         <a:buFontTx/>
         <a:buChar char="•"/>
         <a:tabLst/>
-        <a:defRPr b="0" baseline="0" cap="none" i="0" spc="0" strike="noStrike" sz="3600" u="none">
+        <a:defRPr sz="3600" b="0" i="0" u="none" strike="noStrike" cap="none" spc="0" baseline="0">
           <a:ln>
             <a:noFill/>
           </a:ln>
@@ -2598,7 +2686,7 @@
         <a:buFontTx/>
         <a:buChar char="•"/>
         <a:tabLst/>
-        <a:defRPr b="0" baseline="0" cap="none" i="0" spc="0" strike="noStrike" sz="3600" u="none">
+        <a:defRPr sz="3600" b="0" i="0" u="none" strike="noStrike" cap="none" spc="0" baseline="0">
           <a:ln>
             <a:noFill/>
           </a:ln>
@@ -2627,7 +2715,7 @@
         <a:buFontTx/>
         <a:buChar char="•"/>
         <a:tabLst/>
-        <a:defRPr b="0" baseline="0" cap="none" i="0" spc="0" strike="noStrike" sz="3600" u="none">
+        <a:defRPr sz="3600" b="0" i="0" u="none" strike="noStrike" cap="none" spc="0" baseline="0">
           <a:ln>
             <a:noFill/>
           </a:ln>
@@ -2656,7 +2744,7 @@
         <a:buFontTx/>
         <a:buChar char="•"/>
         <a:tabLst/>
-        <a:defRPr b="0" baseline="0" cap="none" i="0" spc="0" strike="noStrike" sz="3600" u="none">
+        <a:defRPr sz="3600" b="0" i="0" u="none" strike="noStrike" cap="none" spc="0" baseline="0">
           <a:ln>
             <a:noFill/>
           </a:ln>
@@ -2685,7 +2773,7 @@
         <a:buFontTx/>
         <a:buChar char="•"/>
         <a:tabLst/>
-        <a:defRPr b="0" baseline="0" cap="none" i="0" spc="0" strike="noStrike" sz="3600" u="none">
+        <a:defRPr sz="3600" b="0" i="0" u="none" strike="noStrike" cap="none" spc="0" baseline="0">
           <a:ln>
             <a:noFill/>
           </a:ln>
@@ -2716,7 +2804,7 @@
         <a:buFontTx/>
         <a:buNone/>
         <a:tabLst/>
-        <a:defRPr b="0" baseline="0" cap="none" i="0" spc="0" strike="noStrike" sz="1800" u="none">
+        <a:defRPr sz="1800" b="0" i="0" u="none" strike="noStrike" cap="none" spc="0" baseline="0">
           <a:ln>
             <a:noFill/>
           </a:ln>
@@ -2745,7 +2833,7 @@
         <a:buFontTx/>
         <a:buNone/>
         <a:tabLst/>
-        <a:defRPr b="0" baseline="0" cap="none" i="0" spc="0" strike="noStrike" sz="1800" u="none">
+        <a:defRPr sz="1800" b="0" i="0" u="none" strike="noStrike" cap="none" spc="0" baseline="0">
           <a:ln>
             <a:noFill/>
           </a:ln>
@@ -2774,7 +2862,7 @@
         <a:buFontTx/>
         <a:buNone/>
         <a:tabLst/>
-        <a:defRPr b="0" baseline="0" cap="none" i="0" spc="0" strike="noStrike" sz="1800" u="none">
+        <a:defRPr sz="1800" b="0" i="0" u="none" strike="noStrike" cap="none" spc="0" baseline="0">
           <a:ln>
             <a:noFill/>
           </a:ln>
@@ -2803,7 +2891,7 @@
         <a:buFontTx/>
         <a:buNone/>
         <a:tabLst/>
-        <a:defRPr b="0" baseline="0" cap="none" i="0" spc="0" strike="noStrike" sz="1800" u="none">
+        <a:defRPr sz="1800" b="0" i="0" u="none" strike="noStrike" cap="none" spc="0" baseline="0">
           <a:ln>
             <a:noFill/>
           </a:ln>
@@ -2832,7 +2920,7 @@
         <a:buFontTx/>
         <a:buNone/>
         <a:tabLst/>
-        <a:defRPr b="0" baseline="0" cap="none" i="0" spc="0" strike="noStrike" sz="1800" u="none">
+        <a:defRPr sz="1800" b="0" i="0" u="none" strike="noStrike" cap="none" spc="0" baseline="0">
           <a:ln>
             <a:noFill/>
           </a:ln>
@@ -2861,7 +2949,7 @@
         <a:buFontTx/>
         <a:buNone/>
         <a:tabLst/>
-        <a:defRPr b="0" baseline="0" cap="none" i="0" spc="0" strike="noStrike" sz="1800" u="none">
+        <a:defRPr sz="1800" b="0" i="0" u="none" strike="noStrike" cap="none" spc="0" baseline="0">
           <a:ln>
             <a:noFill/>
           </a:ln>
@@ -2890,7 +2978,7 @@
         <a:buFontTx/>
         <a:buNone/>
         <a:tabLst/>
-        <a:defRPr b="0" baseline="0" cap="none" i="0" spc="0" strike="noStrike" sz="1800" u="none">
+        <a:defRPr sz="1800" b="0" i="0" u="none" strike="noStrike" cap="none" spc="0" baseline="0">
           <a:ln>
             <a:noFill/>
           </a:ln>
@@ -2919,7 +3007,7 @@
         <a:buFontTx/>
         <a:buNone/>
         <a:tabLst/>
-        <a:defRPr b="0" baseline="0" cap="none" i="0" spc="0" strike="noStrike" sz="1800" u="none">
+        <a:defRPr sz="1800" b="0" i="0" u="none" strike="noStrike" cap="none" spc="0" baseline="0">
           <a:ln>
             <a:noFill/>
           </a:ln>
@@ -2948,7 +3036,7 @@
         <a:buFontTx/>
         <a:buNone/>
         <a:tabLst/>
-        <a:defRPr b="0" baseline="0" cap="none" i="0" spc="0" strike="noStrike" sz="1800" u="none">
+        <a:defRPr sz="1800" b="0" i="0" u="none" strike="noStrike" cap="none" spc="0" baseline="0">
           <a:ln>
             <a:noFill/>
           </a:ln>
@@ -2968,7 +3056,7 @@
 </file>
 
 <file path=ppt/slides/slide1.xml><?xml version="1.0" encoding="utf-8"?>
-<p:sld xmlns:a="http://schemas.openxmlformats.org/drawingml/2006/main" xmlns:r="http://schemas.openxmlformats.org/officeDocument/2006/relationships" xmlns:p="http://schemas.openxmlformats.org/presentationml/2006/main" showMasterSp="1" showMasterPhAnim="1">
+<p:sld xmlns:a="http://schemas.openxmlformats.org/drawingml/2006/main" xmlns:r="http://schemas.openxmlformats.org/officeDocument/2006/relationships" xmlns:p="http://schemas.openxmlformats.org/presentationml/2006/main">
   <p:cSld>
     <p:spTree>
       <p:nvGrpSpPr>
@@ -2987,26 +3075,53 @@
       <p:sp>
         <p:nvSpPr>
           <p:cNvPr id="119" name="Shape 119"/>
-          <p:cNvSpPr/>
+          <p:cNvSpPr>
+            <a:spLocks noGrp="1"/>
+          </p:cNvSpPr>
           <p:nvPr>
             <p:ph type="ctrTitle"/>
           </p:nvPr>
         </p:nvSpPr>
         <p:spPr>
+          <a:xfrm>
+            <a:off x="1270000" y="2113280"/>
+            <a:ext cx="10464800" cy="3068320"/>
+          </a:xfrm>
           <a:prstGeom prst="rect">
             <a:avLst/>
           </a:prstGeom>
+          <a:ln>
+            <a:solidFill>
+              <a:schemeClr val="accent1"/>
+            </a:solidFill>
+          </a:ln>
         </p:spPr>
         <p:txBody>
-          <a:bodyPr/>
+          <a:bodyPr>
+            <a:normAutofit/>
+          </a:bodyPr>
           <a:lstStyle/>
           <a:p>
-            <a:pPr/>
             <a:r>
+              <a:rPr lang="en-US" altLang="zh-TW" sz="5300" dirty="0"/>
+              <a:t>CS414</a:t>
+            </a:r>
+            <a:br>
+              <a:rPr lang="en-US" altLang="zh-TW" dirty="0"/>
+            </a:br>
+            <a:r>
+              <a:rPr sz="6000" dirty="0"/>
               <a:t>Rollerball</a:t>
             </a:r>
-            <a:br/>
+            <a:br>
+              <a:rPr dirty="0"/>
+            </a:br>
             <a:r>
+              <a:rPr sz="6000" dirty="0">
+                <a:solidFill>
+                  <a:srgbClr val="FF0000"/>
+                </a:solidFill>
+              </a:rPr>
               <a:t>Domain model</a:t>
             </a:r>
           </a:p>
@@ -3015,24 +3130,42 @@
       <p:sp>
         <p:nvSpPr>
           <p:cNvPr id="120" name="Shape 120"/>
-          <p:cNvSpPr/>
+          <p:cNvSpPr>
+            <a:spLocks noGrp="1"/>
+          </p:cNvSpPr>
           <p:nvPr>
             <p:ph type="subTitle" sz="quarter" idx="1"/>
           </p:nvPr>
         </p:nvSpPr>
         <p:spPr>
+          <a:xfrm>
+            <a:off x="1270000" y="5618480"/>
+            <a:ext cx="10464800" cy="2143760"/>
+          </a:xfrm>
           <a:prstGeom prst="rect">
             <a:avLst/>
           </a:prstGeom>
+          <a:ln>
+            <a:noFill/>
+          </a:ln>
         </p:spPr>
         <p:txBody>
-          <a:bodyPr/>
+          <a:bodyPr>
+            <a:normAutofit/>
+          </a:bodyPr>
           <a:lstStyle/>
+          <a:p>
+            <a:pPr defTabSz="414781">
+              <a:defRPr sz="2272"/>
+            </a:pPr>
+            <a:endParaRPr lang="en-US" altLang="zh-TW" dirty="0"/>
+          </a:p>
           <a:p>
             <a:pPr defTabSz="414781">
               <a:defRPr sz="2272"/>
             </a:pPr>
             <a:r>
+              <a:rPr dirty="0"/>
               <a:t>Team Name :  String Cheese</a:t>
             </a:r>
           </a:p>
@@ -3041,6 +3174,7 @@
               <a:defRPr sz="2272"/>
             </a:pPr>
             <a:r>
+              <a:rPr dirty="0"/>
               <a:t>Members :  Tim Stroup, Chris Schaffer, </a:t>
             </a:r>
           </a:p>
@@ -3049,7 +3183,28 @@
               <a:defRPr sz="2272"/>
             </a:pPr>
             <a:r>
-              <a:t>Meetkumar Savaliya,  Ya-Hsin Cheng,  Wei Chen</a:t>
+              <a:rPr dirty="0" err="1"/>
+              <a:t>Meetkumar</a:t>
+            </a:r>
+            <a:r>
+              <a:rPr dirty="0"/>
+              <a:t> </a:t>
+            </a:r>
+            <a:r>
+              <a:rPr dirty="0" err="1"/>
+              <a:t>Savaliya</a:t>
+            </a:r>
+            <a:r>
+              <a:rPr dirty="0"/>
+              <a:t>,  </a:t>
+            </a:r>
+            <a:r>
+              <a:rPr dirty="0" err="1"/>
+              <a:t>Ya-Hsin</a:t>
+            </a:r>
+            <a:r>
+              <a:rPr dirty="0"/>
+              <a:t> Cheng,  Wei Chen</a:t>
             </a:r>
           </a:p>
         </p:txBody>
@@ -3059,12 +3214,12 @@
   <p:clrMapOvr>
     <a:masterClrMapping/>
   </p:clrMapOvr>
-  <p:transition xmlns:p14="http://schemas.microsoft.com/office/powerpoint/2010/main" spd="med" advClick="1"/>
+  <p:transition spd="med"/>
 </p:sld>
 </file>
 
 <file path=ppt/slides/slide2.xml><?xml version="1.0" encoding="utf-8"?>
-<p:sld xmlns:a="http://schemas.openxmlformats.org/drawingml/2006/main" xmlns:r="http://schemas.openxmlformats.org/officeDocument/2006/relationships" xmlns:p="http://schemas.openxmlformats.org/presentationml/2006/main" showMasterSp="1" showMasterPhAnim="1">
+<p:sld xmlns:a="http://schemas.openxmlformats.org/drawingml/2006/main" xmlns:r="http://schemas.openxmlformats.org/officeDocument/2006/relationships" xmlns:p="http://schemas.openxmlformats.org/presentationml/2006/main">
   <p:cSld>
     <p:spTree>
       <p:nvGrpSpPr>
@@ -3098,8 +3253,8 @@
         </p:blipFill>
         <p:spPr>
           <a:xfrm>
-            <a:off x="2044598" y="1381759"/>
-            <a:ext cx="9214273" cy="6932887"/>
+            <a:off x="1076960" y="788563"/>
+            <a:ext cx="11136951" cy="8379524"/>
           </a:xfrm>
           <a:prstGeom prst="rect">
             <a:avLst/>
@@ -3114,12 +3269,12 @@
   <p:clrMapOvr>
     <a:masterClrMapping/>
   </p:clrMapOvr>
-  <p:transition xmlns:p14="http://schemas.microsoft.com/office/powerpoint/2010/main" spd="med" advClick="1"/>
+  <p:transition spd="med"/>
 </p:sld>
 </file>
 
 <file path=ppt/slides/slide3.xml><?xml version="1.0" encoding="utf-8"?>
-<p:sld xmlns:a="http://schemas.openxmlformats.org/drawingml/2006/main" xmlns:r="http://schemas.openxmlformats.org/officeDocument/2006/relationships" xmlns:p="http://schemas.openxmlformats.org/presentationml/2006/main" showMasterSp="1" showMasterPhAnim="1">
+<p:sld xmlns:a="http://schemas.openxmlformats.org/drawingml/2006/main" xmlns:r="http://schemas.openxmlformats.org/officeDocument/2006/relationships" xmlns:p="http://schemas.openxmlformats.org/presentationml/2006/main">
   <p:cSld>
     <p:spTree>
       <p:nvGrpSpPr>
@@ -3138,7 +3293,9 @@
       <p:sp>
         <p:nvSpPr>
           <p:cNvPr id="124" name="Shape 124"/>
-          <p:cNvSpPr/>
+          <p:cNvSpPr>
+            <a:spLocks noGrp="1"/>
+          </p:cNvSpPr>
           <p:nvPr>
             <p:ph type="title"/>
           </p:nvPr>
@@ -3152,7 +3309,6 @@
           <a:bodyPr/>
           <a:lstStyle/>
           <a:p>
-            <a:pPr/>
             <a:r>
               <a:t>Glossary</a:t>
             </a:r>
@@ -3163,23 +3319,41 @@
         <p:nvGraphicFramePr>
           <p:cNvPr id="125" name="Table 125"/>
           <p:cNvGraphicFramePr/>
-          <p:nvPr/>
+          <p:nvPr>
+            <p:extLst>
+              <p:ext uri="{D42A27DB-BD31-4B8C-83A1-F6EECF244321}">
+                <p14:modId xmlns:p14="http://schemas.microsoft.com/office/powerpoint/2010/main" val="1070720824"/>
+              </p:ext>
+            </p:extLst>
+          </p:nvPr>
         </p:nvGraphicFramePr>
         <p:xfrm>
-          <a:off x="1264920" y="2608579"/>
-          <a:ext cx="10716261" cy="6289042"/>
+          <a:off x="952500" y="2438400"/>
+          <a:ext cx="11483340" cy="6784335"/>
         </p:xfrm>
-        <a:graphic xmlns:a="http://schemas.openxmlformats.org/drawingml/2006/main">
+        <a:graphic>
           <a:graphicData uri="http://schemas.openxmlformats.org/drawingml/2006/table">
             <a:tbl>
-              <a:tblPr firstCol="0" firstRow="1" lastCol="0" lastRow="0" bandCol="0" bandRow="1" rtl="0">
+              <a:tblPr firstRow="1" bandRow="1">
                 <a:tableStyleId>{4C3C2611-4C71-4FC5-86AE-919BDF0F9419}</a:tableStyleId>
               </a:tblPr>
               <a:tblGrid>
-                <a:gridCol w="3196611"/>
-                <a:gridCol w="7519649"/>
+                <a:gridCol w="2698455">
+                  <a:extLst>
+                    <a:ext uri="{9D8B030D-6E8A-4147-A177-3AD203B41FA5}">
+                      <a16:colId xmlns:a16="http://schemas.microsoft.com/office/drawing/2014/main" val="20000"/>
+                    </a:ext>
+                  </a:extLst>
+                </a:gridCol>
+                <a:gridCol w="8784885">
+                  <a:extLst>
+                    <a:ext uri="{9D8B030D-6E8A-4147-A177-3AD203B41FA5}">
+                      <a16:colId xmlns:a16="http://schemas.microsoft.com/office/drawing/2014/main" val="20001"/>
+                    </a:ext>
+                  </a:extLst>
+                </a:gridCol>
               </a:tblGrid>
-              <a:tr h="698782">
+              <a:tr h="753815">
                 <a:tc>
                   <a:txBody>
                     <a:bodyPr/>
@@ -3196,7 +3370,7 @@
                         </a:defRPr>
                       </a:pPr>
                       <a:r>
-                        <a:rPr sz="2800">
+                        <a:rPr sz="2800" dirty="0">
                           <a:latin typeface="+mn-lt"/>
                           <a:ea typeface="+mn-ea"/>
                           <a:cs typeface="+mn-cs"/>
@@ -3205,7 +3379,7 @@
                       </a:r>
                     </a:p>
                   </a:txBody>
-                  <a:tcPr marL="0" marR="0" marT="0" marB="0" anchor="ctr" anchorCtr="0" horzOverflow="overflow">
+                  <a:tcPr marL="0" marR="0" marT="0" marB="0" anchor="ctr" horzOverflow="overflow">
                     <a:lnL w="12700">
                       <a:solidFill>
                         <a:srgbClr val="000000"/>
@@ -3251,7 +3425,7 @@
                         </a:defRPr>
                       </a:pPr>
                       <a:r>
-                        <a:rPr sz="1400">
+                        <a:rPr sz="1400" dirty="0">
                           <a:latin typeface="+mn-lt"/>
                           <a:ea typeface="+mn-ea"/>
                           <a:cs typeface="+mn-cs"/>
@@ -3260,7 +3434,7 @@
                       </a:r>
                     </a:p>
                   </a:txBody>
-                  <a:tcPr marL="0" marR="0" marT="0" marB="0" anchor="ctr" anchorCtr="0" horzOverflow="overflow">
+                  <a:tcPr marL="0" marR="0" marT="0" marB="0" anchor="ctr" horzOverflow="overflow">
                     <a:lnL w="12700">
                       <a:solidFill>
                         <a:srgbClr val="000000"/>
@@ -3290,8 +3464,13 @@
                     </a:solidFill>
                   </a:tcPr>
                 </a:tc>
+                <a:extLst>
+                  <a:ext uri="{0D108BD9-81ED-4DB2-BD59-A6C34878D82A}">
+                    <a16:rowId xmlns:a16="http://schemas.microsoft.com/office/drawing/2014/main" val="10000"/>
+                  </a:ext>
+                </a:extLst>
               </a:tr>
-              <a:tr h="698782">
+              <a:tr h="753815">
                 <a:tc>
                   <a:txBody>
                     <a:bodyPr/>
@@ -3308,7 +3487,7 @@
                       </a:r>
                     </a:p>
                   </a:txBody>
-                  <a:tcPr marL="0" marR="0" marT="0" marB="0" anchor="ctr" anchorCtr="0" horzOverflow="overflow">
+                  <a:tcPr marL="0" marR="0" marT="0" marB="0" anchor="ctr" horzOverflow="overflow">
                     <a:lnL w="12700">
                       <a:solidFill>
                         <a:srgbClr val="000000"/>
@@ -3346,12 +3525,12 @@
                         </a:spcBef>
                       </a:pPr>
                       <a:r>
-                        <a:rPr sz="1400"/>
+                        <a:rPr sz="1400" dirty="0"/>
                         <a:t>Visual display of personal data associated with a specific user such as name and games in progress. Each user profile can view their individual game history</a:t>
                       </a:r>
                     </a:p>
                   </a:txBody>
-                  <a:tcPr marL="0" marR="0" marT="0" marB="0" anchor="ctr" anchorCtr="0" horzOverflow="overflow">
+                  <a:tcPr marL="0" marR="0" marT="0" marB="0" anchor="ctr" horzOverflow="overflow">
                     <a:lnL w="12700">
                       <a:solidFill>
                         <a:srgbClr val="000000"/>
@@ -3378,8 +3557,13 @@
                     </a:lnB>
                   </a:tcPr>
                 </a:tc>
+                <a:extLst>
+                  <a:ext uri="{0D108BD9-81ED-4DB2-BD59-A6C34878D82A}">
+                    <a16:rowId xmlns:a16="http://schemas.microsoft.com/office/drawing/2014/main" val="10001"/>
+                  </a:ext>
+                </a:extLst>
               </a:tr>
-              <a:tr h="698782">
+              <a:tr h="753815">
                 <a:tc>
                   <a:txBody>
                     <a:bodyPr/>
@@ -3396,7 +3580,7 @@
                       </a:r>
                     </a:p>
                   </a:txBody>
-                  <a:tcPr marL="0" marR="0" marT="0" marB="0" anchor="ctr" anchorCtr="0" horzOverflow="overflow">
+                  <a:tcPr marL="0" marR="0" marT="0" marB="0" anchor="ctr" horzOverflow="overflow">
                     <a:lnL w="12700">
                       <a:solidFill>
                         <a:srgbClr val="000000"/>
@@ -3434,12 +3618,12 @@
                         </a:spcBef>
                       </a:pPr>
                       <a:r>
-                        <a:rPr sz="1400"/>
+                        <a:rPr sz="1400" dirty="0"/>
                         <a:t>Each game has an associated history that includes information on things such as which color a user was, end result and time played. Game history is the combination of all of these games.</a:t>
                       </a:r>
                     </a:p>
                   </a:txBody>
-                  <a:tcPr marL="0" marR="0" marT="0" marB="0" anchor="ctr" anchorCtr="0" horzOverflow="overflow">
+                  <a:tcPr marL="0" marR="0" marT="0" marB="0" anchor="ctr" horzOverflow="overflow">
                     <a:lnL w="12700">
                       <a:solidFill>
                         <a:srgbClr val="000000"/>
@@ -3466,8 +3650,13 @@
                     </a:lnB>
                   </a:tcPr>
                 </a:tc>
+                <a:extLst>
+                  <a:ext uri="{0D108BD9-81ED-4DB2-BD59-A6C34878D82A}">
+                    <a16:rowId xmlns:a16="http://schemas.microsoft.com/office/drawing/2014/main" val="10002"/>
+                  </a:ext>
+                </a:extLst>
               </a:tr>
-              <a:tr h="698782">
+              <a:tr h="753815">
                 <a:tc>
                   <a:txBody>
                     <a:bodyPr/>
@@ -3484,7 +3673,7 @@
                       </a:r>
                     </a:p>
                   </a:txBody>
-                  <a:tcPr marL="0" marR="0" marT="0" marB="0" anchor="ctr" anchorCtr="0" horzOverflow="overflow">
+                  <a:tcPr marL="0" marR="0" marT="0" marB="0" anchor="ctr" horzOverflow="overflow">
                     <a:lnL w="12700">
                       <a:solidFill>
                         <a:srgbClr val="000000"/>
@@ -3522,12 +3711,12 @@
                         </a:spcBef>
                       </a:pPr>
                       <a:r>
-                        <a:rPr sz="1400"/>
+                        <a:rPr sz="1400" dirty="0"/>
                         <a:t>A person registered to play the game. They may send invitations to other users to play one or more games at a time. Each user has a user profile. </a:t>
                       </a:r>
                     </a:p>
                   </a:txBody>
-                  <a:tcPr marL="0" marR="0" marT="0" marB="0" anchor="ctr" anchorCtr="0" horzOverflow="overflow">
+                  <a:tcPr marL="0" marR="0" marT="0" marB="0" anchor="ctr" horzOverflow="overflow">
                     <a:lnL w="12700">
                       <a:solidFill>
                         <a:srgbClr val="000000"/>
@@ -3554,8 +3743,13 @@
                     </a:lnB>
                   </a:tcPr>
                 </a:tc>
+                <a:extLst>
+                  <a:ext uri="{0D108BD9-81ED-4DB2-BD59-A6C34878D82A}">
+                    <a16:rowId xmlns:a16="http://schemas.microsoft.com/office/drawing/2014/main" val="10003"/>
+                  </a:ext>
+                </a:extLst>
               </a:tr>
-              <a:tr h="698782">
+              <a:tr h="753815">
                 <a:tc>
                   <a:txBody>
                     <a:bodyPr/>
@@ -3572,7 +3766,7 @@
                       </a:r>
                     </a:p>
                   </a:txBody>
-                  <a:tcPr marL="0" marR="0" marT="0" marB="0" anchor="ctr" anchorCtr="0" horzOverflow="overflow">
+                  <a:tcPr marL="0" marR="0" marT="0" marB="0" anchor="ctr" horzOverflow="overflow">
                     <a:lnL w="12700">
                       <a:solidFill>
                         <a:srgbClr val="000000"/>
@@ -3610,12 +3804,12 @@
                         </a:spcBef>
                       </a:pPr>
                       <a:r>
-                        <a:rPr sz="1400"/>
+                        <a:rPr sz="1400" dirty="0"/>
                         <a:t>A user may send an invitation to another user as well as receive an invitation from another user to play a game. A user may send multiple invitations to multiple users to play a game.</a:t>
                       </a:r>
                     </a:p>
                   </a:txBody>
-                  <a:tcPr marL="0" marR="0" marT="0" marB="0" anchor="ctr" anchorCtr="0" horzOverflow="overflow">
+                  <a:tcPr marL="0" marR="0" marT="0" marB="0" anchor="ctr" horzOverflow="overflow">
                     <a:lnL w="12700">
                       <a:solidFill>
                         <a:srgbClr val="000000"/>
@@ -3642,8 +3836,13 @@
                     </a:lnB>
                   </a:tcPr>
                 </a:tc>
+                <a:extLst>
+                  <a:ext uri="{0D108BD9-81ED-4DB2-BD59-A6C34878D82A}">
+                    <a16:rowId xmlns:a16="http://schemas.microsoft.com/office/drawing/2014/main" val="10004"/>
+                  </a:ext>
+                </a:extLst>
               </a:tr>
-              <a:tr h="698782">
+              <a:tr h="753815">
                 <a:tc>
                   <a:txBody>
                     <a:bodyPr/>
@@ -3660,7 +3859,7 @@
                       </a:r>
                     </a:p>
                   </a:txBody>
-                  <a:tcPr marL="0" marR="0" marT="0" marB="0" anchor="ctr" anchorCtr="0" horzOverflow="overflow">
+                  <a:tcPr marL="0" marR="0" marT="0" marB="0" anchor="ctr" horzOverflow="overflow">
                     <a:lnL w="12700">
                       <a:solidFill>
                         <a:srgbClr val="000000"/>
@@ -3698,12 +3897,12 @@
                         </a:spcBef>
                       </a:pPr>
                       <a:r>
-                        <a:rPr sz="1400"/>
+                        <a:rPr sz="1400" dirty="0"/>
                         <a:t>A game consists of two users who take turns moving their pieces around the board.</a:t>
                       </a:r>
                     </a:p>
                   </a:txBody>
-                  <a:tcPr marL="0" marR="0" marT="0" marB="0" anchor="ctr" anchorCtr="0" horzOverflow="overflow">
+                  <a:tcPr marL="0" marR="0" marT="0" marB="0" anchor="ctr" horzOverflow="overflow">
                     <a:lnL w="12700">
                       <a:solidFill>
                         <a:srgbClr val="000000"/>
@@ -3730,8 +3929,13 @@
                     </a:lnB>
                   </a:tcPr>
                 </a:tc>
+                <a:extLst>
+                  <a:ext uri="{0D108BD9-81ED-4DB2-BD59-A6C34878D82A}">
+                    <a16:rowId xmlns:a16="http://schemas.microsoft.com/office/drawing/2014/main" val="10005"/>
+                  </a:ext>
+                </a:extLst>
               </a:tr>
-              <a:tr h="698782">
+              <a:tr h="753815">
                 <a:tc>
                   <a:txBody>
                     <a:bodyPr/>
@@ -3748,7 +3952,7 @@
                       </a:r>
                     </a:p>
                   </a:txBody>
-                  <a:tcPr marL="0" marR="0" marT="0" marB="0" anchor="ctr" anchorCtr="0" horzOverflow="overflow">
+                  <a:tcPr marL="0" marR="0" marT="0" marB="0" anchor="ctr" horzOverflow="overflow">
                     <a:lnL w="12700">
                       <a:solidFill>
                         <a:srgbClr val="000000"/>
@@ -3786,12 +3990,12 @@
                         </a:spcBef>
                       </a:pPr>
                       <a:r>
-                        <a:rPr sz="1400"/>
+                        <a:rPr sz="1400" dirty="0"/>
                         <a:t>The game state is a real time snapshot of a game that includes the current position of pieces on the board as well as who's turn it is.</a:t>
                       </a:r>
                     </a:p>
                   </a:txBody>
-                  <a:tcPr marL="0" marR="0" marT="0" marB="0" anchor="ctr" anchorCtr="0" horzOverflow="overflow">
+                  <a:tcPr marL="0" marR="0" marT="0" marB="0" anchor="ctr" horzOverflow="overflow">
                     <a:lnL w="12700">
                       <a:solidFill>
                         <a:srgbClr val="000000"/>
@@ -3818,8 +4022,13 @@
                     </a:lnB>
                   </a:tcPr>
                 </a:tc>
+                <a:extLst>
+                  <a:ext uri="{0D108BD9-81ED-4DB2-BD59-A6C34878D82A}">
+                    <a16:rowId xmlns:a16="http://schemas.microsoft.com/office/drawing/2014/main" val="10006"/>
+                  </a:ext>
+                </a:extLst>
               </a:tr>
-              <a:tr h="698782">
+              <a:tr h="753815">
                 <a:tc>
                   <a:txBody>
                     <a:bodyPr/>
@@ -3836,7 +4045,7 @@
                       </a:r>
                     </a:p>
                   </a:txBody>
-                  <a:tcPr marL="0" marR="0" marT="0" marB="0" anchor="ctr" anchorCtr="0" horzOverflow="overflow">
+                  <a:tcPr marL="0" marR="0" marT="0" marB="0" anchor="ctr" horzOverflow="overflow">
                     <a:lnL w="12700">
                       <a:solidFill>
                         <a:srgbClr val="000000"/>
@@ -3874,12 +4083,12 @@
                         </a:spcBef>
                       </a:pPr>
                       <a:r>
-                        <a:rPr sz="1400"/>
+                        <a:rPr sz="1400" dirty="0"/>
                         <a:t>The board is the combination of spaces that a piece may move and the boundaries of the game.</a:t>
                       </a:r>
                     </a:p>
                   </a:txBody>
-                  <a:tcPr marL="0" marR="0" marT="0" marB="0" anchor="ctr" anchorCtr="0" horzOverflow="overflow">
+                  <a:tcPr marL="0" marR="0" marT="0" marB="0" anchor="ctr" horzOverflow="overflow">
                     <a:lnL w="12700">
                       <a:solidFill>
                         <a:srgbClr val="000000"/>
@@ -3906,8 +4115,13 @@
                     </a:lnB>
                   </a:tcPr>
                 </a:tc>
+                <a:extLst>
+                  <a:ext uri="{0D108BD9-81ED-4DB2-BD59-A6C34878D82A}">
+                    <a16:rowId xmlns:a16="http://schemas.microsoft.com/office/drawing/2014/main" val="10007"/>
+                  </a:ext>
+                </a:extLst>
               </a:tr>
-              <a:tr h="698782">
+              <a:tr h="753815">
                 <a:tc>
                   <a:txBody>
                     <a:bodyPr/>
@@ -3924,7 +4138,7 @@
                       </a:r>
                     </a:p>
                   </a:txBody>
-                  <a:tcPr marL="0" marR="0" marT="0" marB="0" anchor="ctr" anchorCtr="0" horzOverflow="overflow">
+                  <a:tcPr marL="0" marR="0" marT="0" marB="0" anchor="ctr" horzOverflow="overflow">
                     <a:lnL w="12700">
                       <a:solidFill>
                         <a:srgbClr val="000000"/>
@@ -3962,12 +4176,12 @@
                         </a:spcBef>
                       </a:pPr>
                       <a:r>
-                        <a:rPr sz="1400"/>
+                        <a:rPr sz="1400" dirty="0"/>
                         <a:t>The game is played with different pieces; each with unique movements and rules. Each player has either six white or six black pieces that include two pawns, one king, one bishop and two rooks.</a:t>
                       </a:r>
                     </a:p>
                   </a:txBody>
-                  <a:tcPr marL="0" marR="0" marT="0" marB="0" anchor="ctr" anchorCtr="0" horzOverflow="overflow">
+                  <a:tcPr marL="0" marR="0" marT="0" marB="0" anchor="ctr" horzOverflow="overflow">
                     <a:lnL w="12700">
                       <a:solidFill>
                         <a:srgbClr val="000000"/>
@@ -3994,6 +4208,11 @@
                     </a:lnB>
                   </a:tcPr>
                 </a:tc>
+                <a:extLst>
+                  <a:ext uri="{0D108BD9-81ED-4DB2-BD59-A6C34878D82A}">
+                    <a16:rowId xmlns:a16="http://schemas.microsoft.com/office/drawing/2014/main" val="10008"/>
+                  </a:ext>
+                </a:extLst>
               </a:tr>
             </a:tbl>
           </a:graphicData>
@@ -4004,83 +4223,12 @@
   <p:clrMapOvr>
     <a:masterClrMapping/>
   </p:clrMapOvr>
-  <p:transition xmlns:p14="http://schemas.microsoft.com/office/powerpoint/2010/main" spd="med" advClick="1"/>
-</p:sld>
-</file>
-
-<file path=ppt/slides/slide4.xml><?xml version="1.0" encoding="utf-8"?>
-<p:sld xmlns:a="http://schemas.openxmlformats.org/drawingml/2006/main" xmlns:r="http://schemas.openxmlformats.org/officeDocument/2006/relationships" xmlns:p="http://schemas.openxmlformats.org/presentationml/2006/main" showMasterSp="1" showMasterPhAnim="1">
-  <p:cSld>
-    <p:spTree>
-      <p:nvGrpSpPr>
-        <p:cNvPr id="1" name=""/>
-        <p:cNvGrpSpPr/>
-        <p:nvPr/>
-      </p:nvGrpSpPr>
-      <p:grpSpPr>
-        <a:xfrm>
-          <a:off x="0" y="0"/>
-          <a:ext cx="0" cy="0"/>
-          <a:chOff x="0" y="0"/>
-          <a:chExt cx="0" cy="0"/>
-        </a:xfrm>
-      </p:grpSpPr>
-      <p:sp>
-        <p:nvSpPr>
-          <p:cNvPr id="127" name="Shape 127"/>
-          <p:cNvSpPr/>
-          <p:nvPr>
-            <p:ph type="title"/>
-          </p:nvPr>
-        </p:nvSpPr>
-        <p:spPr>
-          <a:prstGeom prst="rect">
-            <a:avLst/>
-          </a:prstGeom>
-        </p:spPr>
-        <p:txBody>
-          <a:bodyPr/>
-          <a:lstStyle/>
-          <a:p>
-            <a:pPr/>
-            <a:r>
-              <a:t>Changes to Use Cases</a:t>
-            </a:r>
-          </a:p>
-        </p:txBody>
-      </p:sp>
-      <p:sp>
-        <p:nvSpPr>
-          <p:cNvPr id="128" name="Shape 128"/>
-          <p:cNvSpPr/>
-          <p:nvPr>
-            <p:ph type="body" idx="1"/>
-          </p:nvPr>
-        </p:nvSpPr>
-        <p:spPr>
-          <a:prstGeom prst="rect">
-            <a:avLst/>
-          </a:prstGeom>
-        </p:spPr>
-        <p:txBody>
-          <a:bodyPr/>
-          <a:lstStyle/>
-          <a:p>
-            <a:pPr/>
-          </a:p>
-        </p:txBody>
-      </p:sp>
-    </p:spTree>
-  </p:cSld>
-  <p:clrMapOvr>
-    <a:masterClrMapping/>
-  </p:clrMapOvr>
-  <p:transition xmlns:p14="http://schemas.microsoft.com/office/powerpoint/2010/main" spd="med" advClick="1"/>
+  <p:transition spd="med"/>
 </p:sld>
 </file>
 
 <file path=ppt/theme/theme1.xml><?xml version="1.0" encoding="utf-8"?>
-<a:theme xmlns:a="http://schemas.openxmlformats.org/drawingml/2006/main" xmlns:r="http://schemas.openxmlformats.org/officeDocument/2006/relationships" name="White">
+<a:theme xmlns:a="http://schemas.openxmlformats.org/drawingml/2006/main" name="White">
   <a:themeElements>
     <a:clrScheme name="White">
       <a:dk1>
@@ -4206,7 +4354,7 @@
       <a:effectStyleLst>
         <a:effectStyle>
           <a:effectLst>
-            <a:outerShdw sx="100000" sy="100000" kx="0" ky="0" algn="b" rotWithShape="0" blurRad="38100" dist="25400" dir="5400000">
+            <a:outerShdw blurRad="38100" dist="25400" dir="5400000" rotWithShape="0">
               <a:srgbClr val="000000">
                 <a:alpha val="50000"/>
               </a:srgbClr>
@@ -4215,7 +4363,7 @@
         </a:effectStyle>
         <a:effectStyle>
           <a:effectLst>
-            <a:outerShdw sx="100000" sy="100000" kx="0" ky="0" algn="b" rotWithShape="0" blurRad="50800" dist="12700" dir="0">
+            <a:outerShdw blurRad="50800" dist="12700" rotWithShape="0">
               <a:srgbClr val="000000">
                 <a:alpha val="50000"/>
               </a:srgbClr>
@@ -4224,7 +4372,7 @@
         </a:effectStyle>
         <a:effectStyle>
           <a:effectLst>
-            <a:outerShdw sx="100000" sy="100000" kx="0" ky="0" algn="b" rotWithShape="0" blurRad="38100" dist="25400" dir="5400000">
+            <a:outerShdw blurRad="38100" dist="25400" dir="5400000" rotWithShape="0">
               <a:srgbClr val="000000">
                 <a:alpha val="50000"/>
               </a:srgbClr>
@@ -4288,8 +4436,8 @@
     <a:spDef>
       <a:spPr>
         <a:blipFill rotWithShape="1">
-          <a:blip r:embed="rId1"/>
-          <a:srcRect l="0" t="0" r="0" b="0"/>
+          <a:blip xmlns:r="http://schemas.openxmlformats.org/officeDocument/2006/relationships" r:embed="rId1"/>
+          <a:srcRect/>
           <a:tile tx="0" ty="0" sx="100000" sy="100000" flip="none" algn="tl"/>
         </a:blipFill>
         <a:ln w="12700" cap="flat">
@@ -4297,7 +4445,7 @@
           <a:miter lim="400000"/>
         </a:ln>
         <a:effectLst>
-          <a:outerShdw sx="100000" sy="100000" kx="0" ky="0" algn="b" rotWithShape="0" blurRad="38100" dist="25400" dir="5400000">
+          <a:outerShdw blurRad="38100" dist="25400" dir="5400000" rotWithShape="0">
             <a:srgbClr val="000000">
               <a:alpha val="50000"/>
             </a:srgbClr>
@@ -4305,7 +4453,7 @@
         </a:effectLst>
         <a:sp3d/>
       </a:spPr>
-      <a:bodyPr rot="0" spcFirstLastPara="1" vertOverflow="overflow" horzOverflow="overflow" vert="horz" wrap="square" lIns="50800" tIns="50800" rIns="50800" bIns="50800" numCol="1" spcCol="38100" rtlCol="0" anchor="ctr" upright="0">
+      <a:bodyPr rot="0" spcFirstLastPara="1" vertOverflow="overflow" horzOverflow="overflow" vert="horz" wrap="square" lIns="50800" tIns="50800" rIns="50800" bIns="50800" numCol="1" spcCol="38100" rtlCol="0" anchor="ctr">
         <a:spAutoFit/>
       </a:bodyPr>
       <a:lstStyle>
@@ -4324,7 +4472,7 @@
           <a:buFontTx/>
           <a:buNone/>
           <a:tabLst/>
-          <a:defRPr b="0" baseline="0" cap="none" i="0" spc="0" strike="noStrike" sz="2400" u="none" kumimoji="0" normalizeH="0">
+          <a:defRPr kumimoji="0" sz="2400" b="0" i="0" u="none" strike="noStrike" cap="none" spc="0" normalizeH="0" baseline="0">
             <a:ln>
               <a:noFill/>
             </a:ln>
@@ -4354,7 +4502,7 @@
           <a:buFontTx/>
           <a:buNone/>
           <a:tabLst/>
-          <a:defRPr b="0" baseline="0" cap="none" i="0" spc="0" strike="noStrike" sz="1800" u="none" kumimoji="0" normalizeH="0">
+          <a:defRPr kumimoji="0" sz="1800" b="0" i="0" u="none" strike="noStrike" cap="none" spc="0" normalizeH="0" baseline="0">
             <a:ln>
               <a:noFill/>
             </a:ln>
@@ -4380,7 +4528,7 @@
           <a:buFontTx/>
           <a:buNone/>
           <a:tabLst/>
-          <a:defRPr b="0" baseline="0" cap="none" i="0" spc="0" strike="noStrike" sz="1800" u="none" kumimoji="0" normalizeH="0">
+          <a:defRPr kumimoji="0" sz="1800" b="0" i="0" u="none" strike="noStrike" cap="none" spc="0" normalizeH="0" baseline="0">
             <a:ln>
               <a:noFill/>
             </a:ln>
@@ -4406,7 +4554,7 @@
           <a:buFontTx/>
           <a:buNone/>
           <a:tabLst/>
-          <a:defRPr b="0" baseline="0" cap="none" i="0" spc="0" strike="noStrike" sz="1800" u="none" kumimoji="0" normalizeH="0">
+          <a:defRPr kumimoji="0" sz="1800" b="0" i="0" u="none" strike="noStrike" cap="none" spc="0" normalizeH="0" baseline="0">
             <a:ln>
               <a:noFill/>
             </a:ln>
@@ -4432,7 +4580,7 @@
           <a:buFontTx/>
           <a:buNone/>
           <a:tabLst/>
-          <a:defRPr b="0" baseline="0" cap="none" i="0" spc="0" strike="noStrike" sz="1800" u="none" kumimoji="0" normalizeH="0">
+          <a:defRPr kumimoji="0" sz="1800" b="0" i="0" u="none" strike="noStrike" cap="none" spc="0" normalizeH="0" baseline="0">
             <a:ln>
               <a:noFill/>
             </a:ln>
@@ -4458,7 +4606,7 @@
           <a:buFontTx/>
           <a:buNone/>
           <a:tabLst/>
-          <a:defRPr b="0" baseline="0" cap="none" i="0" spc="0" strike="noStrike" sz="1800" u="none" kumimoji="0" normalizeH="0">
+          <a:defRPr kumimoji="0" sz="1800" b="0" i="0" u="none" strike="noStrike" cap="none" spc="0" normalizeH="0" baseline="0">
             <a:ln>
               <a:noFill/>
             </a:ln>
@@ -4484,7 +4632,7 @@
           <a:buFontTx/>
           <a:buNone/>
           <a:tabLst/>
-          <a:defRPr b="0" baseline="0" cap="none" i="0" spc="0" strike="noStrike" sz="1800" u="none" kumimoji="0" normalizeH="0">
+          <a:defRPr kumimoji="0" sz="1800" b="0" i="0" u="none" strike="noStrike" cap="none" spc="0" normalizeH="0" baseline="0">
             <a:ln>
               <a:noFill/>
             </a:ln>
@@ -4510,7 +4658,7 @@
           <a:buFontTx/>
           <a:buNone/>
           <a:tabLst/>
-          <a:defRPr b="0" baseline="0" cap="none" i="0" spc="0" strike="noStrike" sz="1800" u="none" kumimoji="0" normalizeH="0">
+          <a:defRPr kumimoji="0" sz="1800" b="0" i="0" u="none" strike="noStrike" cap="none" spc="0" normalizeH="0" baseline="0">
             <a:ln>
               <a:noFill/>
             </a:ln>
@@ -4536,7 +4684,7 @@
           <a:buFontTx/>
           <a:buNone/>
           <a:tabLst/>
-          <a:defRPr b="0" baseline="0" cap="none" i="0" spc="0" strike="noStrike" sz="1800" u="none" kumimoji="0" normalizeH="0">
+          <a:defRPr kumimoji="0" sz="1800" b="0" i="0" u="none" strike="noStrike" cap="none" spc="0" normalizeH="0" baseline="0">
             <a:ln>
               <a:noFill/>
             </a:ln>
@@ -4562,7 +4710,7 @@
           <a:buFontTx/>
           <a:buNone/>
           <a:tabLst/>
-          <a:defRPr b="0" baseline="0" cap="none" i="0" spc="0" strike="noStrike" sz="1800" u="none" kumimoji="0" normalizeH="0">
+          <a:defRPr kumimoji="0" sz="1800" b="0" i="0" u="none" strike="noStrike" cap="none" spc="0" normalizeH="0" baseline="0">
             <a:ln>
               <a:noFill/>
             </a:ln>
@@ -4575,9 +4723,15 @@
         </a:lvl9pPr>
       </a:lstStyle>
       <a:style>
-        <a:lnRef idx="0"/>
-        <a:fillRef idx="0"/>
-        <a:effectRef idx="0"/>
+        <a:lnRef idx="0">
+          <a:scrgbClr r="0" g="0" b="0"/>
+        </a:lnRef>
+        <a:fillRef idx="0">
+          <a:scrgbClr r="0" g="0" b="0"/>
+        </a:fillRef>
+        <a:effectRef idx="0">
+          <a:scrgbClr r="0" g="0" b="0"/>
+        </a:effectRef>
         <a:fontRef idx="none"/>
       </a:style>
     </a:spDef>
@@ -4594,7 +4748,7 @@
         <a:effectLst/>
         <a:sp3d/>
       </a:spPr>
-      <a:bodyPr rot="0" spcFirstLastPara="1" vertOverflow="overflow" horzOverflow="overflow" vert="horz" wrap="square" lIns="91439" tIns="45719" rIns="91439" bIns="45719" numCol="1" spcCol="38100" rtlCol="0" anchor="t" upright="0">
+      <a:bodyPr rot="0" spcFirstLastPara="1" vertOverflow="overflow" horzOverflow="overflow" vert="horz" wrap="square" lIns="91439" tIns="45719" rIns="91439" bIns="45719" numCol="1" spcCol="38100" rtlCol="0" anchor="t">
         <a:noAutofit/>
       </a:bodyPr>
       <a:lstStyle>
@@ -4613,7 +4767,7 @@
           <a:buFontTx/>
           <a:buNone/>
           <a:tabLst/>
-          <a:defRPr b="0" baseline="0" cap="none" i="0" spc="0" strike="noStrike" sz="1800" u="none" kumimoji="0" normalizeH="0">
+          <a:defRPr kumimoji="0" sz="1800" b="0" i="0" u="none" strike="noStrike" cap="none" spc="0" normalizeH="0" baseline="0">
             <a:ln>
               <a:noFill/>
             </a:ln>
@@ -4639,7 +4793,7 @@
           <a:buFontTx/>
           <a:buNone/>
           <a:tabLst/>
-          <a:defRPr b="0" baseline="0" cap="none" i="0" spc="0" strike="noStrike" sz="1800" u="none" kumimoji="0" normalizeH="0">
+          <a:defRPr kumimoji="0" sz="1800" b="0" i="0" u="none" strike="noStrike" cap="none" spc="0" normalizeH="0" baseline="0">
             <a:ln>
               <a:noFill/>
             </a:ln>
@@ -4665,7 +4819,7 @@
           <a:buFontTx/>
           <a:buNone/>
           <a:tabLst/>
-          <a:defRPr b="0" baseline="0" cap="none" i="0" spc="0" strike="noStrike" sz="1800" u="none" kumimoji="0" normalizeH="0">
+          <a:defRPr kumimoji="0" sz="1800" b="0" i="0" u="none" strike="noStrike" cap="none" spc="0" normalizeH="0" baseline="0">
             <a:ln>
               <a:noFill/>
             </a:ln>
@@ -4691,7 +4845,7 @@
           <a:buFontTx/>
           <a:buNone/>
           <a:tabLst/>
-          <a:defRPr b="0" baseline="0" cap="none" i="0" spc="0" strike="noStrike" sz="1800" u="none" kumimoji="0" normalizeH="0">
+          <a:defRPr kumimoji="0" sz="1800" b="0" i="0" u="none" strike="noStrike" cap="none" spc="0" normalizeH="0" baseline="0">
             <a:ln>
               <a:noFill/>
             </a:ln>
@@ -4717,7 +4871,7 @@
           <a:buFontTx/>
           <a:buNone/>
           <a:tabLst/>
-          <a:defRPr b="0" baseline="0" cap="none" i="0" spc="0" strike="noStrike" sz="1800" u="none" kumimoji="0" normalizeH="0">
+          <a:defRPr kumimoji="0" sz="1800" b="0" i="0" u="none" strike="noStrike" cap="none" spc="0" normalizeH="0" baseline="0">
             <a:ln>
               <a:noFill/>
             </a:ln>
@@ -4743,7 +4897,7 @@
           <a:buFontTx/>
           <a:buNone/>
           <a:tabLst/>
-          <a:defRPr b="0" baseline="0" cap="none" i="0" spc="0" strike="noStrike" sz="1800" u="none" kumimoji="0" normalizeH="0">
+          <a:defRPr kumimoji="0" sz="1800" b="0" i="0" u="none" strike="noStrike" cap="none" spc="0" normalizeH="0" baseline="0">
             <a:ln>
               <a:noFill/>
             </a:ln>
@@ -4769,7 +4923,7 @@
           <a:buFontTx/>
           <a:buNone/>
           <a:tabLst/>
-          <a:defRPr b="0" baseline="0" cap="none" i="0" spc="0" strike="noStrike" sz="1800" u="none" kumimoji="0" normalizeH="0">
+          <a:defRPr kumimoji="0" sz="1800" b="0" i="0" u="none" strike="noStrike" cap="none" spc="0" normalizeH="0" baseline="0">
             <a:ln>
               <a:noFill/>
             </a:ln>
@@ -4795,7 +4949,7 @@
           <a:buFontTx/>
           <a:buNone/>
           <a:tabLst/>
-          <a:defRPr b="0" baseline="0" cap="none" i="0" spc="0" strike="noStrike" sz="1800" u="none" kumimoji="0" normalizeH="0">
+          <a:defRPr kumimoji="0" sz="1800" b="0" i="0" u="none" strike="noStrike" cap="none" spc="0" normalizeH="0" baseline="0">
             <a:ln>
               <a:noFill/>
             </a:ln>
@@ -4821,7 +4975,7 @@
           <a:buFontTx/>
           <a:buNone/>
           <a:tabLst/>
-          <a:defRPr b="0" baseline="0" cap="none" i="0" spc="0" strike="noStrike" sz="1800" u="none" kumimoji="0" normalizeH="0">
+          <a:defRPr kumimoji="0" sz="1800" b="0" i="0" u="none" strike="noStrike" cap="none" spc="0" normalizeH="0" baseline="0">
             <a:ln>
               <a:noFill/>
             </a:ln>
@@ -4847,7 +5001,7 @@
           <a:buFontTx/>
           <a:buNone/>
           <a:tabLst/>
-          <a:defRPr b="0" baseline="0" cap="none" i="0" spc="0" strike="noStrike" sz="1800" u="none" kumimoji="0" normalizeH="0">
+          <a:defRPr kumimoji="0" sz="1800" b="0" i="0" u="none" strike="noStrike" cap="none" spc="0" normalizeH="0" baseline="0">
             <a:ln>
               <a:noFill/>
             </a:ln>
@@ -4860,9 +5014,15 @@
         </a:lvl9pPr>
       </a:lstStyle>
       <a:style>
-        <a:lnRef idx="0"/>
-        <a:fillRef idx="0"/>
-        <a:effectRef idx="0"/>
+        <a:lnRef idx="0">
+          <a:scrgbClr r="0" g="0" b="0"/>
+        </a:lnRef>
+        <a:fillRef idx="0">
+          <a:scrgbClr r="0" g="0" b="0"/>
+        </a:fillRef>
+        <a:effectRef idx="0">
+          <a:scrgbClr r="0" g="0" b="0"/>
+        </a:effectRef>
         <a:fontRef idx="none"/>
       </a:style>
     </a:lnDef>
@@ -4876,7 +5036,7 @@
         <a:effectLst/>
         <a:sp3d/>
       </a:spPr>
-      <a:bodyPr rot="0" spcFirstLastPara="1" vertOverflow="overflow" horzOverflow="overflow" vert="horz" wrap="square" lIns="50800" tIns="50800" rIns="50800" bIns="50800" numCol="1" spcCol="38100" rtlCol="0" anchor="ctr" upright="0">
+      <a:bodyPr rot="0" spcFirstLastPara="1" vertOverflow="overflow" horzOverflow="overflow" vert="horz" wrap="square" lIns="50800" tIns="50800" rIns="50800" bIns="50800" numCol="1" spcCol="38100" rtlCol="0" anchor="ctr">
         <a:spAutoFit/>
       </a:bodyPr>
       <a:lstStyle>
@@ -4895,7 +5055,7 @@
           <a:buFontTx/>
           <a:buNone/>
           <a:tabLst/>
-          <a:defRPr b="0" baseline="0" cap="none" i="0" spc="0" strike="noStrike" sz="3600" u="none" kumimoji="0" normalizeH="0">
+          <a:defRPr kumimoji="0" sz="3600" b="0" i="0" u="none" strike="noStrike" cap="none" spc="0" normalizeH="0" baseline="0">
             <a:ln>
               <a:noFill/>
             </a:ln>
@@ -4925,7 +5085,7 @@
           <a:buFontTx/>
           <a:buNone/>
           <a:tabLst/>
-          <a:defRPr b="0" baseline="0" cap="none" i="0" spc="0" strike="noStrike" sz="1800" u="none" kumimoji="0" normalizeH="0">
+          <a:defRPr kumimoji="0" sz="1800" b="0" i="0" u="none" strike="noStrike" cap="none" spc="0" normalizeH="0" baseline="0">
             <a:ln>
               <a:noFill/>
             </a:ln>
@@ -4951,7 +5111,7 @@
           <a:buFontTx/>
           <a:buNone/>
           <a:tabLst/>
-          <a:defRPr b="0" baseline="0" cap="none" i="0" spc="0" strike="noStrike" sz="1800" u="none" kumimoji="0" normalizeH="0">
+          <a:defRPr kumimoji="0" sz="1800" b="0" i="0" u="none" strike="noStrike" cap="none" spc="0" normalizeH="0" baseline="0">
             <a:ln>
               <a:noFill/>
             </a:ln>
@@ -4977,7 +5137,7 @@
           <a:buFontTx/>
           <a:buNone/>
           <a:tabLst/>
-          <a:defRPr b="0" baseline="0" cap="none" i="0" spc="0" strike="noStrike" sz="1800" u="none" kumimoji="0" normalizeH="0">
+          <a:defRPr kumimoji="0" sz="1800" b="0" i="0" u="none" strike="noStrike" cap="none" spc="0" normalizeH="0" baseline="0">
             <a:ln>
               <a:noFill/>
             </a:ln>
@@ -5003,7 +5163,7 @@
           <a:buFontTx/>
           <a:buNone/>
           <a:tabLst/>
-          <a:defRPr b="0" baseline="0" cap="none" i="0" spc="0" strike="noStrike" sz="1800" u="none" kumimoji="0" normalizeH="0">
+          <a:defRPr kumimoji="0" sz="1800" b="0" i="0" u="none" strike="noStrike" cap="none" spc="0" normalizeH="0" baseline="0">
             <a:ln>
               <a:noFill/>
             </a:ln>
@@ -5029,7 +5189,7 @@
           <a:buFontTx/>
           <a:buNone/>
           <a:tabLst/>
-          <a:defRPr b="0" baseline="0" cap="none" i="0" spc="0" strike="noStrike" sz="1800" u="none" kumimoji="0" normalizeH="0">
+          <a:defRPr kumimoji="0" sz="1800" b="0" i="0" u="none" strike="noStrike" cap="none" spc="0" normalizeH="0" baseline="0">
             <a:ln>
               <a:noFill/>
             </a:ln>
@@ -5055,7 +5215,7 @@
           <a:buFontTx/>
           <a:buNone/>
           <a:tabLst/>
-          <a:defRPr b="0" baseline="0" cap="none" i="0" spc="0" strike="noStrike" sz="1800" u="none" kumimoji="0" normalizeH="0">
+          <a:defRPr kumimoji="0" sz="1800" b="0" i="0" u="none" strike="noStrike" cap="none" spc="0" normalizeH="0" baseline="0">
             <a:ln>
               <a:noFill/>
             </a:ln>
@@ -5081,7 +5241,7 @@
           <a:buFontTx/>
           <a:buNone/>
           <a:tabLst/>
-          <a:defRPr b="0" baseline="0" cap="none" i="0" spc="0" strike="noStrike" sz="1800" u="none" kumimoji="0" normalizeH="0">
+          <a:defRPr kumimoji="0" sz="1800" b="0" i="0" u="none" strike="noStrike" cap="none" spc="0" normalizeH="0" baseline="0">
             <a:ln>
               <a:noFill/>
             </a:ln>
@@ -5107,7 +5267,7 @@
           <a:buFontTx/>
           <a:buNone/>
           <a:tabLst/>
-          <a:defRPr b="0" baseline="0" cap="none" i="0" spc="0" strike="noStrike" sz="1800" u="none" kumimoji="0" normalizeH="0">
+          <a:defRPr kumimoji="0" sz="1800" b="0" i="0" u="none" strike="noStrike" cap="none" spc="0" normalizeH="0" baseline="0">
             <a:ln>
               <a:noFill/>
             </a:ln>
@@ -5133,7 +5293,7 @@
           <a:buFontTx/>
           <a:buNone/>
           <a:tabLst/>
-          <a:defRPr b="0" baseline="0" cap="none" i="0" spc="0" strike="noStrike" sz="1800" u="none" kumimoji="0" normalizeH="0">
+          <a:defRPr kumimoji="0" sz="1800" b="0" i="0" u="none" strike="noStrike" cap="none" spc="0" normalizeH="0" baseline="0">
             <a:ln>
               <a:noFill/>
             </a:ln>
@@ -5146,18 +5306,25 @@
         </a:lvl9pPr>
       </a:lstStyle>
       <a:style>
-        <a:lnRef idx="0"/>
-        <a:fillRef idx="0"/>
-        <a:effectRef idx="0"/>
+        <a:lnRef idx="0">
+          <a:scrgbClr r="0" g="0" b="0"/>
+        </a:lnRef>
+        <a:fillRef idx="0">
+          <a:scrgbClr r="0" g="0" b="0"/>
+        </a:fillRef>
+        <a:effectRef idx="0">
+          <a:scrgbClr r="0" g="0" b="0"/>
+        </a:effectRef>
         <a:fontRef idx="none"/>
       </a:style>
     </a:txDef>
   </a:objectDefaults>
+  <a:extraClrSchemeLst/>
 </a:theme>
 </file>
 
 <file path=ppt/theme/theme2.xml><?xml version="1.0" encoding="utf-8"?>
-<a:theme xmlns:a="http://schemas.openxmlformats.org/drawingml/2006/main" xmlns:r="http://schemas.openxmlformats.org/officeDocument/2006/relationships" name="White">
+<a:theme xmlns:a="http://schemas.openxmlformats.org/drawingml/2006/main" name="White">
   <a:themeElements>
     <a:clrScheme name="White">
       <a:dk1>
@@ -5283,7 +5450,7 @@
       <a:effectStyleLst>
         <a:effectStyle>
           <a:effectLst>
-            <a:outerShdw sx="100000" sy="100000" kx="0" ky="0" algn="b" rotWithShape="0" blurRad="38100" dist="25400" dir="5400000">
+            <a:outerShdw blurRad="38100" dist="25400" dir="5400000" rotWithShape="0">
               <a:srgbClr val="000000">
                 <a:alpha val="50000"/>
               </a:srgbClr>
@@ -5292,7 +5459,7 @@
         </a:effectStyle>
         <a:effectStyle>
           <a:effectLst>
-            <a:outerShdw sx="100000" sy="100000" kx="0" ky="0" algn="b" rotWithShape="0" blurRad="50800" dist="12700" dir="0">
+            <a:outerShdw blurRad="50800" dist="12700" rotWithShape="0">
               <a:srgbClr val="000000">
                 <a:alpha val="50000"/>
               </a:srgbClr>
@@ -5301,7 +5468,7 @@
         </a:effectStyle>
         <a:effectStyle>
           <a:effectLst>
-            <a:outerShdw sx="100000" sy="100000" kx="0" ky="0" algn="b" rotWithShape="0" blurRad="38100" dist="25400" dir="5400000">
+            <a:outerShdw blurRad="38100" dist="25400" dir="5400000" rotWithShape="0">
               <a:srgbClr val="000000">
                 <a:alpha val="50000"/>
               </a:srgbClr>
@@ -5365,8 +5532,8 @@
     <a:spDef>
       <a:spPr>
         <a:blipFill rotWithShape="1">
-          <a:blip r:embed="rId1"/>
-          <a:srcRect l="0" t="0" r="0" b="0"/>
+          <a:blip xmlns:r="http://schemas.openxmlformats.org/officeDocument/2006/relationships" r:embed="rId1"/>
+          <a:srcRect/>
           <a:tile tx="0" ty="0" sx="100000" sy="100000" flip="none" algn="tl"/>
         </a:blipFill>
         <a:ln w="12700" cap="flat">
@@ -5374,7 +5541,7 @@
           <a:miter lim="400000"/>
         </a:ln>
         <a:effectLst>
-          <a:outerShdw sx="100000" sy="100000" kx="0" ky="0" algn="b" rotWithShape="0" blurRad="38100" dist="25400" dir="5400000">
+          <a:outerShdw blurRad="38100" dist="25400" dir="5400000" rotWithShape="0">
             <a:srgbClr val="000000">
               <a:alpha val="50000"/>
             </a:srgbClr>
@@ -5382,7 +5549,7 @@
         </a:effectLst>
         <a:sp3d/>
       </a:spPr>
-      <a:bodyPr rot="0" spcFirstLastPara="1" vertOverflow="overflow" horzOverflow="overflow" vert="horz" wrap="square" lIns="50800" tIns="50800" rIns="50800" bIns="50800" numCol="1" spcCol="38100" rtlCol="0" anchor="ctr" upright="0">
+      <a:bodyPr rot="0" spcFirstLastPara="1" vertOverflow="overflow" horzOverflow="overflow" vert="horz" wrap="square" lIns="50800" tIns="50800" rIns="50800" bIns="50800" numCol="1" spcCol="38100" rtlCol="0" anchor="ctr">
         <a:spAutoFit/>
       </a:bodyPr>
       <a:lstStyle>
@@ -5401,7 +5568,7 @@
           <a:buFontTx/>
           <a:buNone/>
           <a:tabLst/>
-          <a:defRPr b="0" baseline="0" cap="none" i="0" spc="0" strike="noStrike" sz="2400" u="none" kumimoji="0" normalizeH="0">
+          <a:defRPr kumimoji="0" sz="2400" b="0" i="0" u="none" strike="noStrike" cap="none" spc="0" normalizeH="0" baseline="0">
             <a:ln>
               <a:noFill/>
             </a:ln>
@@ -5431,7 +5598,7 @@
           <a:buFontTx/>
           <a:buNone/>
           <a:tabLst/>
-          <a:defRPr b="0" baseline="0" cap="none" i="0" spc="0" strike="noStrike" sz="1800" u="none" kumimoji="0" normalizeH="0">
+          <a:defRPr kumimoji="0" sz="1800" b="0" i="0" u="none" strike="noStrike" cap="none" spc="0" normalizeH="0" baseline="0">
             <a:ln>
               <a:noFill/>
             </a:ln>
@@ -5457,7 +5624,7 @@
           <a:buFontTx/>
           <a:buNone/>
           <a:tabLst/>
-          <a:defRPr b="0" baseline="0" cap="none" i="0" spc="0" strike="noStrike" sz="1800" u="none" kumimoji="0" normalizeH="0">
+          <a:defRPr kumimoji="0" sz="1800" b="0" i="0" u="none" strike="noStrike" cap="none" spc="0" normalizeH="0" baseline="0">
             <a:ln>
               <a:noFill/>
             </a:ln>
@@ -5483,7 +5650,7 @@
           <a:buFontTx/>
           <a:buNone/>
           <a:tabLst/>
-          <a:defRPr b="0" baseline="0" cap="none" i="0" spc="0" strike="noStrike" sz="1800" u="none" kumimoji="0" normalizeH="0">
+          <a:defRPr kumimoji="0" sz="1800" b="0" i="0" u="none" strike="noStrike" cap="none" spc="0" normalizeH="0" baseline="0">
             <a:ln>
               <a:noFill/>
             </a:ln>
@@ -5509,7 +5676,7 @@
           <a:buFontTx/>
           <a:buNone/>
           <a:tabLst/>
-          <a:defRPr b="0" baseline="0" cap="none" i="0" spc="0" strike="noStrike" sz="1800" u="none" kumimoji="0" normalizeH="0">
+          <a:defRPr kumimoji="0" sz="1800" b="0" i="0" u="none" strike="noStrike" cap="none" spc="0" normalizeH="0" baseline="0">
             <a:ln>
               <a:noFill/>
             </a:ln>
@@ -5535,7 +5702,7 @@
           <a:buFontTx/>
           <a:buNone/>
           <a:tabLst/>
-          <a:defRPr b="0" baseline="0" cap="none" i="0" spc="0" strike="noStrike" sz="1800" u="none" kumimoji="0" normalizeH="0">
+          <a:defRPr kumimoji="0" sz="1800" b="0" i="0" u="none" strike="noStrike" cap="none" spc="0" normalizeH="0" baseline="0">
             <a:ln>
               <a:noFill/>
             </a:ln>
@@ -5561,7 +5728,7 @@
           <a:buFontTx/>
           <a:buNone/>
           <a:tabLst/>
-          <a:defRPr b="0" baseline="0" cap="none" i="0" spc="0" strike="noStrike" sz="1800" u="none" kumimoji="0" normalizeH="0">
+          <a:defRPr kumimoji="0" sz="1800" b="0" i="0" u="none" strike="noStrike" cap="none" spc="0" normalizeH="0" baseline="0">
             <a:ln>
               <a:noFill/>
             </a:ln>
@@ -5587,7 +5754,7 @@
           <a:buFontTx/>
           <a:buNone/>
           <a:tabLst/>
-          <a:defRPr b="0" baseline="0" cap="none" i="0" spc="0" strike="noStrike" sz="1800" u="none" kumimoji="0" normalizeH="0">
+          <a:defRPr kumimoji="0" sz="1800" b="0" i="0" u="none" strike="noStrike" cap="none" spc="0" normalizeH="0" baseline="0">
             <a:ln>
               <a:noFill/>
             </a:ln>
@@ -5613,7 +5780,7 @@
           <a:buFontTx/>
           <a:buNone/>
           <a:tabLst/>
-          <a:defRPr b="0" baseline="0" cap="none" i="0" spc="0" strike="noStrike" sz="1800" u="none" kumimoji="0" normalizeH="0">
+          <a:defRPr kumimoji="0" sz="1800" b="0" i="0" u="none" strike="noStrike" cap="none" spc="0" normalizeH="0" baseline="0">
             <a:ln>
               <a:noFill/>
             </a:ln>
@@ -5639,7 +5806,7 @@
           <a:buFontTx/>
           <a:buNone/>
           <a:tabLst/>
-          <a:defRPr b="0" baseline="0" cap="none" i="0" spc="0" strike="noStrike" sz="1800" u="none" kumimoji="0" normalizeH="0">
+          <a:defRPr kumimoji="0" sz="1800" b="0" i="0" u="none" strike="noStrike" cap="none" spc="0" normalizeH="0" baseline="0">
             <a:ln>
               <a:noFill/>
             </a:ln>
@@ -5652,9 +5819,15 @@
         </a:lvl9pPr>
       </a:lstStyle>
       <a:style>
-        <a:lnRef idx="0"/>
-        <a:fillRef idx="0"/>
-        <a:effectRef idx="0"/>
+        <a:lnRef idx="0">
+          <a:scrgbClr r="0" g="0" b="0"/>
+        </a:lnRef>
+        <a:fillRef idx="0">
+          <a:scrgbClr r="0" g="0" b="0"/>
+        </a:fillRef>
+        <a:effectRef idx="0">
+          <a:scrgbClr r="0" g="0" b="0"/>
+        </a:effectRef>
         <a:fontRef idx="none"/>
       </a:style>
     </a:spDef>
@@ -5671,7 +5844,7 @@
         <a:effectLst/>
         <a:sp3d/>
       </a:spPr>
-      <a:bodyPr rot="0" spcFirstLastPara="1" vertOverflow="overflow" horzOverflow="overflow" vert="horz" wrap="square" lIns="91439" tIns="45719" rIns="91439" bIns="45719" numCol="1" spcCol="38100" rtlCol="0" anchor="t" upright="0">
+      <a:bodyPr rot="0" spcFirstLastPara="1" vertOverflow="overflow" horzOverflow="overflow" vert="horz" wrap="square" lIns="91439" tIns="45719" rIns="91439" bIns="45719" numCol="1" spcCol="38100" rtlCol="0" anchor="t">
         <a:noAutofit/>
       </a:bodyPr>
       <a:lstStyle>
@@ -5690,7 +5863,7 @@
           <a:buFontTx/>
           <a:buNone/>
           <a:tabLst/>
-          <a:defRPr b="0" baseline="0" cap="none" i="0" spc="0" strike="noStrike" sz="1800" u="none" kumimoji="0" normalizeH="0">
+          <a:defRPr kumimoji="0" sz="1800" b="0" i="0" u="none" strike="noStrike" cap="none" spc="0" normalizeH="0" baseline="0">
             <a:ln>
               <a:noFill/>
             </a:ln>
@@ -5716,7 +5889,7 @@
           <a:buFontTx/>
           <a:buNone/>
           <a:tabLst/>
-          <a:defRPr b="0" baseline="0" cap="none" i="0" spc="0" strike="noStrike" sz="1800" u="none" kumimoji="0" normalizeH="0">
+          <a:defRPr kumimoji="0" sz="1800" b="0" i="0" u="none" strike="noStrike" cap="none" spc="0" normalizeH="0" baseline="0">
             <a:ln>
               <a:noFill/>
             </a:ln>
@@ -5742,7 +5915,7 @@
           <a:buFontTx/>
           <a:buNone/>
           <a:tabLst/>
-          <a:defRPr b="0" baseline="0" cap="none" i="0" spc="0" strike="noStrike" sz="1800" u="none" kumimoji="0" normalizeH="0">
+          <a:defRPr kumimoji="0" sz="1800" b="0" i="0" u="none" strike="noStrike" cap="none" spc="0" normalizeH="0" baseline="0">
             <a:ln>
               <a:noFill/>
             </a:ln>
@@ -5768,7 +5941,7 @@
           <a:buFontTx/>
           <a:buNone/>
           <a:tabLst/>
-          <a:defRPr b="0" baseline="0" cap="none" i="0" spc="0" strike="noStrike" sz="1800" u="none" kumimoji="0" normalizeH="0">
+          <a:defRPr kumimoji="0" sz="1800" b="0" i="0" u="none" strike="noStrike" cap="none" spc="0" normalizeH="0" baseline="0">
             <a:ln>
               <a:noFill/>
             </a:ln>
@@ -5794,7 +5967,7 @@
           <a:buFontTx/>
           <a:buNone/>
           <a:tabLst/>
-          <a:defRPr b="0" baseline="0" cap="none" i="0" spc="0" strike="noStrike" sz="1800" u="none" kumimoji="0" normalizeH="0">
+          <a:defRPr kumimoji="0" sz="1800" b="0" i="0" u="none" strike="noStrike" cap="none" spc="0" normalizeH="0" baseline="0">
             <a:ln>
               <a:noFill/>
             </a:ln>
@@ -5820,7 +5993,7 @@
           <a:buFontTx/>
           <a:buNone/>
           <a:tabLst/>
-          <a:defRPr b="0" baseline="0" cap="none" i="0" spc="0" strike="noStrike" sz="1800" u="none" kumimoji="0" normalizeH="0">
+          <a:defRPr kumimoji="0" sz="1800" b="0" i="0" u="none" strike="noStrike" cap="none" spc="0" normalizeH="0" baseline="0">
             <a:ln>
               <a:noFill/>
             </a:ln>
@@ -5846,7 +6019,7 @@
           <a:buFontTx/>
           <a:buNone/>
           <a:tabLst/>
-          <a:defRPr b="0" baseline="0" cap="none" i="0" spc="0" strike="noStrike" sz="1800" u="none" kumimoji="0" normalizeH="0">
+          <a:defRPr kumimoji="0" sz="1800" b="0" i="0" u="none" strike="noStrike" cap="none" spc="0" normalizeH="0" baseline="0">
             <a:ln>
               <a:noFill/>
             </a:ln>
@@ -5872,7 +6045,7 @@
           <a:buFontTx/>
           <a:buNone/>
           <a:tabLst/>
-          <a:defRPr b="0" baseline="0" cap="none" i="0" spc="0" strike="noStrike" sz="1800" u="none" kumimoji="0" normalizeH="0">
+          <a:defRPr kumimoji="0" sz="1800" b="0" i="0" u="none" strike="noStrike" cap="none" spc="0" normalizeH="0" baseline="0">
             <a:ln>
               <a:noFill/>
             </a:ln>
@@ -5898,7 +6071,7 @@
           <a:buFontTx/>
           <a:buNone/>
           <a:tabLst/>
-          <a:defRPr b="0" baseline="0" cap="none" i="0" spc="0" strike="noStrike" sz="1800" u="none" kumimoji="0" normalizeH="0">
+          <a:defRPr kumimoji="0" sz="1800" b="0" i="0" u="none" strike="noStrike" cap="none" spc="0" normalizeH="0" baseline="0">
             <a:ln>
               <a:noFill/>
             </a:ln>
@@ -5924,7 +6097,7 @@
           <a:buFontTx/>
           <a:buNone/>
           <a:tabLst/>
-          <a:defRPr b="0" baseline="0" cap="none" i="0" spc="0" strike="noStrike" sz="1800" u="none" kumimoji="0" normalizeH="0">
+          <a:defRPr kumimoji="0" sz="1800" b="0" i="0" u="none" strike="noStrike" cap="none" spc="0" normalizeH="0" baseline="0">
             <a:ln>
               <a:noFill/>
             </a:ln>
@@ -5937,9 +6110,15 @@
         </a:lvl9pPr>
       </a:lstStyle>
       <a:style>
-        <a:lnRef idx="0"/>
-        <a:fillRef idx="0"/>
-        <a:effectRef idx="0"/>
+        <a:lnRef idx="0">
+          <a:scrgbClr r="0" g="0" b="0"/>
+        </a:lnRef>
+        <a:fillRef idx="0">
+          <a:scrgbClr r="0" g="0" b="0"/>
+        </a:fillRef>
+        <a:effectRef idx="0">
+          <a:scrgbClr r="0" g="0" b="0"/>
+        </a:effectRef>
         <a:fontRef idx="none"/>
       </a:style>
     </a:lnDef>
@@ -5953,7 +6132,7 @@
         <a:effectLst/>
         <a:sp3d/>
       </a:spPr>
-      <a:bodyPr rot="0" spcFirstLastPara="1" vertOverflow="overflow" horzOverflow="overflow" vert="horz" wrap="square" lIns="50800" tIns="50800" rIns="50800" bIns="50800" numCol="1" spcCol="38100" rtlCol="0" anchor="ctr" upright="0">
+      <a:bodyPr rot="0" spcFirstLastPara="1" vertOverflow="overflow" horzOverflow="overflow" vert="horz" wrap="square" lIns="50800" tIns="50800" rIns="50800" bIns="50800" numCol="1" spcCol="38100" rtlCol="0" anchor="ctr">
         <a:spAutoFit/>
       </a:bodyPr>
       <a:lstStyle>
@@ -5972,7 +6151,7 @@
           <a:buFontTx/>
           <a:buNone/>
           <a:tabLst/>
-          <a:defRPr b="0" baseline="0" cap="none" i="0" spc="0" strike="noStrike" sz="3600" u="none" kumimoji="0" normalizeH="0">
+          <a:defRPr kumimoji="0" sz="3600" b="0" i="0" u="none" strike="noStrike" cap="none" spc="0" normalizeH="0" baseline="0">
             <a:ln>
               <a:noFill/>
             </a:ln>
@@ -6002,7 +6181,7 @@
           <a:buFontTx/>
           <a:buNone/>
           <a:tabLst/>
-          <a:defRPr b="0" baseline="0" cap="none" i="0" spc="0" strike="noStrike" sz="1800" u="none" kumimoji="0" normalizeH="0">
+          <a:defRPr kumimoji="0" sz="1800" b="0" i="0" u="none" strike="noStrike" cap="none" spc="0" normalizeH="0" baseline="0">
             <a:ln>
               <a:noFill/>
             </a:ln>
@@ -6028,7 +6207,7 @@
           <a:buFontTx/>
           <a:buNone/>
           <a:tabLst/>
-          <a:defRPr b="0" baseline="0" cap="none" i="0" spc="0" strike="noStrike" sz="1800" u="none" kumimoji="0" normalizeH="0">
+          <a:defRPr kumimoji="0" sz="1800" b="0" i="0" u="none" strike="noStrike" cap="none" spc="0" normalizeH="0" baseline="0">
             <a:ln>
               <a:noFill/>
             </a:ln>
@@ -6054,7 +6233,7 @@
           <a:buFontTx/>
           <a:buNone/>
           <a:tabLst/>
-          <a:defRPr b="0" baseline="0" cap="none" i="0" spc="0" strike="noStrike" sz="1800" u="none" kumimoji="0" normalizeH="0">
+          <a:defRPr kumimoji="0" sz="1800" b="0" i="0" u="none" strike="noStrike" cap="none" spc="0" normalizeH="0" baseline="0">
             <a:ln>
               <a:noFill/>
             </a:ln>
@@ -6080,7 +6259,7 @@
           <a:buFontTx/>
           <a:buNone/>
           <a:tabLst/>
-          <a:defRPr b="0" baseline="0" cap="none" i="0" spc="0" strike="noStrike" sz="1800" u="none" kumimoji="0" normalizeH="0">
+          <a:defRPr kumimoji="0" sz="1800" b="0" i="0" u="none" strike="noStrike" cap="none" spc="0" normalizeH="0" baseline="0">
             <a:ln>
               <a:noFill/>
             </a:ln>
@@ -6106,7 +6285,7 @@
           <a:buFontTx/>
           <a:buNone/>
           <a:tabLst/>
-          <a:defRPr b="0" baseline="0" cap="none" i="0" spc="0" strike="noStrike" sz="1800" u="none" kumimoji="0" normalizeH="0">
+          <a:defRPr kumimoji="0" sz="1800" b="0" i="0" u="none" strike="noStrike" cap="none" spc="0" normalizeH="0" baseline="0">
             <a:ln>
               <a:noFill/>
             </a:ln>
@@ -6132,7 +6311,7 @@
           <a:buFontTx/>
           <a:buNone/>
           <a:tabLst/>
-          <a:defRPr b="0" baseline="0" cap="none" i="0" spc="0" strike="noStrike" sz="1800" u="none" kumimoji="0" normalizeH="0">
+          <a:defRPr kumimoji="0" sz="1800" b="0" i="0" u="none" strike="noStrike" cap="none" spc="0" normalizeH="0" baseline="0">
             <a:ln>
               <a:noFill/>
             </a:ln>
@@ -6158,7 +6337,7 @@
           <a:buFontTx/>
           <a:buNone/>
           <a:tabLst/>
-          <a:defRPr b="0" baseline="0" cap="none" i="0" spc="0" strike="noStrike" sz="1800" u="none" kumimoji="0" normalizeH="0">
+          <a:defRPr kumimoji="0" sz="1800" b="0" i="0" u="none" strike="noStrike" cap="none" spc="0" normalizeH="0" baseline="0">
             <a:ln>
               <a:noFill/>
             </a:ln>
@@ -6184,7 +6363,7 @@
           <a:buFontTx/>
           <a:buNone/>
           <a:tabLst/>
-          <a:defRPr b="0" baseline="0" cap="none" i="0" spc="0" strike="noStrike" sz="1800" u="none" kumimoji="0" normalizeH="0">
+          <a:defRPr kumimoji="0" sz="1800" b="0" i="0" u="none" strike="noStrike" cap="none" spc="0" normalizeH="0" baseline="0">
             <a:ln>
               <a:noFill/>
             </a:ln>
@@ -6210,7 +6389,7 @@
           <a:buFontTx/>
           <a:buNone/>
           <a:tabLst/>
-          <a:defRPr b="0" baseline="0" cap="none" i="0" spc="0" strike="noStrike" sz="1800" u="none" kumimoji="0" normalizeH="0">
+          <a:defRPr kumimoji="0" sz="1800" b="0" i="0" u="none" strike="noStrike" cap="none" spc="0" normalizeH="0" baseline="0">
             <a:ln>
               <a:noFill/>
             </a:ln>
@@ -6223,12 +6402,19 @@
         </a:lvl9pPr>
       </a:lstStyle>
       <a:style>
-        <a:lnRef idx="0"/>
-        <a:fillRef idx="0"/>
-        <a:effectRef idx="0"/>
+        <a:lnRef idx="0">
+          <a:scrgbClr r="0" g="0" b="0"/>
+        </a:lnRef>
+        <a:fillRef idx="0">
+          <a:scrgbClr r="0" g="0" b="0"/>
+        </a:fillRef>
+        <a:effectRef idx="0">
+          <a:scrgbClr r="0" g="0" b="0"/>
+        </a:effectRef>
         <a:fontRef idx="none"/>
       </a:style>
     </a:txDef>
   </a:objectDefaults>
+  <a:extraClrSchemeLst/>
 </a:theme>
 </file>
--- a/DomainModelPresentation.pptx
+++ b/DomainModelPresentation.pptx
@@ -2,15 +2,15 @@
 <file path=ppt/presentation.xml><?xml version="1.0" encoding="utf-8"?>
 <p:presentation xmlns:a="http://schemas.openxmlformats.org/drawingml/2006/main" xmlns:r="http://schemas.openxmlformats.org/officeDocument/2006/relationships" xmlns:p="http://schemas.openxmlformats.org/presentationml/2006/main">
   <p:sldMasterIdLst>
-    <p:sldMasterId id="2147483648" r:id="rId1"/>
+    <p:sldMasterId id="2147483648" r:id="rId5"/>
   </p:sldMasterIdLst>
   <p:notesMasterIdLst>
-    <p:notesMasterId r:id="rId5"/>
+    <p:notesMasterId r:id="rId7"/>
   </p:notesMasterIdLst>
   <p:sldIdLst>
-    <p:sldId id="256" r:id="rId2"/>
-    <p:sldId id="257" r:id="rId3"/>
-    <p:sldId id="258" r:id="rId4"/>
+    <p:sldId id="256" r:id="rId8"/>
+    <p:sldId id="257" r:id="rId9"/>
+    <p:sldId id="258" r:id="rId10"/>
   </p:sldIdLst>
   <p:sldSz cx="13004800" cy="9753600"/>
   <p:notesSz cx="6858000" cy="9144000"/>
@@ -30,7 +30,7 @@
       <a:buFontTx/>
       <a:buNone/>
       <a:tabLst/>
-      <a:defRPr kumimoji="0" sz="1800" b="0" i="0" u="none" strike="noStrike" cap="none" spc="0" normalizeH="0" baseline="0">
+      <a:defRPr b="0" baseline="0" cap="none" i="0" spc="0" strike="noStrike" sz="1800" u="none" kumimoji="0" normalizeH="0">
         <a:ln>
           <a:noFill/>
         </a:ln>
@@ -56,7 +56,7 @@
       <a:buFontTx/>
       <a:buNone/>
       <a:tabLst/>
-      <a:defRPr kumimoji="0" sz="3600" b="0" i="0" u="none" strike="noStrike" cap="none" spc="0" normalizeH="0" baseline="0">
+      <a:defRPr b="0" baseline="0" cap="none" i="0" spc="0" strike="noStrike" sz="3600" u="none" kumimoji="0" normalizeH="0">
         <a:ln>
           <a:noFill/>
         </a:ln>
@@ -65,13 +65,13 @@
         </a:solidFill>
         <a:effectLst/>
         <a:uFillTx/>
-        <a:latin typeface="+mn-lt"/>
-        <a:ea typeface="+mn-ea"/>
-        <a:cs typeface="+mn-cs"/>
+        <a:latin typeface="Helvetica Light"/>
+        <a:ea typeface="Helvetica Light"/>
+        <a:cs typeface="Helvetica Light"/>
         <a:sym typeface="Helvetica Light"/>
       </a:defRPr>
     </a:lvl1pPr>
-    <a:lvl2pPr marL="0" marR="0" indent="228600" algn="ctr" defTabSz="584200" rtl="0" fontAlgn="auto" latinLnBrk="0" hangingPunct="0">
+    <a:lvl2pPr marL="0" marR="0" indent="0" algn="ctr" defTabSz="584200" rtl="0" fontAlgn="auto" latinLnBrk="0" hangingPunct="0">
       <a:lnSpc>
         <a:spcPct val="100000"/>
       </a:lnSpc>
@@ -86,7 +86,7 @@
       <a:buFontTx/>
       <a:buNone/>
       <a:tabLst/>
-      <a:defRPr kumimoji="0" sz="3600" b="0" i="0" u="none" strike="noStrike" cap="none" spc="0" normalizeH="0" baseline="0">
+      <a:defRPr b="0" baseline="0" cap="none" i="0" spc="0" strike="noStrike" sz="3600" u="none" kumimoji="0" normalizeH="0">
         <a:ln>
           <a:noFill/>
         </a:ln>
@@ -95,13 +95,13 @@
         </a:solidFill>
         <a:effectLst/>
         <a:uFillTx/>
-        <a:latin typeface="+mn-lt"/>
-        <a:ea typeface="+mn-ea"/>
-        <a:cs typeface="+mn-cs"/>
+        <a:latin typeface="Helvetica Light"/>
+        <a:ea typeface="Helvetica Light"/>
+        <a:cs typeface="Helvetica Light"/>
         <a:sym typeface="Helvetica Light"/>
       </a:defRPr>
     </a:lvl2pPr>
-    <a:lvl3pPr marL="0" marR="0" indent="457200" algn="ctr" defTabSz="584200" rtl="0" fontAlgn="auto" latinLnBrk="0" hangingPunct="0">
+    <a:lvl3pPr marL="0" marR="0" indent="0" algn="ctr" defTabSz="584200" rtl="0" fontAlgn="auto" latinLnBrk="0" hangingPunct="0">
       <a:lnSpc>
         <a:spcPct val="100000"/>
       </a:lnSpc>
@@ -116,7 +116,7 @@
       <a:buFontTx/>
       <a:buNone/>
       <a:tabLst/>
-      <a:defRPr kumimoji="0" sz="3600" b="0" i="0" u="none" strike="noStrike" cap="none" spc="0" normalizeH="0" baseline="0">
+      <a:defRPr b="0" baseline="0" cap="none" i="0" spc="0" strike="noStrike" sz="3600" u="none" kumimoji="0" normalizeH="0">
         <a:ln>
           <a:noFill/>
         </a:ln>
@@ -125,13 +125,13 @@
         </a:solidFill>
         <a:effectLst/>
         <a:uFillTx/>
-        <a:latin typeface="+mn-lt"/>
-        <a:ea typeface="+mn-ea"/>
-        <a:cs typeface="+mn-cs"/>
+        <a:latin typeface="Helvetica Light"/>
+        <a:ea typeface="Helvetica Light"/>
+        <a:cs typeface="Helvetica Light"/>
         <a:sym typeface="Helvetica Light"/>
       </a:defRPr>
     </a:lvl3pPr>
-    <a:lvl4pPr marL="0" marR="0" indent="685800" algn="ctr" defTabSz="584200" rtl="0" fontAlgn="auto" latinLnBrk="0" hangingPunct="0">
+    <a:lvl4pPr marL="0" marR="0" indent="0" algn="ctr" defTabSz="584200" rtl="0" fontAlgn="auto" latinLnBrk="0" hangingPunct="0">
       <a:lnSpc>
         <a:spcPct val="100000"/>
       </a:lnSpc>
@@ -146,7 +146,7 @@
       <a:buFontTx/>
       <a:buNone/>
       <a:tabLst/>
-      <a:defRPr kumimoji="0" sz="3600" b="0" i="0" u="none" strike="noStrike" cap="none" spc="0" normalizeH="0" baseline="0">
+      <a:defRPr b="0" baseline="0" cap="none" i="0" spc="0" strike="noStrike" sz="3600" u="none" kumimoji="0" normalizeH="0">
         <a:ln>
           <a:noFill/>
         </a:ln>
@@ -155,13 +155,13 @@
         </a:solidFill>
         <a:effectLst/>
         <a:uFillTx/>
-        <a:latin typeface="+mn-lt"/>
-        <a:ea typeface="+mn-ea"/>
-        <a:cs typeface="+mn-cs"/>
+        <a:latin typeface="Helvetica Light"/>
+        <a:ea typeface="Helvetica Light"/>
+        <a:cs typeface="Helvetica Light"/>
         <a:sym typeface="Helvetica Light"/>
       </a:defRPr>
     </a:lvl4pPr>
-    <a:lvl5pPr marL="0" marR="0" indent="914400" algn="ctr" defTabSz="584200" rtl="0" fontAlgn="auto" latinLnBrk="0" hangingPunct="0">
+    <a:lvl5pPr marL="0" marR="0" indent="0" algn="ctr" defTabSz="584200" rtl="0" fontAlgn="auto" latinLnBrk="0" hangingPunct="0">
       <a:lnSpc>
         <a:spcPct val="100000"/>
       </a:lnSpc>
@@ -176,7 +176,7 @@
       <a:buFontTx/>
       <a:buNone/>
       <a:tabLst/>
-      <a:defRPr kumimoji="0" sz="3600" b="0" i="0" u="none" strike="noStrike" cap="none" spc="0" normalizeH="0" baseline="0">
+      <a:defRPr b="0" baseline="0" cap="none" i="0" spc="0" strike="noStrike" sz="3600" u="none" kumimoji="0" normalizeH="0">
         <a:ln>
           <a:noFill/>
         </a:ln>
@@ -185,13 +185,13 @@
         </a:solidFill>
         <a:effectLst/>
         <a:uFillTx/>
-        <a:latin typeface="+mn-lt"/>
-        <a:ea typeface="+mn-ea"/>
-        <a:cs typeface="+mn-cs"/>
+        <a:latin typeface="Helvetica Light"/>
+        <a:ea typeface="Helvetica Light"/>
+        <a:cs typeface="Helvetica Light"/>
         <a:sym typeface="Helvetica Light"/>
       </a:defRPr>
     </a:lvl5pPr>
-    <a:lvl6pPr marL="0" marR="0" indent="1143000" algn="ctr" defTabSz="584200" rtl="0" fontAlgn="auto" latinLnBrk="0" hangingPunct="0">
+    <a:lvl6pPr marL="0" marR="0" indent="0" algn="ctr" defTabSz="584200" rtl="0" fontAlgn="auto" latinLnBrk="0" hangingPunct="0">
       <a:lnSpc>
         <a:spcPct val="100000"/>
       </a:lnSpc>
@@ -206,7 +206,7 @@
       <a:buFontTx/>
       <a:buNone/>
       <a:tabLst/>
-      <a:defRPr kumimoji="0" sz="3600" b="0" i="0" u="none" strike="noStrike" cap="none" spc="0" normalizeH="0" baseline="0">
+      <a:defRPr b="0" baseline="0" cap="none" i="0" spc="0" strike="noStrike" sz="3600" u="none" kumimoji="0" normalizeH="0">
         <a:ln>
           <a:noFill/>
         </a:ln>
@@ -215,13 +215,13 @@
         </a:solidFill>
         <a:effectLst/>
         <a:uFillTx/>
-        <a:latin typeface="+mn-lt"/>
-        <a:ea typeface="+mn-ea"/>
-        <a:cs typeface="+mn-cs"/>
+        <a:latin typeface="Helvetica Light"/>
+        <a:ea typeface="Helvetica Light"/>
+        <a:cs typeface="Helvetica Light"/>
         <a:sym typeface="Helvetica Light"/>
       </a:defRPr>
     </a:lvl6pPr>
-    <a:lvl7pPr marL="0" marR="0" indent="1371600" algn="ctr" defTabSz="584200" rtl="0" fontAlgn="auto" latinLnBrk="0" hangingPunct="0">
+    <a:lvl7pPr marL="0" marR="0" indent="0" algn="ctr" defTabSz="584200" rtl="0" fontAlgn="auto" latinLnBrk="0" hangingPunct="0">
       <a:lnSpc>
         <a:spcPct val="100000"/>
       </a:lnSpc>
@@ -236,7 +236,7 @@
       <a:buFontTx/>
       <a:buNone/>
       <a:tabLst/>
-      <a:defRPr kumimoji="0" sz="3600" b="0" i="0" u="none" strike="noStrike" cap="none" spc="0" normalizeH="0" baseline="0">
+      <a:defRPr b="0" baseline="0" cap="none" i="0" spc="0" strike="noStrike" sz="3600" u="none" kumimoji="0" normalizeH="0">
         <a:ln>
           <a:noFill/>
         </a:ln>
@@ -245,13 +245,13 @@
         </a:solidFill>
         <a:effectLst/>
         <a:uFillTx/>
-        <a:latin typeface="+mn-lt"/>
-        <a:ea typeface="+mn-ea"/>
-        <a:cs typeface="+mn-cs"/>
+        <a:latin typeface="Helvetica Light"/>
+        <a:ea typeface="Helvetica Light"/>
+        <a:cs typeface="Helvetica Light"/>
         <a:sym typeface="Helvetica Light"/>
       </a:defRPr>
     </a:lvl7pPr>
-    <a:lvl8pPr marL="0" marR="0" indent="1600200" algn="ctr" defTabSz="584200" rtl="0" fontAlgn="auto" latinLnBrk="0" hangingPunct="0">
+    <a:lvl8pPr marL="0" marR="0" indent="0" algn="ctr" defTabSz="584200" rtl="0" fontAlgn="auto" latinLnBrk="0" hangingPunct="0">
       <a:lnSpc>
         <a:spcPct val="100000"/>
       </a:lnSpc>
@@ -266,7 +266,7 @@
       <a:buFontTx/>
       <a:buNone/>
       <a:tabLst/>
-      <a:defRPr kumimoji="0" sz="3600" b="0" i="0" u="none" strike="noStrike" cap="none" spc="0" normalizeH="0" baseline="0">
+      <a:defRPr b="0" baseline="0" cap="none" i="0" spc="0" strike="noStrike" sz="3600" u="none" kumimoji="0" normalizeH="0">
         <a:ln>
           <a:noFill/>
         </a:ln>
@@ -275,13 +275,13 @@
         </a:solidFill>
         <a:effectLst/>
         <a:uFillTx/>
-        <a:latin typeface="+mn-lt"/>
-        <a:ea typeface="+mn-ea"/>
-        <a:cs typeface="+mn-cs"/>
+        <a:latin typeface="Helvetica Light"/>
+        <a:ea typeface="Helvetica Light"/>
+        <a:cs typeface="Helvetica Light"/>
         <a:sym typeface="Helvetica Light"/>
       </a:defRPr>
     </a:lvl8pPr>
-    <a:lvl9pPr marL="0" marR="0" indent="1828800" algn="ctr" defTabSz="584200" rtl="0" fontAlgn="auto" latinLnBrk="0" hangingPunct="0">
+    <a:lvl9pPr marL="0" marR="0" indent="0" algn="ctr" defTabSz="584200" rtl="0" fontAlgn="auto" latinLnBrk="0" hangingPunct="0">
       <a:lnSpc>
         <a:spcPct val="100000"/>
       </a:lnSpc>
@@ -296,7 +296,7 @@
       <a:buFontTx/>
       <a:buNone/>
       <a:tabLst/>
-      <a:defRPr kumimoji="0" sz="3600" b="0" i="0" u="none" strike="noStrike" cap="none" spc="0" normalizeH="0" baseline="0">
+      <a:defRPr b="0" baseline="0" cap="none" i="0" spc="0" strike="noStrike" sz="3600" u="none" kumimoji="0" normalizeH="0">
         <a:ln>
           <a:noFill/>
         </a:ln>
@@ -305,9 +305,9 @@
         </a:solidFill>
         <a:effectLst/>
         <a:uFillTx/>
-        <a:latin typeface="+mn-lt"/>
-        <a:ea typeface="+mn-ea"/>
-        <a:cs typeface="+mn-cs"/>
+        <a:latin typeface="Helvetica Light"/>
+        <a:ea typeface="Helvetica Light"/>
+        <a:cs typeface="Helvetica Light"/>
         <a:sym typeface="Helvetica Light"/>
       </a:defRPr>
     </a:lvl9pPr>
@@ -315,14 +315,13 @@
 </p:presentation>
 </file>
 
+<file path=ppt/commentAuthors.xml><?xml version="1.0" encoding="utf-8"?>
+<p:cmAuthorLst xmlns:a="http://schemas.openxmlformats.org/drawingml/2006/main" xmlns:r="http://schemas.openxmlformats.org/officeDocument/2006/relationships" xmlns:p="http://schemas.openxmlformats.org/presentationml/2006/main"/>
+</file>
+
 <file path=ppt/notesMasters/notesMaster1.xml><?xml version="1.0" encoding="utf-8"?>
 <p:notesMaster xmlns:a="http://schemas.openxmlformats.org/drawingml/2006/main" xmlns:r="http://schemas.openxmlformats.org/officeDocument/2006/relationships" xmlns:p="http://schemas.openxmlformats.org/presentationml/2006/main">
   <p:cSld>
-    <p:bg>
-      <p:bgRef idx="1001">
-        <a:schemeClr val="bg1"/>
-      </p:bgRef>
-    </p:bg>
     <p:spTree>
       <p:nvGrpSpPr>
         <p:cNvPr id="1" name=""/>
@@ -340,9 +339,7 @@
       <p:sp>
         <p:nvSpPr>
           <p:cNvPr id="116" name="Shape 116"/>
-          <p:cNvSpPr>
-            <a:spLocks noGrp="1" noRot="1" noChangeAspect="1"/>
-          </p:cNvSpPr>
+          <p:cNvSpPr/>
           <p:nvPr>
             <p:ph type="sldImg"/>
           </p:nvPr>
@@ -360,16 +357,14 @@
           <a:bodyPr/>
           <a:lstStyle/>
           <a:p>
-            <a:endParaRPr/>
+            <a:pPr/>
           </a:p>
         </p:txBody>
       </p:sp>
       <p:sp>
         <p:nvSpPr>
           <p:cNvPr id="117" name="Shape 117"/>
-          <p:cNvSpPr>
-            <a:spLocks noGrp="1"/>
-          </p:cNvSpPr>
+          <p:cNvSpPr/>
           <p:nvPr>
             <p:ph type="body" sz="quarter" idx="1"/>
           </p:nvPr>
@@ -387,7 +382,7 @@
           <a:bodyPr/>
           <a:lstStyle/>
           <a:p>
-            <a:endParaRPr/>
+            <a:pPr/>
           </a:p>
         </p:txBody>
       </p:sp>
@@ -400,9 +395,9 @@
         <a:spcPct val="117999"/>
       </a:lnSpc>
       <a:defRPr sz="2200">
-        <a:latin typeface="Helvetica Neue"/>
-        <a:ea typeface="Helvetica Neue"/>
-        <a:cs typeface="Helvetica Neue"/>
+        <a:latin typeface="+mj-lt"/>
+        <a:ea typeface="+mj-ea"/>
+        <a:cs typeface="+mj-cs"/>
         <a:sym typeface="Helvetica Neue"/>
       </a:defRPr>
     </a:lvl1pPr>
@@ -411,9 +406,9 @@
         <a:spcPct val="117999"/>
       </a:lnSpc>
       <a:defRPr sz="2200">
-        <a:latin typeface="Helvetica Neue"/>
-        <a:ea typeface="Helvetica Neue"/>
-        <a:cs typeface="Helvetica Neue"/>
+        <a:latin typeface="+mj-lt"/>
+        <a:ea typeface="+mj-ea"/>
+        <a:cs typeface="+mj-cs"/>
         <a:sym typeface="Helvetica Neue"/>
       </a:defRPr>
     </a:lvl2pPr>
@@ -422,9 +417,9 @@
         <a:spcPct val="117999"/>
       </a:lnSpc>
       <a:defRPr sz="2200">
-        <a:latin typeface="Helvetica Neue"/>
-        <a:ea typeface="Helvetica Neue"/>
-        <a:cs typeface="Helvetica Neue"/>
+        <a:latin typeface="+mj-lt"/>
+        <a:ea typeface="+mj-ea"/>
+        <a:cs typeface="+mj-cs"/>
         <a:sym typeface="Helvetica Neue"/>
       </a:defRPr>
     </a:lvl3pPr>
@@ -433,9 +428,9 @@
         <a:spcPct val="117999"/>
       </a:lnSpc>
       <a:defRPr sz="2200">
-        <a:latin typeface="Helvetica Neue"/>
-        <a:ea typeface="Helvetica Neue"/>
-        <a:cs typeface="Helvetica Neue"/>
+        <a:latin typeface="+mj-lt"/>
+        <a:ea typeface="+mj-ea"/>
+        <a:cs typeface="+mj-cs"/>
         <a:sym typeface="Helvetica Neue"/>
       </a:defRPr>
     </a:lvl4pPr>
@@ -444,9 +439,9 @@
         <a:spcPct val="117999"/>
       </a:lnSpc>
       <a:defRPr sz="2200">
-        <a:latin typeface="Helvetica Neue"/>
-        <a:ea typeface="Helvetica Neue"/>
-        <a:cs typeface="Helvetica Neue"/>
+        <a:latin typeface="+mj-lt"/>
+        <a:ea typeface="+mj-ea"/>
+        <a:cs typeface="+mj-cs"/>
         <a:sym typeface="Helvetica Neue"/>
       </a:defRPr>
     </a:lvl5pPr>
@@ -455,9 +450,9 @@
         <a:spcPct val="117999"/>
       </a:lnSpc>
       <a:defRPr sz="2200">
-        <a:latin typeface="Helvetica Neue"/>
-        <a:ea typeface="Helvetica Neue"/>
-        <a:cs typeface="Helvetica Neue"/>
+        <a:latin typeface="+mj-lt"/>
+        <a:ea typeface="+mj-ea"/>
+        <a:cs typeface="+mj-cs"/>
         <a:sym typeface="Helvetica Neue"/>
       </a:defRPr>
     </a:lvl6pPr>
@@ -466,9 +461,9 @@
         <a:spcPct val="117999"/>
       </a:lnSpc>
       <a:defRPr sz="2200">
-        <a:latin typeface="Helvetica Neue"/>
-        <a:ea typeface="Helvetica Neue"/>
-        <a:cs typeface="Helvetica Neue"/>
+        <a:latin typeface="+mj-lt"/>
+        <a:ea typeface="+mj-ea"/>
+        <a:cs typeface="+mj-cs"/>
         <a:sym typeface="Helvetica Neue"/>
       </a:defRPr>
     </a:lvl7pPr>
@@ -477,9 +472,9 @@
         <a:spcPct val="117999"/>
       </a:lnSpc>
       <a:defRPr sz="2200">
-        <a:latin typeface="Helvetica Neue"/>
-        <a:ea typeface="Helvetica Neue"/>
-        <a:cs typeface="Helvetica Neue"/>
+        <a:latin typeface="+mj-lt"/>
+        <a:ea typeface="+mj-ea"/>
+        <a:cs typeface="+mj-cs"/>
         <a:sym typeface="Helvetica Neue"/>
       </a:defRPr>
     </a:lvl8pPr>
@@ -488,9 +483,9 @@
         <a:spcPct val="117999"/>
       </a:lnSpc>
       <a:defRPr sz="2200">
-        <a:latin typeface="Helvetica Neue"/>
-        <a:ea typeface="Helvetica Neue"/>
-        <a:cs typeface="Helvetica Neue"/>
+        <a:latin typeface="+mj-lt"/>
+        <a:ea typeface="+mj-ea"/>
+        <a:cs typeface="+mj-cs"/>
         <a:sym typeface="Helvetica Neue"/>
       </a:defRPr>
     </a:lvl9pPr>
@@ -499,7 +494,7 @@
 </file>
 
 <file path=ppt/slideLayouts/slideLayout1.xml><?xml version="1.0" encoding="utf-8"?>
-<p:sldLayout xmlns:a="http://schemas.openxmlformats.org/drawingml/2006/main" xmlns:r="http://schemas.openxmlformats.org/officeDocument/2006/relationships" xmlns:p="http://schemas.openxmlformats.org/presentationml/2006/main" type="title">
+<p:sldLayout xmlns:a="http://schemas.openxmlformats.org/drawingml/2006/main" xmlns:r="http://schemas.openxmlformats.org/officeDocument/2006/relationships" xmlns:p="http://schemas.openxmlformats.org/presentationml/2006/main" type="title" showMasterSp="1" showMasterPhAnim="1">
   <p:cSld name="Title &amp; Subtitle">
     <p:spTree>
       <p:nvGrpSpPr>
@@ -518,9 +513,7 @@
       <p:sp>
         <p:nvSpPr>
           <p:cNvPr id="11" name="Shape 11"/>
-          <p:cNvSpPr>
-            <a:spLocks noGrp="1"/>
-          </p:cNvSpPr>
+          <p:cNvSpPr/>
           <p:nvPr>
             <p:ph type="title"/>
           </p:nvPr>
@@ -538,6 +531,7 @@
           <a:bodyPr anchor="b"/>
           <a:lstStyle/>
           <a:p>
+            <a:pPr/>
             <a:r>
               <a:t>Title Text</a:t>
             </a:r>
@@ -547,9 +541,7 @@
       <p:sp>
         <p:nvSpPr>
           <p:cNvPr id="12" name="Shape 12"/>
-          <p:cNvSpPr>
-            <a:spLocks noGrp="1"/>
-          </p:cNvSpPr>
+          <p:cNvSpPr/>
           <p:nvPr>
             <p:ph type="body" sz="quarter" idx="1"/>
           </p:nvPr>
@@ -574,7 +566,7 @@
               <a:buNone/>
               <a:defRPr sz="3200"/>
             </a:lvl1pPr>
-            <a:lvl2pPr marL="0" indent="228600" algn="ctr">
+            <a:lvl2pPr marL="0" indent="0" algn="ctr">
               <a:spcBef>
                 <a:spcPts val="0"/>
               </a:spcBef>
@@ -582,7 +574,7 @@
               <a:buNone/>
               <a:defRPr sz="3200"/>
             </a:lvl2pPr>
-            <a:lvl3pPr marL="0" indent="457200" algn="ctr">
+            <a:lvl3pPr marL="0" indent="0" algn="ctr">
               <a:spcBef>
                 <a:spcPts val="0"/>
               </a:spcBef>
@@ -590,7 +582,7 @@
               <a:buNone/>
               <a:defRPr sz="3200"/>
             </a:lvl3pPr>
-            <a:lvl4pPr marL="0" indent="685800" algn="ctr">
+            <a:lvl4pPr marL="0" indent="0" algn="ctr">
               <a:spcBef>
                 <a:spcPts val="0"/>
               </a:spcBef>
@@ -598,7 +590,7 @@
               <a:buNone/>
               <a:defRPr sz="3200"/>
             </a:lvl4pPr>
-            <a:lvl5pPr marL="0" indent="914400" algn="ctr">
+            <a:lvl5pPr marL="0" indent="0" algn="ctr">
               <a:spcBef>
                 <a:spcPts val="0"/>
               </a:spcBef>
@@ -608,6 +600,7 @@
             </a:lvl5pPr>
           </a:lstStyle>
           <a:p>
+            <a:pPr/>
             <a:r>
               <a:t>Body Level One</a:t>
             </a:r>
@@ -641,9 +634,7 @@
       <p:sp>
         <p:nvSpPr>
           <p:cNvPr id="13" name="Shape 13"/>
-          <p:cNvSpPr>
-            <a:spLocks noGrp="1"/>
-          </p:cNvSpPr>
+          <p:cNvSpPr/>
           <p:nvPr>
             <p:ph type="sldNum" sz="quarter" idx="2"/>
           </p:nvPr>
@@ -657,10 +648,8 @@
           <a:bodyPr/>
           <a:lstStyle/>
           <a:p>
-            <a:fld id="{86CB4B4D-7CA3-9044-876B-883B54F8677D}" type="slidenum">
-              <a:t>‹#›</a:t>
-            </a:fld>
-            <a:endParaRPr/>
+            <a:pPr/>
+            <a:fld id="{86CB4B4D-7CA3-9044-876B-883B54F8677D}" type="slidenum"/>
           </a:p>
         </p:txBody>
       </p:sp>
@@ -669,12 +658,12 @@
   <p:clrMapOvr>
     <a:masterClrMapping/>
   </p:clrMapOvr>
-  <p:transition spd="med"/>
+  <p:transition xmlns:p14="http://schemas.microsoft.com/office/powerpoint/2010/main" spd="med" advClick="1"/>
 </p:sldLayout>
 </file>
 
 <file path=ppt/slideLayouts/slideLayout10.xml><?xml version="1.0" encoding="utf-8"?>
-<p:sldLayout xmlns:a="http://schemas.openxmlformats.org/drawingml/2006/main" xmlns:r="http://schemas.openxmlformats.org/officeDocument/2006/relationships" xmlns:p="http://schemas.openxmlformats.org/presentationml/2006/main" type="tx">
+<p:sldLayout xmlns:a="http://schemas.openxmlformats.org/drawingml/2006/main" xmlns:r="http://schemas.openxmlformats.org/officeDocument/2006/relationships" xmlns:p="http://schemas.openxmlformats.org/presentationml/2006/main" type="tx" showMasterSp="1" showMasterPhAnim="1">
   <p:cSld name="Quote">
     <p:spTree>
       <p:nvGrpSpPr>
@@ -693,11 +682,9 @@
       <p:sp>
         <p:nvSpPr>
           <p:cNvPr id="93" name="Shape 93"/>
-          <p:cNvSpPr>
-            <a:spLocks noGrp="1"/>
-          </p:cNvSpPr>
+          <p:cNvSpPr/>
           <p:nvPr>
-            <p:ph type="body" sz="quarter" idx="13"/>
+            <p:ph type="body" sz="quarter" idx="1"/>
           </p:nvPr>
         </p:nvSpPr>
         <p:spPr>
@@ -710,9 +697,7 @@
           </a:prstGeom>
         </p:spPr>
         <p:txBody>
-          <a:bodyPr anchor="t">
-            <a:spAutoFit/>
-          </a:bodyPr>
+          <a:bodyPr anchor="t"/>
           <a:lstStyle>
             <a:lvl1pPr marL="0" indent="0" algn="ctr">
               <a:spcBef>
@@ -721,16 +706,85 @@
               <a:buSzTx/>
               <a:buNone/>
               <a:defRPr sz="2400">
-                <a:latin typeface="Helvetica"/>
-                <a:ea typeface="Helvetica"/>
-                <a:cs typeface="Helvetica"/>
+                <a:latin typeface="+mn-lt"/>
+                <a:ea typeface="+mn-ea"/>
+                <a:cs typeface="+mn-cs"/>
                 <a:sym typeface="Helvetica"/>
               </a:defRPr>
             </a:lvl1pPr>
+            <a:lvl2pPr marL="740833" indent="-296333" algn="ctr">
+              <a:spcBef>
+                <a:spcPts val="0"/>
+              </a:spcBef>
+              <a:defRPr sz="2400">
+                <a:latin typeface="+mn-lt"/>
+                <a:ea typeface="+mn-ea"/>
+                <a:cs typeface="+mn-cs"/>
+                <a:sym typeface="Helvetica"/>
+              </a:defRPr>
+            </a:lvl2pPr>
+            <a:lvl3pPr marL="1185333" indent="-296333" algn="ctr">
+              <a:spcBef>
+                <a:spcPts val="0"/>
+              </a:spcBef>
+              <a:defRPr sz="2400">
+                <a:latin typeface="+mn-lt"/>
+                <a:ea typeface="+mn-ea"/>
+                <a:cs typeface="+mn-cs"/>
+                <a:sym typeface="Helvetica"/>
+              </a:defRPr>
+            </a:lvl3pPr>
+            <a:lvl4pPr marL="1629833" indent="-296333" algn="ctr">
+              <a:spcBef>
+                <a:spcPts val="0"/>
+              </a:spcBef>
+              <a:defRPr sz="2400">
+                <a:latin typeface="+mn-lt"/>
+                <a:ea typeface="+mn-ea"/>
+                <a:cs typeface="+mn-cs"/>
+                <a:sym typeface="Helvetica"/>
+              </a:defRPr>
+            </a:lvl4pPr>
+            <a:lvl5pPr marL="2074333" indent="-296333" algn="ctr">
+              <a:spcBef>
+                <a:spcPts val="0"/>
+              </a:spcBef>
+              <a:defRPr sz="2400">
+                <a:latin typeface="+mn-lt"/>
+                <a:ea typeface="+mn-ea"/>
+                <a:cs typeface="+mn-cs"/>
+                <a:sym typeface="Helvetica"/>
+              </a:defRPr>
+            </a:lvl5pPr>
           </a:lstStyle>
           <a:p>
+            <a:pPr/>
             <a:r>
-              <a:t>–Johnny Appleseed</a:t>
+              <a:t>Body Level One</a:t>
+            </a:r>
+          </a:p>
+          <a:p>
+            <a:pPr lvl="1"/>
+            <a:r>
+              <a:t>Body Level Two</a:t>
+            </a:r>
+          </a:p>
+          <a:p>
+            <a:pPr lvl="2"/>
+            <a:r>
+              <a:t>Body Level Three</a:t>
+            </a:r>
+          </a:p>
+          <a:p>
+            <a:pPr lvl="3"/>
+            <a:r>
+              <a:t>Body Level Four</a:t>
+            </a:r>
+          </a:p>
+          <a:p>
+            <a:pPr lvl="4"/>
+            <a:r>
+              <a:t>Body Level Five</a:t>
             </a:r>
           </a:p>
         </p:txBody>
@@ -738,11 +792,9 @@
       <p:sp>
         <p:nvSpPr>
           <p:cNvPr id="94" name="Shape 94"/>
-          <p:cNvSpPr>
-            <a:spLocks noGrp="1"/>
-          </p:cNvSpPr>
+          <p:cNvSpPr/>
           <p:nvPr>
-            <p:ph type="body" sz="quarter" idx="14"/>
+            <p:ph type="body" sz="quarter" idx="13"/>
           </p:nvPr>
         </p:nvSpPr>
         <p:spPr>
@@ -755,32 +807,24 @@
           </a:prstGeom>
         </p:spPr>
         <p:txBody>
-          <a:bodyPr>
-            <a:spAutoFit/>
-          </a:bodyPr>
-          <a:lstStyle>
-            <a:lvl1pPr marL="0" indent="0" algn="ctr">
+          <a:bodyPr/>
+          <a:lstStyle/>
+          <a:p>
+            <a:pPr marL="0" indent="0" algn="ctr">
               <a:spcBef>
                 <a:spcPts val="0"/>
               </a:spcBef>
               <a:buSzTx/>
               <a:buNone/>
               <a:defRPr sz="3800"/>
-            </a:lvl1pPr>
-          </a:lstStyle>
-          <a:p>
-            <a:r>
-              <a:t>“Type a quote here.” </a:t>
-            </a:r>
+            </a:pPr>
           </a:p>
         </p:txBody>
       </p:sp>
       <p:sp>
         <p:nvSpPr>
           <p:cNvPr id="95" name="Shape 95"/>
-          <p:cNvSpPr>
-            <a:spLocks noGrp="1"/>
-          </p:cNvSpPr>
+          <p:cNvSpPr/>
           <p:nvPr>
             <p:ph type="sldNum" sz="quarter" idx="2"/>
           </p:nvPr>
@@ -794,10 +838,8 @@
           <a:bodyPr/>
           <a:lstStyle/>
           <a:p>
-            <a:fld id="{86CB4B4D-7CA3-9044-876B-883B54F8677D}" type="slidenum">
-              <a:t>‹#›</a:t>
-            </a:fld>
-            <a:endParaRPr/>
+            <a:pPr/>
+            <a:fld id="{86CB4B4D-7CA3-9044-876B-883B54F8677D}" type="slidenum"/>
           </a:p>
         </p:txBody>
       </p:sp>
@@ -806,12 +848,12 @@
   <p:clrMapOvr>
     <a:masterClrMapping/>
   </p:clrMapOvr>
-  <p:transition spd="med"/>
+  <p:transition xmlns:p14="http://schemas.microsoft.com/office/powerpoint/2010/main" spd="med" advClick="1"/>
 </p:sldLayout>
 </file>
 
 <file path=ppt/slideLayouts/slideLayout11.xml><?xml version="1.0" encoding="utf-8"?>
-<p:sldLayout xmlns:a="http://schemas.openxmlformats.org/drawingml/2006/main" xmlns:r="http://schemas.openxmlformats.org/officeDocument/2006/relationships" xmlns:p="http://schemas.openxmlformats.org/presentationml/2006/main" type="tx">
+<p:sldLayout xmlns:a="http://schemas.openxmlformats.org/drawingml/2006/main" xmlns:r="http://schemas.openxmlformats.org/officeDocument/2006/relationships" xmlns:p="http://schemas.openxmlformats.org/presentationml/2006/main" type="tx" showMasterSp="1" showMasterPhAnim="1">
   <p:cSld name="Photo">
     <p:spTree>
       <p:nvGrpSpPr>
@@ -830,9 +872,7 @@
       <p:sp>
         <p:nvSpPr>
           <p:cNvPr id="102" name="Shape 102"/>
-          <p:cNvSpPr>
-            <a:spLocks noGrp="1"/>
-          </p:cNvSpPr>
+          <p:cNvSpPr/>
           <p:nvPr>
             <p:ph type="pic" idx="13"/>
           </p:nvPr>
@@ -852,16 +892,14 @@
           </a:bodyPr>
           <a:lstStyle/>
           <a:p>
-            <a:endParaRPr/>
+            <a:pPr/>
           </a:p>
         </p:txBody>
       </p:sp>
       <p:sp>
         <p:nvSpPr>
           <p:cNvPr id="103" name="Shape 103"/>
-          <p:cNvSpPr>
-            <a:spLocks noGrp="1"/>
-          </p:cNvSpPr>
+          <p:cNvSpPr/>
           <p:nvPr>
             <p:ph type="sldNum" sz="quarter" idx="2"/>
           </p:nvPr>
@@ -875,10 +913,8 @@
           <a:bodyPr/>
           <a:lstStyle/>
           <a:p>
-            <a:fld id="{86CB4B4D-7CA3-9044-876B-883B54F8677D}" type="slidenum">
-              <a:t>‹#›</a:t>
-            </a:fld>
-            <a:endParaRPr/>
+            <a:pPr/>
+            <a:fld id="{86CB4B4D-7CA3-9044-876B-883B54F8677D}" type="slidenum"/>
           </a:p>
         </p:txBody>
       </p:sp>
@@ -887,12 +923,12 @@
   <p:clrMapOvr>
     <a:masterClrMapping/>
   </p:clrMapOvr>
-  <p:transition spd="med"/>
+  <p:transition xmlns:p14="http://schemas.microsoft.com/office/powerpoint/2010/main" spd="med" advClick="1"/>
 </p:sldLayout>
 </file>
 
 <file path=ppt/slideLayouts/slideLayout12.xml><?xml version="1.0" encoding="utf-8"?>
-<p:sldLayout xmlns:a="http://schemas.openxmlformats.org/drawingml/2006/main" xmlns:r="http://schemas.openxmlformats.org/officeDocument/2006/relationships" xmlns:p="http://schemas.openxmlformats.org/presentationml/2006/main" type="tx">
+<p:sldLayout xmlns:a="http://schemas.openxmlformats.org/drawingml/2006/main" xmlns:r="http://schemas.openxmlformats.org/officeDocument/2006/relationships" xmlns:p="http://schemas.openxmlformats.org/presentationml/2006/main" type="tx" showMasterSp="1" showMasterPhAnim="1">
   <p:cSld name="Blank">
     <p:spTree>
       <p:nvGrpSpPr>
@@ -911,9 +947,7 @@
       <p:sp>
         <p:nvSpPr>
           <p:cNvPr id="110" name="Shape 110"/>
-          <p:cNvSpPr>
-            <a:spLocks noGrp="1"/>
-          </p:cNvSpPr>
+          <p:cNvSpPr/>
           <p:nvPr>
             <p:ph type="sldNum" sz="quarter" idx="2"/>
           </p:nvPr>
@@ -927,10 +961,8 @@
           <a:bodyPr/>
           <a:lstStyle/>
           <a:p>
-            <a:fld id="{86CB4B4D-7CA3-9044-876B-883B54F8677D}" type="slidenum">
-              <a:t>‹#›</a:t>
-            </a:fld>
-            <a:endParaRPr/>
+            <a:pPr/>
+            <a:fld id="{86CB4B4D-7CA3-9044-876B-883B54F8677D}" type="slidenum"/>
           </a:p>
         </p:txBody>
       </p:sp>
@@ -939,12 +971,12 @@
   <p:clrMapOvr>
     <a:masterClrMapping/>
   </p:clrMapOvr>
-  <p:transition spd="med"/>
+  <p:transition xmlns:p14="http://schemas.microsoft.com/office/powerpoint/2010/main" spd="med" advClick="1"/>
 </p:sldLayout>
 </file>
 
 <file path=ppt/slideLayouts/slideLayout2.xml><?xml version="1.0" encoding="utf-8"?>
-<p:sldLayout xmlns:a="http://schemas.openxmlformats.org/drawingml/2006/main" xmlns:r="http://schemas.openxmlformats.org/officeDocument/2006/relationships" xmlns:p="http://schemas.openxmlformats.org/presentationml/2006/main" type="tx">
+<p:sldLayout xmlns:a="http://schemas.openxmlformats.org/drawingml/2006/main" xmlns:r="http://schemas.openxmlformats.org/officeDocument/2006/relationships" xmlns:p="http://schemas.openxmlformats.org/presentationml/2006/main" type="tx" showMasterSp="1" showMasterPhAnim="1">
   <p:cSld name="Photo - Horizontal">
     <p:spTree>
       <p:nvGrpSpPr>
@@ -963,9 +995,7 @@
       <p:sp>
         <p:nvSpPr>
           <p:cNvPr id="20" name="Shape 20"/>
-          <p:cNvSpPr>
-            <a:spLocks noGrp="1"/>
-          </p:cNvSpPr>
+          <p:cNvSpPr/>
           <p:nvPr>
             <p:ph type="pic" idx="13"/>
           </p:nvPr>
@@ -985,16 +1015,14 @@
           </a:bodyPr>
           <a:lstStyle/>
           <a:p>
-            <a:endParaRPr/>
+            <a:pPr/>
           </a:p>
         </p:txBody>
       </p:sp>
       <p:sp>
         <p:nvSpPr>
           <p:cNvPr id="21" name="Shape 21"/>
-          <p:cNvSpPr>
-            <a:spLocks noGrp="1"/>
-          </p:cNvSpPr>
+          <p:cNvSpPr/>
           <p:nvPr>
             <p:ph type="title"/>
           </p:nvPr>
@@ -1012,6 +1040,7 @@
           <a:bodyPr anchor="b"/>
           <a:lstStyle/>
           <a:p>
+            <a:pPr/>
             <a:r>
               <a:t>Title Text</a:t>
             </a:r>
@@ -1021,9 +1050,7 @@
       <p:sp>
         <p:nvSpPr>
           <p:cNvPr id="22" name="Shape 22"/>
-          <p:cNvSpPr>
-            <a:spLocks noGrp="1"/>
-          </p:cNvSpPr>
+          <p:cNvSpPr/>
           <p:nvPr>
             <p:ph type="body" sz="quarter" idx="1"/>
           </p:nvPr>
@@ -1048,7 +1075,7 @@
               <a:buNone/>
               <a:defRPr sz="3200"/>
             </a:lvl1pPr>
-            <a:lvl2pPr marL="0" indent="228600" algn="ctr">
+            <a:lvl2pPr marL="0" indent="0" algn="ctr">
               <a:spcBef>
                 <a:spcPts val="0"/>
               </a:spcBef>
@@ -1056,7 +1083,7 @@
               <a:buNone/>
               <a:defRPr sz="3200"/>
             </a:lvl2pPr>
-            <a:lvl3pPr marL="0" indent="457200" algn="ctr">
+            <a:lvl3pPr marL="0" indent="0" algn="ctr">
               <a:spcBef>
                 <a:spcPts val="0"/>
               </a:spcBef>
@@ -1064,7 +1091,7 @@
               <a:buNone/>
               <a:defRPr sz="3200"/>
             </a:lvl3pPr>
-            <a:lvl4pPr marL="0" indent="685800" algn="ctr">
+            <a:lvl4pPr marL="0" indent="0" algn="ctr">
               <a:spcBef>
                 <a:spcPts val="0"/>
               </a:spcBef>
@@ -1072,7 +1099,7 @@
               <a:buNone/>
               <a:defRPr sz="3200"/>
             </a:lvl4pPr>
-            <a:lvl5pPr marL="0" indent="914400" algn="ctr">
+            <a:lvl5pPr marL="0" indent="0" algn="ctr">
               <a:spcBef>
                 <a:spcPts val="0"/>
               </a:spcBef>
@@ -1082,6 +1109,7 @@
             </a:lvl5pPr>
           </a:lstStyle>
           <a:p>
+            <a:pPr/>
             <a:r>
               <a:t>Body Level One</a:t>
             </a:r>
@@ -1115,9 +1143,7 @@
       <p:sp>
         <p:nvSpPr>
           <p:cNvPr id="23" name="Shape 23"/>
-          <p:cNvSpPr>
-            <a:spLocks noGrp="1"/>
-          </p:cNvSpPr>
+          <p:cNvSpPr/>
           <p:nvPr>
             <p:ph type="sldNum" sz="quarter" idx="2"/>
           </p:nvPr>
@@ -1135,10 +1161,8 @@
           <a:bodyPr/>
           <a:lstStyle/>
           <a:p>
-            <a:fld id="{86CB4B4D-7CA3-9044-876B-883B54F8677D}" type="slidenum">
-              <a:t>‹#›</a:t>
-            </a:fld>
-            <a:endParaRPr/>
+            <a:pPr/>
+            <a:fld id="{86CB4B4D-7CA3-9044-876B-883B54F8677D}" type="slidenum"/>
           </a:p>
         </p:txBody>
       </p:sp>
@@ -1147,12 +1171,12 @@
   <p:clrMapOvr>
     <a:masterClrMapping/>
   </p:clrMapOvr>
-  <p:transition spd="med"/>
+  <p:transition xmlns:p14="http://schemas.microsoft.com/office/powerpoint/2010/main" spd="med" advClick="1"/>
 </p:sldLayout>
 </file>
 
 <file path=ppt/slideLayouts/slideLayout3.xml><?xml version="1.0" encoding="utf-8"?>
-<p:sldLayout xmlns:a="http://schemas.openxmlformats.org/drawingml/2006/main" xmlns:r="http://schemas.openxmlformats.org/officeDocument/2006/relationships" xmlns:p="http://schemas.openxmlformats.org/presentationml/2006/main" type="tx">
+<p:sldLayout xmlns:a="http://schemas.openxmlformats.org/drawingml/2006/main" xmlns:r="http://schemas.openxmlformats.org/officeDocument/2006/relationships" xmlns:p="http://schemas.openxmlformats.org/presentationml/2006/main" type="tx" showMasterSp="1" showMasterPhAnim="1">
   <p:cSld name="Title - Center">
     <p:spTree>
       <p:nvGrpSpPr>
@@ -1171,9 +1195,7 @@
       <p:sp>
         <p:nvSpPr>
           <p:cNvPr id="30" name="Shape 30"/>
-          <p:cNvSpPr>
-            <a:spLocks noGrp="1"/>
-          </p:cNvSpPr>
+          <p:cNvSpPr/>
           <p:nvPr>
             <p:ph type="title"/>
           </p:nvPr>
@@ -1191,6 +1213,7 @@
           <a:bodyPr/>
           <a:lstStyle/>
           <a:p>
+            <a:pPr/>
             <a:r>
               <a:t>Title Text</a:t>
             </a:r>
@@ -1200,9 +1223,7 @@
       <p:sp>
         <p:nvSpPr>
           <p:cNvPr id="31" name="Shape 31"/>
-          <p:cNvSpPr>
-            <a:spLocks noGrp="1"/>
-          </p:cNvSpPr>
+          <p:cNvSpPr/>
           <p:nvPr>
             <p:ph type="sldNum" sz="quarter" idx="2"/>
           </p:nvPr>
@@ -1216,10 +1237,8 @@
           <a:bodyPr/>
           <a:lstStyle/>
           <a:p>
-            <a:fld id="{86CB4B4D-7CA3-9044-876B-883B54F8677D}" type="slidenum">
-              <a:t>‹#›</a:t>
-            </a:fld>
-            <a:endParaRPr/>
+            <a:pPr/>
+            <a:fld id="{86CB4B4D-7CA3-9044-876B-883B54F8677D}" type="slidenum"/>
           </a:p>
         </p:txBody>
       </p:sp>
@@ -1228,12 +1247,12 @@
   <p:clrMapOvr>
     <a:masterClrMapping/>
   </p:clrMapOvr>
-  <p:transition spd="med"/>
+  <p:transition xmlns:p14="http://schemas.microsoft.com/office/powerpoint/2010/main" spd="med" advClick="1"/>
 </p:sldLayout>
 </file>
 
 <file path=ppt/slideLayouts/slideLayout4.xml><?xml version="1.0" encoding="utf-8"?>
-<p:sldLayout xmlns:a="http://schemas.openxmlformats.org/drawingml/2006/main" xmlns:r="http://schemas.openxmlformats.org/officeDocument/2006/relationships" xmlns:p="http://schemas.openxmlformats.org/presentationml/2006/main" type="tx">
+<p:sldLayout xmlns:a="http://schemas.openxmlformats.org/drawingml/2006/main" xmlns:r="http://schemas.openxmlformats.org/officeDocument/2006/relationships" xmlns:p="http://schemas.openxmlformats.org/presentationml/2006/main" type="tx" showMasterSp="1" showMasterPhAnim="1">
   <p:cSld name="Photo - Vertical">
     <p:spTree>
       <p:nvGrpSpPr>
@@ -1252,9 +1271,7 @@
       <p:sp>
         <p:nvSpPr>
           <p:cNvPr id="38" name="Shape 38"/>
-          <p:cNvSpPr>
-            <a:spLocks noGrp="1"/>
-          </p:cNvSpPr>
+          <p:cNvSpPr/>
           <p:nvPr>
             <p:ph type="pic" sz="half" idx="13"/>
           </p:nvPr>
@@ -1274,16 +1291,14 @@
           </a:bodyPr>
           <a:lstStyle/>
           <a:p>
-            <a:endParaRPr/>
+            <a:pPr/>
           </a:p>
         </p:txBody>
       </p:sp>
       <p:sp>
         <p:nvSpPr>
           <p:cNvPr id="39" name="Shape 39"/>
-          <p:cNvSpPr>
-            <a:spLocks noGrp="1"/>
-          </p:cNvSpPr>
+          <p:cNvSpPr/>
           <p:nvPr>
             <p:ph type="title"/>
           </p:nvPr>
@@ -1305,6 +1320,7 @@
             </a:lvl1pPr>
           </a:lstStyle>
           <a:p>
+            <a:pPr/>
             <a:r>
               <a:t>Title Text</a:t>
             </a:r>
@@ -1314,9 +1330,7 @@
       <p:sp>
         <p:nvSpPr>
           <p:cNvPr id="40" name="Shape 40"/>
-          <p:cNvSpPr>
-            <a:spLocks noGrp="1"/>
-          </p:cNvSpPr>
+          <p:cNvSpPr/>
           <p:nvPr>
             <p:ph type="body" sz="quarter" idx="1"/>
           </p:nvPr>
@@ -1341,7 +1355,7 @@
               <a:buNone/>
               <a:defRPr sz="3200"/>
             </a:lvl1pPr>
-            <a:lvl2pPr marL="0" indent="228600" algn="ctr">
+            <a:lvl2pPr marL="0" indent="0" algn="ctr">
               <a:spcBef>
                 <a:spcPts val="0"/>
               </a:spcBef>
@@ -1349,7 +1363,7 @@
               <a:buNone/>
               <a:defRPr sz="3200"/>
             </a:lvl2pPr>
-            <a:lvl3pPr marL="0" indent="457200" algn="ctr">
+            <a:lvl3pPr marL="0" indent="0" algn="ctr">
               <a:spcBef>
                 <a:spcPts val="0"/>
               </a:spcBef>
@@ -1357,7 +1371,7 @@
               <a:buNone/>
               <a:defRPr sz="3200"/>
             </a:lvl3pPr>
-            <a:lvl4pPr marL="0" indent="685800" algn="ctr">
+            <a:lvl4pPr marL="0" indent="0" algn="ctr">
               <a:spcBef>
                 <a:spcPts val="0"/>
               </a:spcBef>
@@ -1365,7 +1379,7 @@
               <a:buNone/>
               <a:defRPr sz="3200"/>
             </a:lvl4pPr>
-            <a:lvl5pPr marL="0" indent="914400" algn="ctr">
+            <a:lvl5pPr marL="0" indent="0" algn="ctr">
               <a:spcBef>
                 <a:spcPts val="0"/>
               </a:spcBef>
@@ -1375,6 +1389,7 @@
             </a:lvl5pPr>
           </a:lstStyle>
           <a:p>
+            <a:pPr/>
             <a:r>
               <a:t>Body Level One</a:t>
             </a:r>
@@ -1408,9 +1423,7 @@
       <p:sp>
         <p:nvSpPr>
           <p:cNvPr id="41" name="Shape 41"/>
-          <p:cNvSpPr>
-            <a:spLocks noGrp="1"/>
-          </p:cNvSpPr>
+          <p:cNvSpPr/>
           <p:nvPr>
             <p:ph type="sldNum" sz="quarter" idx="2"/>
           </p:nvPr>
@@ -1424,10 +1437,8 @@
           <a:bodyPr/>
           <a:lstStyle/>
           <a:p>
-            <a:fld id="{86CB4B4D-7CA3-9044-876B-883B54F8677D}" type="slidenum">
-              <a:t>‹#›</a:t>
-            </a:fld>
-            <a:endParaRPr/>
+            <a:pPr/>
+            <a:fld id="{86CB4B4D-7CA3-9044-876B-883B54F8677D}" type="slidenum"/>
           </a:p>
         </p:txBody>
       </p:sp>
@@ -1436,12 +1447,12 @@
   <p:clrMapOvr>
     <a:masterClrMapping/>
   </p:clrMapOvr>
-  <p:transition spd="med"/>
+  <p:transition xmlns:p14="http://schemas.microsoft.com/office/powerpoint/2010/main" spd="med" advClick="1"/>
 </p:sldLayout>
 </file>
 
 <file path=ppt/slideLayouts/slideLayout5.xml><?xml version="1.0" encoding="utf-8"?>
-<p:sldLayout xmlns:a="http://schemas.openxmlformats.org/drawingml/2006/main" xmlns:r="http://schemas.openxmlformats.org/officeDocument/2006/relationships" xmlns:p="http://schemas.openxmlformats.org/presentationml/2006/main" type="tx">
+<p:sldLayout xmlns:a="http://schemas.openxmlformats.org/drawingml/2006/main" xmlns:r="http://schemas.openxmlformats.org/officeDocument/2006/relationships" xmlns:p="http://schemas.openxmlformats.org/presentationml/2006/main" type="tx" showMasterSp="1" showMasterPhAnim="1">
   <p:cSld name="Title - Top">
     <p:spTree>
       <p:nvGrpSpPr>
@@ -1460,9 +1471,7 @@
       <p:sp>
         <p:nvSpPr>
           <p:cNvPr id="48" name="Shape 48"/>
-          <p:cNvSpPr>
-            <a:spLocks noGrp="1"/>
-          </p:cNvSpPr>
+          <p:cNvSpPr/>
           <p:nvPr>
             <p:ph type="title"/>
           </p:nvPr>
@@ -1476,6 +1485,7 @@
           <a:bodyPr/>
           <a:lstStyle/>
           <a:p>
+            <a:pPr/>
             <a:r>
               <a:t>Title Text</a:t>
             </a:r>
@@ -1485,9 +1495,7 @@
       <p:sp>
         <p:nvSpPr>
           <p:cNvPr id="49" name="Shape 49"/>
-          <p:cNvSpPr>
-            <a:spLocks noGrp="1"/>
-          </p:cNvSpPr>
+          <p:cNvSpPr/>
           <p:nvPr>
             <p:ph type="sldNum" sz="quarter" idx="2"/>
           </p:nvPr>
@@ -1501,10 +1509,8 @@
           <a:bodyPr/>
           <a:lstStyle/>
           <a:p>
-            <a:fld id="{86CB4B4D-7CA3-9044-876B-883B54F8677D}" type="slidenum">
-              <a:t>‹#›</a:t>
-            </a:fld>
-            <a:endParaRPr/>
+            <a:pPr/>
+            <a:fld id="{86CB4B4D-7CA3-9044-876B-883B54F8677D}" type="slidenum"/>
           </a:p>
         </p:txBody>
       </p:sp>
@@ -1513,12 +1519,12 @@
   <p:clrMapOvr>
     <a:masterClrMapping/>
   </p:clrMapOvr>
-  <p:transition spd="med"/>
+  <p:transition xmlns:p14="http://schemas.microsoft.com/office/powerpoint/2010/main" spd="med" advClick="1"/>
 </p:sldLayout>
 </file>
 
 <file path=ppt/slideLayouts/slideLayout6.xml><?xml version="1.0" encoding="utf-8"?>
-<p:sldLayout xmlns:a="http://schemas.openxmlformats.org/drawingml/2006/main" xmlns:r="http://schemas.openxmlformats.org/officeDocument/2006/relationships" xmlns:p="http://schemas.openxmlformats.org/presentationml/2006/main" type="tx">
+<p:sldLayout xmlns:a="http://schemas.openxmlformats.org/drawingml/2006/main" xmlns:r="http://schemas.openxmlformats.org/officeDocument/2006/relationships" xmlns:p="http://schemas.openxmlformats.org/presentationml/2006/main" type="tx" showMasterSp="1" showMasterPhAnim="1">
   <p:cSld name="Title &amp; Bullets">
     <p:spTree>
       <p:nvGrpSpPr>
@@ -1537,9 +1543,7 @@
       <p:sp>
         <p:nvSpPr>
           <p:cNvPr id="56" name="Shape 56"/>
-          <p:cNvSpPr>
-            <a:spLocks noGrp="1"/>
-          </p:cNvSpPr>
+          <p:cNvSpPr/>
           <p:nvPr>
             <p:ph type="title"/>
           </p:nvPr>
@@ -1553,6 +1557,7 @@
           <a:bodyPr/>
           <a:lstStyle/>
           <a:p>
+            <a:pPr/>
             <a:r>
               <a:t>Title Text</a:t>
             </a:r>
@@ -1562,9 +1567,7 @@
       <p:sp>
         <p:nvSpPr>
           <p:cNvPr id="57" name="Shape 57"/>
-          <p:cNvSpPr>
-            <a:spLocks noGrp="1"/>
-          </p:cNvSpPr>
+          <p:cNvSpPr/>
           <p:nvPr>
             <p:ph type="body" idx="1"/>
           </p:nvPr>
@@ -1578,6 +1581,7 @@
           <a:bodyPr/>
           <a:lstStyle/>
           <a:p>
+            <a:pPr/>
             <a:r>
               <a:t>Body Level One</a:t>
             </a:r>
@@ -1611,9 +1615,7 @@
       <p:sp>
         <p:nvSpPr>
           <p:cNvPr id="58" name="Shape 58"/>
-          <p:cNvSpPr>
-            <a:spLocks noGrp="1"/>
-          </p:cNvSpPr>
+          <p:cNvSpPr/>
           <p:nvPr>
             <p:ph type="sldNum" sz="quarter" idx="2"/>
           </p:nvPr>
@@ -1627,10 +1629,8 @@
           <a:bodyPr/>
           <a:lstStyle/>
           <a:p>
-            <a:fld id="{86CB4B4D-7CA3-9044-876B-883B54F8677D}" type="slidenum">
-              <a:t>‹#›</a:t>
-            </a:fld>
-            <a:endParaRPr/>
+            <a:pPr/>
+            <a:fld id="{86CB4B4D-7CA3-9044-876B-883B54F8677D}" type="slidenum"/>
           </a:p>
         </p:txBody>
       </p:sp>
@@ -1639,12 +1639,12 @@
   <p:clrMapOvr>
     <a:masterClrMapping/>
   </p:clrMapOvr>
-  <p:transition spd="med"/>
+  <p:transition xmlns:p14="http://schemas.microsoft.com/office/powerpoint/2010/main" spd="med" advClick="1"/>
 </p:sldLayout>
 </file>
 
 <file path=ppt/slideLayouts/slideLayout7.xml><?xml version="1.0" encoding="utf-8"?>
-<p:sldLayout xmlns:a="http://schemas.openxmlformats.org/drawingml/2006/main" xmlns:r="http://schemas.openxmlformats.org/officeDocument/2006/relationships" xmlns:p="http://schemas.openxmlformats.org/presentationml/2006/main" type="tx">
+<p:sldLayout xmlns:a="http://schemas.openxmlformats.org/drawingml/2006/main" xmlns:r="http://schemas.openxmlformats.org/officeDocument/2006/relationships" xmlns:p="http://schemas.openxmlformats.org/presentationml/2006/main" type="tx" showMasterSp="1" showMasterPhAnim="1">
   <p:cSld name="Title, Bullets &amp; Photo">
     <p:spTree>
       <p:nvGrpSpPr>
@@ -1663,9 +1663,7 @@
       <p:sp>
         <p:nvSpPr>
           <p:cNvPr id="65" name="Shape 65"/>
-          <p:cNvSpPr>
-            <a:spLocks noGrp="1"/>
-          </p:cNvSpPr>
+          <p:cNvSpPr/>
           <p:nvPr>
             <p:ph type="pic" sz="half" idx="13"/>
           </p:nvPr>
@@ -1685,16 +1683,14 @@
           </a:bodyPr>
           <a:lstStyle/>
           <a:p>
-            <a:endParaRPr/>
+            <a:pPr/>
           </a:p>
         </p:txBody>
       </p:sp>
       <p:sp>
         <p:nvSpPr>
           <p:cNvPr id="66" name="Shape 66"/>
-          <p:cNvSpPr>
-            <a:spLocks noGrp="1"/>
-          </p:cNvSpPr>
+          <p:cNvSpPr/>
           <p:nvPr>
             <p:ph type="title"/>
           </p:nvPr>
@@ -1708,6 +1704,7 @@
           <a:bodyPr/>
           <a:lstStyle/>
           <a:p>
+            <a:pPr/>
             <a:r>
               <a:t>Title Text</a:t>
             </a:r>
@@ -1717,9 +1714,7 @@
       <p:sp>
         <p:nvSpPr>
           <p:cNvPr id="67" name="Shape 67"/>
-          <p:cNvSpPr>
-            <a:spLocks noGrp="1"/>
-          </p:cNvSpPr>
+          <p:cNvSpPr/>
           <p:nvPr>
             <p:ph type="body" sz="half" idx="1"/>
           </p:nvPr>
@@ -1768,6 +1763,7 @@
             </a:lvl5pPr>
           </a:lstStyle>
           <a:p>
+            <a:pPr/>
             <a:r>
               <a:t>Body Level One</a:t>
             </a:r>
@@ -1801,9 +1797,7 @@
       <p:sp>
         <p:nvSpPr>
           <p:cNvPr id="68" name="Shape 68"/>
-          <p:cNvSpPr>
-            <a:spLocks noGrp="1"/>
-          </p:cNvSpPr>
+          <p:cNvSpPr/>
           <p:nvPr>
             <p:ph type="sldNum" sz="quarter" idx="2"/>
           </p:nvPr>
@@ -1817,10 +1811,8 @@
           <a:bodyPr/>
           <a:lstStyle/>
           <a:p>
-            <a:fld id="{86CB4B4D-7CA3-9044-876B-883B54F8677D}" type="slidenum">
-              <a:t>‹#›</a:t>
-            </a:fld>
-            <a:endParaRPr/>
+            <a:pPr/>
+            <a:fld id="{86CB4B4D-7CA3-9044-876B-883B54F8677D}" type="slidenum"/>
           </a:p>
         </p:txBody>
       </p:sp>
@@ -1829,12 +1821,12 @@
   <p:clrMapOvr>
     <a:masterClrMapping/>
   </p:clrMapOvr>
-  <p:transition spd="med"/>
+  <p:transition xmlns:p14="http://schemas.microsoft.com/office/powerpoint/2010/main" spd="med" advClick="1"/>
 </p:sldLayout>
 </file>
 
 <file path=ppt/slideLayouts/slideLayout8.xml><?xml version="1.0" encoding="utf-8"?>
-<p:sldLayout xmlns:a="http://schemas.openxmlformats.org/drawingml/2006/main" xmlns:r="http://schemas.openxmlformats.org/officeDocument/2006/relationships" xmlns:p="http://schemas.openxmlformats.org/presentationml/2006/main" type="tx">
+<p:sldLayout xmlns:a="http://schemas.openxmlformats.org/drawingml/2006/main" xmlns:r="http://schemas.openxmlformats.org/officeDocument/2006/relationships" xmlns:p="http://schemas.openxmlformats.org/presentationml/2006/main" type="tx" showMasterSp="1" showMasterPhAnim="1">
   <p:cSld name="Bullets">
     <p:spTree>
       <p:nvGrpSpPr>
@@ -1853,9 +1845,7 @@
       <p:sp>
         <p:nvSpPr>
           <p:cNvPr id="75" name="Shape 75"/>
-          <p:cNvSpPr>
-            <a:spLocks noGrp="1"/>
-          </p:cNvSpPr>
+          <p:cNvSpPr/>
           <p:nvPr>
             <p:ph type="body" idx="1"/>
           </p:nvPr>
@@ -1873,6 +1863,7 @@
           <a:bodyPr/>
           <a:lstStyle/>
           <a:p>
+            <a:pPr/>
             <a:r>
               <a:t>Body Level One</a:t>
             </a:r>
@@ -1906,9 +1897,7 @@
       <p:sp>
         <p:nvSpPr>
           <p:cNvPr id="76" name="Shape 76"/>
-          <p:cNvSpPr>
-            <a:spLocks noGrp="1"/>
-          </p:cNvSpPr>
+          <p:cNvSpPr/>
           <p:nvPr>
             <p:ph type="sldNum" sz="quarter" idx="2"/>
           </p:nvPr>
@@ -1922,10 +1911,8 @@
           <a:bodyPr/>
           <a:lstStyle/>
           <a:p>
-            <a:fld id="{86CB4B4D-7CA3-9044-876B-883B54F8677D}" type="slidenum">
-              <a:t>‹#›</a:t>
-            </a:fld>
-            <a:endParaRPr/>
+            <a:pPr/>
+            <a:fld id="{86CB4B4D-7CA3-9044-876B-883B54F8677D}" type="slidenum"/>
           </a:p>
         </p:txBody>
       </p:sp>
@@ -1934,12 +1921,12 @@
   <p:clrMapOvr>
     <a:masterClrMapping/>
   </p:clrMapOvr>
-  <p:transition spd="med"/>
+  <p:transition xmlns:p14="http://schemas.microsoft.com/office/powerpoint/2010/main" spd="med" advClick="1"/>
 </p:sldLayout>
 </file>
 
 <file path=ppt/slideLayouts/slideLayout9.xml><?xml version="1.0" encoding="utf-8"?>
-<p:sldLayout xmlns:a="http://schemas.openxmlformats.org/drawingml/2006/main" xmlns:r="http://schemas.openxmlformats.org/officeDocument/2006/relationships" xmlns:p="http://schemas.openxmlformats.org/presentationml/2006/main" type="tx">
+<p:sldLayout xmlns:a="http://schemas.openxmlformats.org/drawingml/2006/main" xmlns:r="http://schemas.openxmlformats.org/officeDocument/2006/relationships" xmlns:p="http://schemas.openxmlformats.org/presentationml/2006/main" type="tx" showMasterSp="1" showMasterPhAnim="1">
   <p:cSld name="Photo - 3 Up">
     <p:spTree>
       <p:nvGrpSpPr>
@@ -1958,9 +1945,7 @@
       <p:sp>
         <p:nvSpPr>
           <p:cNvPr id="83" name="Shape 83"/>
-          <p:cNvSpPr>
-            <a:spLocks noGrp="1"/>
-          </p:cNvSpPr>
+          <p:cNvSpPr/>
           <p:nvPr>
             <p:ph type="pic" sz="quarter" idx="13"/>
           </p:nvPr>
@@ -1980,16 +1965,14 @@
           </a:bodyPr>
           <a:lstStyle/>
           <a:p>
-            <a:endParaRPr/>
+            <a:pPr/>
           </a:p>
         </p:txBody>
       </p:sp>
       <p:sp>
         <p:nvSpPr>
           <p:cNvPr id="84" name="Shape 84"/>
-          <p:cNvSpPr>
-            <a:spLocks noGrp="1"/>
-          </p:cNvSpPr>
+          <p:cNvSpPr/>
           <p:nvPr>
             <p:ph type="pic" sz="quarter" idx="14"/>
           </p:nvPr>
@@ -1997,7 +1980,7 @@
         <p:spPr>
           <a:xfrm>
             <a:off x="6724518" y="889000"/>
-            <a:ext cx="5334001" cy="3771900"/>
+            <a:ext cx="5334002" cy="3771900"/>
           </a:xfrm>
           <a:prstGeom prst="rect">
             <a:avLst/>
@@ -2009,16 +1992,14 @@
           </a:bodyPr>
           <a:lstStyle/>
           <a:p>
-            <a:endParaRPr/>
+            <a:pPr/>
           </a:p>
         </p:txBody>
       </p:sp>
       <p:sp>
         <p:nvSpPr>
           <p:cNvPr id="85" name="Shape 85"/>
-          <p:cNvSpPr>
-            <a:spLocks noGrp="1"/>
-          </p:cNvSpPr>
+          <p:cNvSpPr/>
           <p:nvPr>
             <p:ph type="pic" sz="half" idx="15"/>
           </p:nvPr>
@@ -2038,16 +2019,14 @@
           </a:bodyPr>
           <a:lstStyle/>
           <a:p>
-            <a:endParaRPr/>
+            <a:pPr/>
           </a:p>
         </p:txBody>
       </p:sp>
       <p:sp>
         <p:nvSpPr>
           <p:cNvPr id="86" name="Shape 86"/>
-          <p:cNvSpPr>
-            <a:spLocks noGrp="1"/>
-          </p:cNvSpPr>
+          <p:cNvSpPr/>
           <p:nvPr>
             <p:ph type="sldNum" sz="quarter" idx="2"/>
           </p:nvPr>
@@ -2061,10 +2040,8 @@
           <a:bodyPr/>
           <a:lstStyle/>
           <a:p>
-            <a:fld id="{86CB4B4D-7CA3-9044-876B-883B54F8677D}" type="slidenum">
-              <a:t>‹#›</a:t>
-            </a:fld>
-            <a:endParaRPr/>
+            <a:pPr/>
+            <a:fld id="{86CB4B4D-7CA3-9044-876B-883B54F8677D}" type="slidenum"/>
           </a:p>
         </p:txBody>
       </p:sp>
@@ -2073,7 +2050,7 @@
   <p:clrMapOvr>
     <a:masterClrMapping/>
   </p:clrMapOvr>
-  <p:transition spd="med"/>
+  <p:transition xmlns:p14="http://schemas.microsoft.com/office/powerpoint/2010/main" spd="med" advClick="1"/>
 </p:sldLayout>
 </file>
 
@@ -2085,7 +2062,6 @@
         <a:solidFill>
           <a:srgbClr val="FFFFFF"/>
         </a:solidFill>
-        <a:effectLst/>
       </p:bgPr>
     </p:bg>
     <p:spTree>
@@ -2105,9 +2081,7 @@
       <p:sp>
         <p:nvSpPr>
           <p:cNvPr id="2" name="Shape 2"/>
-          <p:cNvSpPr>
-            <a:spLocks noGrp="1"/>
-          </p:cNvSpPr>
+          <p:cNvSpPr/>
           <p:nvPr>
             <p:ph type="title"/>
           </p:nvPr>
@@ -2125,16 +2099,17 @@
           </a:ln>
           <a:extLst>
             <a:ext uri="{C572A759-6A51-4108-AA02-DFA0A04FC94B}">
-              <ma14:wrappingTextBoxFlag xmlns:ma14="http://schemas.microsoft.com/office/mac/drawingml/2011/main" xmlns="" val="1"/>
+              <ma14:wrappingTextBoxFlag xmlns:ma14="http://schemas.microsoft.com/office/mac/drawingml/2011/main" val="1"/>
             </a:ext>
           </a:extLst>
         </p:spPr>
         <p:txBody>
           <a:bodyPr lIns="50800" tIns="50800" rIns="50800" bIns="50800" anchor="ctr">
-            <a:normAutofit/>
+            <a:normAutofit fontScale="100000" lnSpcReduction="0"/>
           </a:bodyPr>
           <a:lstStyle/>
           <a:p>
+            <a:pPr/>
             <a:r>
               <a:t>Title Text</a:t>
             </a:r>
@@ -2144,9 +2119,7 @@
       <p:sp>
         <p:nvSpPr>
           <p:cNvPr id="3" name="Shape 3"/>
-          <p:cNvSpPr>
-            <a:spLocks noGrp="1"/>
-          </p:cNvSpPr>
+          <p:cNvSpPr/>
           <p:nvPr>
             <p:ph type="body" idx="1"/>
           </p:nvPr>
@@ -2164,16 +2137,17 @@
           </a:ln>
           <a:extLst>
             <a:ext uri="{C572A759-6A51-4108-AA02-DFA0A04FC94B}">
-              <ma14:wrappingTextBoxFlag xmlns:ma14="http://schemas.microsoft.com/office/mac/drawingml/2011/main" xmlns="" val="1"/>
+              <ma14:wrappingTextBoxFlag xmlns:ma14="http://schemas.microsoft.com/office/mac/drawingml/2011/main" val="1"/>
             </a:ext>
           </a:extLst>
         </p:spPr>
         <p:txBody>
           <a:bodyPr lIns="50800" tIns="50800" rIns="50800" bIns="50800" anchor="ctr">
-            <a:normAutofit/>
+            <a:normAutofit fontScale="100000" lnSpcReduction="0"/>
           </a:bodyPr>
           <a:lstStyle/>
           <a:p>
+            <a:pPr/>
             <a:r>
               <a:t>Body Level One</a:t>
             </a:r>
@@ -2207,9 +2181,7 @@
       <p:sp>
         <p:nvSpPr>
           <p:cNvPr id="4" name="Shape 4"/>
-          <p:cNvSpPr>
-            <a:spLocks noGrp="1"/>
-          </p:cNvSpPr>
+          <p:cNvSpPr/>
           <p:nvPr>
             <p:ph type="sldNum" sz="quarter" idx="2"/>
           </p:nvPr>
@@ -2236,10 +2208,8 @@
             </a:lvl1pPr>
           </a:lstStyle>
           <a:p>
-            <a:fld id="{86CB4B4D-7CA3-9044-876B-883B54F8677D}" type="slidenum">
-              <a:t>‹#›</a:t>
-            </a:fld>
-            <a:endParaRPr/>
+            <a:pPr/>
+            <a:fld id="{86CB4B4D-7CA3-9044-876B-883B54F8677D}" type="slidenum"/>
           </a:p>
         </p:txBody>
       </p:sp>
@@ -2247,20 +2217,20 @@
   </p:cSld>
   <p:clrMap bg1="lt1" tx1="dk1" bg2="lt2" tx2="dk2" accent1="accent1" accent2="accent2" accent3="accent3" accent4="accent4" accent5="accent5" accent6="accent6" hlink="hlink" folHlink="folHlink"/>
   <p:sldLayoutIdLst>
-    <p:sldLayoutId id="2147483649" r:id="rId1"/>
-    <p:sldLayoutId id="2147483650" r:id="rId2"/>
-    <p:sldLayoutId id="2147483651" r:id="rId3"/>
-    <p:sldLayoutId id="2147483652" r:id="rId4"/>
-    <p:sldLayoutId id="2147483653" r:id="rId5"/>
-    <p:sldLayoutId id="2147483654" r:id="rId6"/>
-    <p:sldLayoutId id="2147483655" r:id="rId7"/>
-    <p:sldLayoutId id="2147483656" r:id="rId8"/>
-    <p:sldLayoutId id="2147483657" r:id="rId9"/>
-    <p:sldLayoutId id="2147483658" r:id="rId10"/>
-    <p:sldLayoutId id="2147483659" r:id="rId11"/>
-    <p:sldLayoutId id="2147483660" r:id="rId12"/>
+    <p:sldLayoutId id="2147483649" r:id="rId2"/>
+    <p:sldLayoutId id="2147483650" r:id="rId3"/>
+    <p:sldLayoutId id="2147483651" r:id="rId4"/>
+    <p:sldLayoutId id="2147483652" r:id="rId5"/>
+    <p:sldLayoutId id="2147483653" r:id="rId6"/>
+    <p:sldLayoutId id="2147483654" r:id="rId7"/>
+    <p:sldLayoutId id="2147483655" r:id="rId8"/>
+    <p:sldLayoutId id="2147483656" r:id="rId9"/>
+    <p:sldLayoutId id="2147483657" r:id="rId10"/>
+    <p:sldLayoutId id="2147483658" r:id="rId11"/>
+    <p:sldLayoutId id="2147483659" r:id="rId12"/>
+    <p:sldLayoutId id="2147483660" r:id="rId13"/>
   </p:sldLayoutIdLst>
-  <p:transition spd="med"/>
+  <p:transition xmlns:p14="http://schemas.microsoft.com/office/powerpoint/2010/main" spd="med" advClick="1"/>
   <p:txStyles>
     <p:titleStyle>
       <a:lvl1pPr marL="0" marR="0" indent="0" algn="ctr" defTabSz="584200" rtl="0" latinLnBrk="0">
@@ -2278,7 +2248,7 @@
         <a:buFontTx/>
         <a:buNone/>
         <a:tabLst/>
-        <a:defRPr sz="8000" b="0" i="0" u="none" strike="noStrike" cap="none" spc="0" baseline="0">
+        <a:defRPr b="0" baseline="0" cap="none" i="0" spc="0" strike="noStrike" sz="8000" u="none">
           <a:ln>
             <a:noFill/>
           </a:ln>
@@ -2286,13 +2256,13 @@
             <a:srgbClr val="000000"/>
           </a:solidFill>
           <a:uFillTx/>
-          <a:latin typeface="+mn-lt"/>
-          <a:ea typeface="+mn-ea"/>
-          <a:cs typeface="+mn-cs"/>
+          <a:latin typeface="Helvetica Light"/>
+          <a:ea typeface="Helvetica Light"/>
+          <a:cs typeface="Helvetica Light"/>
           <a:sym typeface="Helvetica Light"/>
         </a:defRPr>
       </a:lvl1pPr>
-      <a:lvl2pPr marL="0" marR="0" indent="228600" algn="ctr" defTabSz="584200" rtl="0" latinLnBrk="0">
+      <a:lvl2pPr marL="0" marR="0" indent="0" algn="ctr" defTabSz="584200" rtl="0" latinLnBrk="0">
         <a:lnSpc>
           <a:spcPct val="100000"/>
         </a:lnSpc>
@@ -2307,7 +2277,7 @@
         <a:buFontTx/>
         <a:buNone/>
         <a:tabLst/>
-        <a:defRPr sz="8000" b="0" i="0" u="none" strike="noStrike" cap="none" spc="0" baseline="0">
+        <a:defRPr b="0" baseline="0" cap="none" i="0" spc="0" strike="noStrike" sz="8000" u="none">
           <a:ln>
             <a:noFill/>
           </a:ln>
@@ -2315,13 +2285,13 @@
             <a:srgbClr val="000000"/>
           </a:solidFill>
           <a:uFillTx/>
-          <a:latin typeface="+mn-lt"/>
-          <a:ea typeface="+mn-ea"/>
-          <a:cs typeface="+mn-cs"/>
+          <a:latin typeface="Helvetica Light"/>
+          <a:ea typeface="Helvetica Light"/>
+          <a:cs typeface="Helvetica Light"/>
           <a:sym typeface="Helvetica Light"/>
         </a:defRPr>
       </a:lvl2pPr>
-      <a:lvl3pPr marL="0" marR="0" indent="457200" algn="ctr" defTabSz="584200" rtl="0" latinLnBrk="0">
+      <a:lvl3pPr marL="0" marR="0" indent="0" algn="ctr" defTabSz="584200" rtl="0" latinLnBrk="0">
         <a:lnSpc>
           <a:spcPct val="100000"/>
         </a:lnSpc>
@@ -2336,7 +2306,7 @@
         <a:buFontTx/>
         <a:buNone/>
         <a:tabLst/>
-        <a:defRPr sz="8000" b="0" i="0" u="none" strike="noStrike" cap="none" spc="0" baseline="0">
+        <a:defRPr b="0" baseline="0" cap="none" i="0" spc="0" strike="noStrike" sz="8000" u="none">
           <a:ln>
             <a:noFill/>
           </a:ln>
@@ -2344,13 +2314,13 @@
             <a:srgbClr val="000000"/>
           </a:solidFill>
           <a:uFillTx/>
-          <a:latin typeface="+mn-lt"/>
-          <a:ea typeface="+mn-ea"/>
-          <a:cs typeface="+mn-cs"/>
+          <a:latin typeface="Helvetica Light"/>
+          <a:ea typeface="Helvetica Light"/>
+          <a:cs typeface="Helvetica Light"/>
           <a:sym typeface="Helvetica Light"/>
         </a:defRPr>
       </a:lvl3pPr>
-      <a:lvl4pPr marL="0" marR="0" indent="685800" algn="ctr" defTabSz="584200" rtl="0" latinLnBrk="0">
+      <a:lvl4pPr marL="0" marR="0" indent="0" algn="ctr" defTabSz="584200" rtl="0" latinLnBrk="0">
         <a:lnSpc>
           <a:spcPct val="100000"/>
         </a:lnSpc>
@@ -2365,7 +2335,7 @@
         <a:buFontTx/>
         <a:buNone/>
         <a:tabLst/>
-        <a:defRPr sz="8000" b="0" i="0" u="none" strike="noStrike" cap="none" spc="0" baseline="0">
+        <a:defRPr b="0" baseline="0" cap="none" i="0" spc="0" strike="noStrike" sz="8000" u="none">
           <a:ln>
             <a:noFill/>
           </a:ln>
@@ -2373,13 +2343,13 @@
             <a:srgbClr val="000000"/>
           </a:solidFill>
           <a:uFillTx/>
-          <a:latin typeface="+mn-lt"/>
-          <a:ea typeface="+mn-ea"/>
-          <a:cs typeface="+mn-cs"/>
+          <a:latin typeface="Helvetica Light"/>
+          <a:ea typeface="Helvetica Light"/>
+          <a:cs typeface="Helvetica Light"/>
           <a:sym typeface="Helvetica Light"/>
         </a:defRPr>
       </a:lvl4pPr>
-      <a:lvl5pPr marL="0" marR="0" indent="914400" algn="ctr" defTabSz="584200" rtl="0" latinLnBrk="0">
+      <a:lvl5pPr marL="0" marR="0" indent="0" algn="ctr" defTabSz="584200" rtl="0" latinLnBrk="0">
         <a:lnSpc>
           <a:spcPct val="100000"/>
         </a:lnSpc>
@@ -2394,7 +2364,7 @@
         <a:buFontTx/>
         <a:buNone/>
         <a:tabLst/>
-        <a:defRPr sz="8000" b="0" i="0" u="none" strike="noStrike" cap="none" spc="0" baseline="0">
+        <a:defRPr b="0" baseline="0" cap="none" i="0" spc="0" strike="noStrike" sz="8000" u="none">
           <a:ln>
             <a:noFill/>
           </a:ln>
@@ -2402,13 +2372,13 @@
             <a:srgbClr val="000000"/>
           </a:solidFill>
           <a:uFillTx/>
-          <a:latin typeface="+mn-lt"/>
-          <a:ea typeface="+mn-ea"/>
-          <a:cs typeface="+mn-cs"/>
+          <a:latin typeface="Helvetica Light"/>
+          <a:ea typeface="Helvetica Light"/>
+          <a:cs typeface="Helvetica Light"/>
           <a:sym typeface="Helvetica Light"/>
         </a:defRPr>
       </a:lvl5pPr>
-      <a:lvl6pPr marL="0" marR="0" indent="1143000" algn="ctr" defTabSz="584200" rtl="0" latinLnBrk="0">
+      <a:lvl6pPr marL="0" marR="0" indent="0" algn="ctr" defTabSz="584200" rtl="0" latinLnBrk="0">
         <a:lnSpc>
           <a:spcPct val="100000"/>
         </a:lnSpc>
@@ -2423,7 +2393,7 @@
         <a:buFontTx/>
         <a:buNone/>
         <a:tabLst/>
-        <a:defRPr sz="8000" b="0" i="0" u="none" strike="noStrike" cap="none" spc="0" baseline="0">
+        <a:defRPr b="0" baseline="0" cap="none" i="0" spc="0" strike="noStrike" sz="8000" u="none">
           <a:ln>
             <a:noFill/>
           </a:ln>
@@ -2431,13 +2401,13 @@
             <a:srgbClr val="000000"/>
           </a:solidFill>
           <a:uFillTx/>
-          <a:latin typeface="+mn-lt"/>
-          <a:ea typeface="+mn-ea"/>
-          <a:cs typeface="+mn-cs"/>
+          <a:latin typeface="Helvetica Light"/>
+          <a:ea typeface="Helvetica Light"/>
+          <a:cs typeface="Helvetica Light"/>
           <a:sym typeface="Helvetica Light"/>
         </a:defRPr>
       </a:lvl6pPr>
-      <a:lvl7pPr marL="0" marR="0" indent="1371600" algn="ctr" defTabSz="584200" rtl="0" latinLnBrk="0">
+      <a:lvl7pPr marL="0" marR="0" indent="0" algn="ctr" defTabSz="584200" rtl="0" latinLnBrk="0">
         <a:lnSpc>
           <a:spcPct val="100000"/>
         </a:lnSpc>
@@ -2452,7 +2422,7 @@
         <a:buFontTx/>
         <a:buNone/>
         <a:tabLst/>
-        <a:defRPr sz="8000" b="0" i="0" u="none" strike="noStrike" cap="none" spc="0" baseline="0">
+        <a:defRPr b="0" baseline="0" cap="none" i="0" spc="0" strike="noStrike" sz="8000" u="none">
           <a:ln>
             <a:noFill/>
           </a:ln>
@@ -2460,13 +2430,13 @@
             <a:srgbClr val="000000"/>
           </a:solidFill>
           <a:uFillTx/>
-          <a:latin typeface="+mn-lt"/>
-          <a:ea typeface="+mn-ea"/>
-          <a:cs typeface="+mn-cs"/>
+          <a:latin typeface="Helvetica Light"/>
+          <a:ea typeface="Helvetica Light"/>
+          <a:cs typeface="Helvetica Light"/>
           <a:sym typeface="Helvetica Light"/>
         </a:defRPr>
       </a:lvl7pPr>
-      <a:lvl8pPr marL="0" marR="0" indent="1600200" algn="ctr" defTabSz="584200" rtl="0" latinLnBrk="0">
+      <a:lvl8pPr marL="0" marR="0" indent="0" algn="ctr" defTabSz="584200" rtl="0" latinLnBrk="0">
         <a:lnSpc>
           <a:spcPct val="100000"/>
         </a:lnSpc>
@@ -2481,7 +2451,7 @@
         <a:buFontTx/>
         <a:buNone/>
         <a:tabLst/>
-        <a:defRPr sz="8000" b="0" i="0" u="none" strike="noStrike" cap="none" spc="0" baseline="0">
+        <a:defRPr b="0" baseline="0" cap="none" i="0" spc="0" strike="noStrike" sz="8000" u="none">
           <a:ln>
             <a:noFill/>
           </a:ln>
@@ -2489,13 +2459,13 @@
             <a:srgbClr val="000000"/>
           </a:solidFill>
           <a:uFillTx/>
-          <a:latin typeface="+mn-lt"/>
-          <a:ea typeface="+mn-ea"/>
-          <a:cs typeface="+mn-cs"/>
+          <a:latin typeface="Helvetica Light"/>
+          <a:ea typeface="Helvetica Light"/>
+          <a:cs typeface="Helvetica Light"/>
           <a:sym typeface="Helvetica Light"/>
         </a:defRPr>
       </a:lvl8pPr>
-      <a:lvl9pPr marL="0" marR="0" indent="1828800" algn="ctr" defTabSz="584200" rtl="0" latinLnBrk="0">
+      <a:lvl9pPr marL="0" marR="0" indent="0" algn="ctr" defTabSz="584200" rtl="0" latinLnBrk="0">
         <a:lnSpc>
           <a:spcPct val="100000"/>
         </a:lnSpc>
@@ -2510,7 +2480,7 @@
         <a:buFontTx/>
         <a:buNone/>
         <a:tabLst/>
-        <a:defRPr sz="8000" b="0" i="0" u="none" strike="noStrike" cap="none" spc="0" baseline="0">
+        <a:defRPr b="0" baseline="0" cap="none" i="0" spc="0" strike="noStrike" sz="8000" u="none">
           <a:ln>
             <a:noFill/>
           </a:ln>
@@ -2518,9 +2488,9 @@
             <a:srgbClr val="000000"/>
           </a:solidFill>
           <a:uFillTx/>
-          <a:latin typeface="+mn-lt"/>
-          <a:ea typeface="+mn-ea"/>
-          <a:cs typeface="+mn-cs"/>
+          <a:latin typeface="Helvetica Light"/>
+          <a:ea typeface="Helvetica Light"/>
+          <a:cs typeface="Helvetica Light"/>
           <a:sym typeface="Helvetica Light"/>
         </a:defRPr>
       </a:lvl9pPr>
@@ -2541,7 +2511,7 @@
         <a:buFontTx/>
         <a:buChar char="•"/>
         <a:tabLst/>
-        <a:defRPr sz="3600" b="0" i="0" u="none" strike="noStrike" cap="none" spc="0" baseline="0">
+        <a:defRPr b="0" baseline="0" cap="none" i="0" spc="0" strike="noStrike" sz="3600" u="none">
           <a:ln>
             <a:noFill/>
           </a:ln>
@@ -2549,9 +2519,9 @@
             <a:srgbClr val="000000"/>
           </a:solidFill>
           <a:uFillTx/>
-          <a:latin typeface="+mn-lt"/>
-          <a:ea typeface="+mn-ea"/>
-          <a:cs typeface="+mn-cs"/>
+          <a:latin typeface="Helvetica Light"/>
+          <a:ea typeface="Helvetica Light"/>
+          <a:cs typeface="Helvetica Light"/>
           <a:sym typeface="Helvetica Light"/>
         </a:defRPr>
       </a:lvl1pPr>
@@ -2570,7 +2540,7 @@
         <a:buFontTx/>
         <a:buChar char="•"/>
         <a:tabLst/>
-        <a:defRPr sz="3600" b="0" i="0" u="none" strike="noStrike" cap="none" spc="0" baseline="0">
+        <a:defRPr b="0" baseline="0" cap="none" i="0" spc="0" strike="noStrike" sz="3600" u="none">
           <a:ln>
             <a:noFill/>
           </a:ln>
@@ -2578,9 +2548,9 @@
             <a:srgbClr val="000000"/>
           </a:solidFill>
           <a:uFillTx/>
-          <a:latin typeface="+mn-lt"/>
-          <a:ea typeface="+mn-ea"/>
-          <a:cs typeface="+mn-cs"/>
+          <a:latin typeface="Helvetica Light"/>
+          <a:ea typeface="Helvetica Light"/>
+          <a:cs typeface="Helvetica Light"/>
           <a:sym typeface="Helvetica Light"/>
         </a:defRPr>
       </a:lvl2pPr>
@@ -2599,7 +2569,7 @@
         <a:buFontTx/>
         <a:buChar char="•"/>
         <a:tabLst/>
-        <a:defRPr sz="3600" b="0" i="0" u="none" strike="noStrike" cap="none" spc="0" baseline="0">
+        <a:defRPr b="0" baseline="0" cap="none" i="0" spc="0" strike="noStrike" sz="3600" u="none">
           <a:ln>
             <a:noFill/>
           </a:ln>
@@ -2607,9 +2577,9 @@
             <a:srgbClr val="000000"/>
           </a:solidFill>
           <a:uFillTx/>
-          <a:latin typeface="+mn-lt"/>
-          <a:ea typeface="+mn-ea"/>
-          <a:cs typeface="+mn-cs"/>
+          <a:latin typeface="Helvetica Light"/>
+          <a:ea typeface="Helvetica Light"/>
+          <a:cs typeface="Helvetica Light"/>
           <a:sym typeface="Helvetica Light"/>
         </a:defRPr>
       </a:lvl3pPr>
@@ -2628,7 +2598,7 @@
         <a:buFontTx/>
         <a:buChar char="•"/>
         <a:tabLst/>
-        <a:defRPr sz="3600" b="0" i="0" u="none" strike="noStrike" cap="none" spc="0" baseline="0">
+        <a:defRPr b="0" baseline="0" cap="none" i="0" spc="0" strike="noStrike" sz="3600" u="none">
           <a:ln>
             <a:noFill/>
           </a:ln>
@@ -2636,9 +2606,9 @@
             <a:srgbClr val="000000"/>
           </a:solidFill>
           <a:uFillTx/>
-          <a:latin typeface="+mn-lt"/>
-          <a:ea typeface="+mn-ea"/>
-          <a:cs typeface="+mn-cs"/>
+          <a:latin typeface="Helvetica Light"/>
+          <a:ea typeface="Helvetica Light"/>
+          <a:cs typeface="Helvetica Light"/>
           <a:sym typeface="Helvetica Light"/>
         </a:defRPr>
       </a:lvl4pPr>
@@ -2657,7 +2627,7 @@
         <a:buFontTx/>
         <a:buChar char="•"/>
         <a:tabLst/>
-        <a:defRPr sz="3600" b="0" i="0" u="none" strike="noStrike" cap="none" spc="0" baseline="0">
+        <a:defRPr b="0" baseline="0" cap="none" i="0" spc="0" strike="noStrike" sz="3600" u="none">
           <a:ln>
             <a:noFill/>
           </a:ln>
@@ -2665,9 +2635,9 @@
             <a:srgbClr val="000000"/>
           </a:solidFill>
           <a:uFillTx/>
-          <a:latin typeface="+mn-lt"/>
-          <a:ea typeface="+mn-ea"/>
-          <a:cs typeface="+mn-cs"/>
+          <a:latin typeface="Helvetica Light"/>
+          <a:ea typeface="Helvetica Light"/>
+          <a:cs typeface="Helvetica Light"/>
           <a:sym typeface="Helvetica Light"/>
         </a:defRPr>
       </a:lvl5pPr>
@@ -2686,7 +2656,7 @@
         <a:buFontTx/>
         <a:buChar char="•"/>
         <a:tabLst/>
-        <a:defRPr sz="3600" b="0" i="0" u="none" strike="noStrike" cap="none" spc="0" baseline="0">
+        <a:defRPr b="0" baseline="0" cap="none" i="0" spc="0" strike="noStrike" sz="3600" u="none">
           <a:ln>
             <a:noFill/>
           </a:ln>
@@ -2694,9 +2664,9 @@
             <a:srgbClr val="000000"/>
           </a:solidFill>
           <a:uFillTx/>
-          <a:latin typeface="+mn-lt"/>
-          <a:ea typeface="+mn-ea"/>
-          <a:cs typeface="+mn-cs"/>
+          <a:latin typeface="Helvetica Light"/>
+          <a:ea typeface="Helvetica Light"/>
+          <a:cs typeface="Helvetica Light"/>
           <a:sym typeface="Helvetica Light"/>
         </a:defRPr>
       </a:lvl6pPr>
@@ -2715,7 +2685,7 @@
         <a:buFontTx/>
         <a:buChar char="•"/>
         <a:tabLst/>
-        <a:defRPr sz="3600" b="0" i="0" u="none" strike="noStrike" cap="none" spc="0" baseline="0">
+        <a:defRPr b="0" baseline="0" cap="none" i="0" spc="0" strike="noStrike" sz="3600" u="none">
           <a:ln>
             <a:noFill/>
           </a:ln>
@@ -2723,9 +2693,9 @@
             <a:srgbClr val="000000"/>
           </a:solidFill>
           <a:uFillTx/>
-          <a:latin typeface="+mn-lt"/>
-          <a:ea typeface="+mn-ea"/>
-          <a:cs typeface="+mn-cs"/>
+          <a:latin typeface="Helvetica Light"/>
+          <a:ea typeface="Helvetica Light"/>
+          <a:cs typeface="Helvetica Light"/>
           <a:sym typeface="Helvetica Light"/>
         </a:defRPr>
       </a:lvl7pPr>
@@ -2744,7 +2714,7 @@
         <a:buFontTx/>
         <a:buChar char="•"/>
         <a:tabLst/>
-        <a:defRPr sz="3600" b="0" i="0" u="none" strike="noStrike" cap="none" spc="0" baseline="0">
+        <a:defRPr b="0" baseline="0" cap="none" i="0" spc="0" strike="noStrike" sz="3600" u="none">
           <a:ln>
             <a:noFill/>
           </a:ln>
@@ -2752,9 +2722,9 @@
             <a:srgbClr val="000000"/>
           </a:solidFill>
           <a:uFillTx/>
-          <a:latin typeface="+mn-lt"/>
-          <a:ea typeface="+mn-ea"/>
-          <a:cs typeface="+mn-cs"/>
+          <a:latin typeface="Helvetica Light"/>
+          <a:ea typeface="Helvetica Light"/>
+          <a:cs typeface="Helvetica Light"/>
           <a:sym typeface="Helvetica Light"/>
         </a:defRPr>
       </a:lvl8pPr>
@@ -2773,7 +2743,7 @@
         <a:buFontTx/>
         <a:buChar char="•"/>
         <a:tabLst/>
-        <a:defRPr sz="3600" b="0" i="0" u="none" strike="noStrike" cap="none" spc="0" baseline="0">
+        <a:defRPr b="0" baseline="0" cap="none" i="0" spc="0" strike="noStrike" sz="3600" u="none">
           <a:ln>
             <a:noFill/>
           </a:ln>
@@ -2781,9 +2751,9 @@
             <a:srgbClr val="000000"/>
           </a:solidFill>
           <a:uFillTx/>
-          <a:latin typeface="+mn-lt"/>
-          <a:ea typeface="+mn-ea"/>
-          <a:cs typeface="+mn-cs"/>
+          <a:latin typeface="Helvetica Light"/>
+          <a:ea typeface="Helvetica Light"/>
+          <a:cs typeface="Helvetica Light"/>
           <a:sym typeface="Helvetica Light"/>
         </a:defRPr>
       </a:lvl9pPr>
@@ -2804,7 +2774,7 @@
         <a:buFontTx/>
         <a:buNone/>
         <a:tabLst/>
-        <a:defRPr sz="1800" b="0" i="0" u="none" strike="noStrike" cap="none" spc="0" baseline="0">
+        <a:defRPr b="0" baseline="0" cap="none" i="0" spc="0" strike="noStrike" sz="1800" u="none">
           <a:ln>
             <a:noFill/>
           </a:ln>
@@ -2818,7 +2788,7 @@
           <a:sym typeface="Helvetica Light"/>
         </a:defRPr>
       </a:lvl1pPr>
-      <a:lvl2pPr marL="0" marR="0" indent="228600" algn="ctr" defTabSz="584200" rtl="0" latinLnBrk="0">
+      <a:lvl2pPr marL="0" marR="0" indent="0" algn="ctr" defTabSz="584200" rtl="0" latinLnBrk="0">
         <a:lnSpc>
           <a:spcPct val="100000"/>
         </a:lnSpc>
@@ -2833,7 +2803,7 @@
         <a:buFontTx/>
         <a:buNone/>
         <a:tabLst/>
-        <a:defRPr sz="1800" b="0" i="0" u="none" strike="noStrike" cap="none" spc="0" baseline="0">
+        <a:defRPr b="0" baseline="0" cap="none" i="0" spc="0" strike="noStrike" sz="1800" u="none">
           <a:ln>
             <a:noFill/>
           </a:ln>
@@ -2847,7 +2817,7 @@
           <a:sym typeface="Helvetica Light"/>
         </a:defRPr>
       </a:lvl2pPr>
-      <a:lvl3pPr marL="0" marR="0" indent="457200" algn="ctr" defTabSz="584200" rtl="0" latinLnBrk="0">
+      <a:lvl3pPr marL="0" marR="0" indent="0" algn="ctr" defTabSz="584200" rtl="0" latinLnBrk="0">
         <a:lnSpc>
           <a:spcPct val="100000"/>
         </a:lnSpc>
@@ -2862,7 +2832,7 @@
         <a:buFontTx/>
         <a:buNone/>
         <a:tabLst/>
-        <a:defRPr sz="1800" b="0" i="0" u="none" strike="noStrike" cap="none" spc="0" baseline="0">
+        <a:defRPr b="0" baseline="0" cap="none" i="0" spc="0" strike="noStrike" sz="1800" u="none">
           <a:ln>
             <a:noFill/>
           </a:ln>
@@ -2876,7 +2846,7 @@
           <a:sym typeface="Helvetica Light"/>
         </a:defRPr>
       </a:lvl3pPr>
-      <a:lvl4pPr marL="0" marR="0" indent="685800" algn="ctr" defTabSz="584200" rtl="0" latinLnBrk="0">
+      <a:lvl4pPr marL="0" marR="0" indent="0" algn="ctr" defTabSz="584200" rtl="0" latinLnBrk="0">
         <a:lnSpc>
           <a:spcPct val="100000"/>
         </a:lnSpc>
@@ -2891,7 +2861,7 @@
         <a:buFontTx/>
         <a:buNone/>
         <a:tabLst/>
-        <a:defRPr sz="1800" b="0" i="0" u="none" strike="noStrike" cap="none" spc="0" baseline="0">
+        <a:defRPr b="0" baseline="0" cap="none" i="0" spc="0" strike="noStrike" sz="1800" u="none">
           <a:ln>
             <a:noFill/>
           </a:ln>
@@ -2905,7 +2875,7 @@
           <a:sym typeface="Helvetica Light"/>
         </a:defRPr>
       </a:lvl4pPr>
-      <a:lvl5pPr marL="0" marR="0" indent="914400" algn="ctr" defTabSz="584200" rtl="0" latinLnBrk="0">
+      <a:lvl5pPr marL="0" marR="0" indent="0" algn="ctr" defTabSz="584200" rtl="0" latinLnBrk="0">
         <a:lnSpc>
           <a:spcPct val="100000"/>
         </a:lnSpc>
@@ -2920,7 +2890,7 @@
         <a:buFontTx/>
         <a:buNone/>
         <a:tabLst/>
-        <a:defRPr sz="1800" b="0" i="0" u="none" strike="noStrike" cap="none" spc="0" baseline="0">
+        <a:defRPr b="0" baseline="0" cap="none" i="0" spc="0" strike="noStrike" sz="1800" u="none">
           <a:ln>
             <a:noFill/>
           </a:ln>
@@ -2934,7 +2904,7 @@
           <a:sym typeface="Helvetica Light"/>
         </a:defRPr>
       </a:lvl5pPr>
-      <a:lvl6pPr marL="0" marR="0" indent="1143000" algn="ctr" defTabSz="584200" rtl="0" latinLnBrk="0">
+      <a:lvl6pPr marL="0" marR="0" indent="0" algn="ctr" defTabSz="584200" rtl="0" latinLnBrk="0">
         <a:lnSpc>
           <a:spcPct val="100000"/>
         </a:lnSpc>
@@ -2949,7 +2919,7 @@
         <a:buFontTx/>
         <a:buNone/>
         <a:tabLst/>
-        <a:defRPr sz="1800" b="0" i="0" u="none" strike="noStrike" cap="none" spc="0" baseline="0">
+        <a:defRPr b="0" baseline="0" cap="none" i="0" spc="0" strike="noStrike" sz="1800" u="none">
           <a:ln>
             <a:noFill/>
           </a:ln>
@@ -2963,7 +2933,7 @@
           <a:sym typeface="Helvetica Light"/>
         </a:defRPr>
       </a:lvl6pPr>
-      <a:lvl7pPr marL="0" marR="0" indent="1371600" algn="ctr" defTabSz="584200" rtl="0" latinLnBrk="0">
+      <a:lvl7pPr marL="0" marR="0" indent="0" algn="ctr" defTabSz="584200" rtl="0" latinLnBrk="0">
         <a:lnSpc>
           <a:spcPct val="100000"/>
         </a:lnSpc>
@@ -2978,7 +2948,7 @@
         <a:buFontTx/>
         <a:buNone/>
         <a:tabLst/>
-        <a:defRPr sz="1800" b="0" i="0" u="none" strike="noStrike" cap="none" spc="0" baseline="0">
+        <a:defRPr b="0" baseline="0" cap="none" i="0" spc="0" strike="noStrike" sz="1800" u="none">
           <a:ln>
             <a:noFill/>
           </a:ln>
@@ -2992,7 +2962,7 @@
           <a:sym typeface="Helvetica Light"/>
         </a:defRPr>
       </a:lvl7pPr>
-      <a:lvl8pPr marL="0" marR="0" indent="1600200" algn="ctr" defTabSz="584200" rtl="0" latinLnBrk="0">
+      <a:lvl8pPr marL="0" marR="0" indent="0" algn="ctr" defTabSz="584200" rtl="0" latinLnBrk="0">
         <a:lnSpc>
           <a:spcPct val="100000"/>
         </a:lnSpc>
@@ -3007,7 +2977,7 @@
         <a:buFontTx/>
         <a:buNone/>
         <a:tabLst/>
-        <a:defRPr sz="1800" b="0" i="0" u="none" strike="noStrike" cap="none" spc="0" baseline="0">
+        <a:defRPr b="0" baseline="0" cap="none" i="0" spc="0" strike="noStrike" sz="1800" u="none">
           <a:ln>
             <a:noFill/>
           </a:ln>
@@ -3021,7 +2991,7 @@
           <a:sym typeface="Helvetica Light"/>
         </a:defRPr>
       </a:lvl8pPr>
-      <a:lvl9pPr marL="0" marR="0" indent="1828800" algn="ctr" defTabSz="584200" rtl="0" latinLnBrk="0">
+      <a:lvl9pPr marL="0" marR="0" indent="0" algn="ctr" defTabSz="584200" rtl="0" latinLnBrk="0">
         <a:lnSpc>
           <a:spcPct val="100000"/>
         </a:lnSpc>
@@ -3036,7 +3006,7 @@
         <a:buFontTx/>
         <a:buNone/>
         <a:tabLst/>
-        <a:defRPr sz="1800" b="0" i="0" u="none" strike="noStrike" cap="none" spc="0" baseline="0">
+        <a:defRPr b="0" baseline="0" cap="none" i="0" spc="0" strike="noStrike" sz="1800" u="none">
           <a:ln>
             <a:noFill/>
           </a:ln>
@@ -3056,8 +3026,34 @@
 </file>
 
 <file path=ppt/slides/slide1.xml><?xml version="1.0" encoding="utf-8"?>
-<p:sld xmlns:a="http://schemas.openxmlformats.org/drawingml/2006/main" xmlns:r="http://schemas.openxmlformats.org/officeDocument/2006/relationships" xmlns:p="http://schemas.openxmlformats.org/presentationml/2006/main">
+<p:sld xmlns:a="http://schemas.openxmlformats.org/drawingml/2006/main" xmlns:r="http://schemas.openxmlformats.org/officeDocument/2006/relationships" xmlns:p="http://schemas.openxmlformats.org/presentationml/2006/main" showMasterSp="1" showMasterPhAnim="1">
   <p:cSld>
+    <p:bg>
+      <p:bgPr>
+        <a:gradFill flip="none" rotWithShape="1">
+          <a:gsLst>
+            <a:gs pos="0">
+              <a:schemeClr val="accent2">
+                <a:hueOff val="-835521"/>
+                <a:satOff val="-49295"/>
+                <a:lumOff val="50214"/>
+              </a:schemeClr>
+            </a:gs>
+            <a:gs pos="35000">
+              <a:srgbClr val="C1E9C5"/>
+            </a:gs>
+            <a:gs pos="100000">
+              <a:schemeClr val="accent2">
+                <a:hueOff val="-849241"/>
+                <a:satOff val="-47854"/>
+                <a:lumOff val="67135"/>
+              </a:schemeClr>
+            </a:gs>
+          </a:gsLst>
+          <a:lin ang="16200000" scaled="0"/>
+        </a:gradFill>
+      </p:bgPr>
+    </p:bg>
     <p:spTree>
       <p:nvGrpSpPr>
         <p:cNvPr id="1" name=""/>
@@ -3075,17 +3071,15 @@
       <p:sp>
         <p:nvSpPr>
           <p:cNvPr id="119" name="Shape 119"/>
-          <p:cNvSpPr>
-            <a:spLocks noGrp="1"/>
-          </p:cNvSpPr>
+          <p:cNvSpPr/>
           <p:nvPr>
             <p:ph type="ctrTitle"/>
           </p:nvPr>
         </p:nvSpPr>
         <p:spPr>
           <a:xfrm>
-            <a:off x="1270000" y="2113280"/>
-            <a:ext cx="10464800" cy="3068320"/>
+            <a:off x="1270000" y="2113279"/>
+            <a:ext cx="10464800" cy="3068321"/>
           </a:xfrm>
           <a:prstGeom prst="rect">
             <a:avLst/>
@@ -3097,27 +3091,25 @@
           </a:ln>
         </p:spPr>
         <p:txBody>
-          <a:bodyPr>
-            <a:normAutofit/>
-          </a:bodyPr>
+          <a:bodyPr/>
           <a:lstStyle/>
           <a:p>
+            <a:pPr>
+              <a:defRPr sz="5300"/>
+            </a:pPr>
             <a:r>
-              <a:rPr lang="en-US" altLang="zh-TW" sz="5300" dirty="0"/>
               <a:t>CS414</a:t>
             </a:r>
-            <a:br>
-              <a:rPr lang="en-US" altLang="zh-TW" dirty="0"/>
-            </a:br>
+            <a:br/>
             <a:r>
-              <a:rPr sz="6000" dirty="0"/>
+              <a:rPr sz="6000"/>
               <a:t>Rollerball</a:t>
             </a:r>
             <a:br>
-              <a:rPr dirty="0"/>
+              <a:rPr sz="6000"/>
             </a:br>
             <a:r>
-              <a:rPr sz="6000" dirty="0">
+              <a:rPr sz="6000">
                 <a:solidFill>
                   <a:srgbClr val="FF0000"/>
                 </a:solidFill>
@@ -3130,81 +3122,50 @@
       <p:sp>
         <p:nvSpPr>
           <p:cNvPr id="120" name="Shape 120"/>
-          <p:cNvSpPr>
-            <a:spLocks noGrp="1"/>
-          </p:cNvSpPr>
+          <p:cNvSpPr/>
           <p:nvPr>
             <p:ph type="subTitle" sz="quarter" idx="1"/>
           </p:nvPr>
         </p:nvSpPr>
         <p:spPr>
           <a:xfrm>
-            <a:off x="1270000" y="5618480"/>
-            <a:ext cx="10464800" cy="2143760"/>
+            <a:off x="1270000" y="5618479"/>
+            <a:ext cx="10464800" cy="2143761"/>
           </a:xfrm>
           <a:prstGeom prst="rect">
             <a:avLst/>
           </a:prstGeom>
-          <a:ln>
-            <a:noFill/>
-          </a:ln>
         </p:spPr>
         <p:txBody>
-          <a:bodyPr>
-            <a:normAutofit/>
-          </a:bodyPr>
+          <a:bodyPr/>
           <a:lstStyle/>
           <a:p>
-            <a:pPr defTabSz="414781">
-              <a:defRPr sz="2272"/>
+            <a:pPr defTabSz="414780">
+              <a:defRPr sz="2200"/>
             </a:pPr>
-            <a:endParaRPr lang="en-US" altLang="zh-TW" dirty="0"/>
-          </a:p>
-          <a:p>
-            <a:pPr defTabSz="414781">
-              <a:defRPr sz="2272"/>
+          </a:p>
+          <a:p>
+            <a:pPr defTabSz="414780">
+              <a:defRPr sz="2200"/>
             </a:pPr>
             <a:r>
-              <a:rPr dirty="0"/>
               <a:t>Team Name :  String Cheese</a:t>
             </a:r>
           </a:p>
           <a:p>
-            <a:pPr defTabSz="414781">
-              <a:defRPr sz="2272"/>
+            <a:pPr defTabSz="414780">
+              <a:defRPr sz="2200"/>
             </a:pPr>
             <a:r>
-              <a:rPr dirty="0"/>
               <a:t>Members :  Tim Stroup, Chris Schaffer, </a:t>
             </a:r>
           </a:p>
           <a:p>
-            <a:pPr defTabSz="414781">
-              <a:defRPr sz="2272"/>
+            <a:pPr defTabSz="414780">
+              <a:defRPr sz="2200"/>
             </a:pPr>
             <a:r>
-              <a:rPr dirty="0" err="1"/>
-              <a:t>Meetkumar</a:t>
-            </a:r>
-            <a:r>
-              <a:rPr dirty="0"/>
-              <a:t> </a:t>
-            </a:r>
-            <a:r>
-              <a:rPr dirty="0" err="1"/>
-              <a:t>Savaliya</a:t>
-            </a:r>
-            <a:r>
-              <a:rPr dirty="0"/>
-              <a:t>,  </a:t>
-            </a:r>
-            <a:r>
-              <a:rPr dirty="0" err="1"/>
-              <a:t>Ya-Hsin</a:t>
-            </a:r>
-            <a:r>
-              <a:rPr dirty="0"/>
-              <a:t> Cheng,  Wei Chen</a:t>
+              <a:t>Meetkumar Savaliya,  Ya-Hsin Cheng,  Wei Chen</a:t>
             </a:r>
           </a:p>
         </p:txBody>
@@ -3214,12 +3175,12 @@
   <p:clrMapOvr>
     <a:masterClrMapping/>
   </p:clrMapOvr>
-  <p:transition spd="med"/>
+  <p:transition xmlns:p14="http://schemas.microsoft.com/office/powerpoint/2010/main" spd="med" advClick="1"/>
 </p:sld>
 </file>
 
 <file path=ppt/slides/slide2.xml><?xml version="1.0" encoding="utf-8"?>
-<p:sld xmlns:a="http://schemas.openxmlformats.org/drawingml/2006/main" xmlns:r="http://schemas.openxmlformats.org/officeDocument/2006/relationships" xmlns:p="http://schemas.openxmlformats.org/presentationml/2006/main">
+<p:sld xmlns:a="http://schemas.openxmlformats.org/drawingml/2006/main" xmlns:r="http://schemas.openxmlformats.org/officeDocument/2006/relationships" xmlns:p="http://schemas.openxmlformats.org/presentationml/2006/main" showMasterSp="1" showMasterPhAnim="1">
   <p:cSld>
     <p:spTree>
       <p:nvGrpSpPr>
@@ -3237,7 +3198,7 @@
       </p:grpSpPr>
       <p:pic>
         <p:nvPicPr>
-          <p:cNvPr id="122" name="image1.png"/>
+          <p:cNvPr id="122" name="image2.png"/>
           <p:cNvPicPr>
             <a:picLocks noChangeAspect="1"/>
           </p:cNvPicPr>
@@ -3254,7 +3215,7 @@
         <p:spPr>
           <a:xfrm>
             <a:off x="1076960" y="788563"/>
-            <a:ext cx="11136951" cy="8379524"/>
+            <a:ext cx="11136952" cy="8379525"/>
           </a:xfrm>
           <a:prstGeom prst="rect">
             <a:avLst/>
@@ -3269,13 +3230,39 @@
   <p:clrMapOvr>
     <a:masterClrMapping/>
   </p:clrMapOvr>
-  <p:transition spd="med"/>
+  <p:transition xmlns:p14="http://schemas.microsoft.com/office/powerpoint/2010/main" spd="med" advClick="1"/>
 </p:sld>
 </file>
 
 <file path=ppt/slides/slide3.xml><?xml version="1.0" encoding="utf-8"?>
-<p:sld xmlns:a="http://schemas.openxmlformats.org/drawingml/2006/main" xmlns:r="http://schemas.openxmlformats.org/officeDocument/2006/relationships" xmlns:p="http://schemas.openxmlformats.org/presentationml/2006/main">
+<p:sld xmlns:a="http://schemas.openxmlformats.org/drawingml/2006/main" xmlns:r="http://schemas.openxmlformats.org/officeDocument/2006/relationships" xmlns:p="http://schemas.openxmlformats.org/presentationml/2006/main" showMasterSp="1" showMasterPhAnim="1">
   <p:cSld>
+    <p:bg>
+      <p:bgPr>
+        <a:gradFill flip="none" rotWithShape="1">
+          <a:gsLst>
+            <a:gs pos="0">
+              <a:schemeClr val="accent2">
+                <a:hueOff val="-835521"/>
+                <a:satOff val="-49295"/>
+                <a:lumOff val="50214"/>
+              </a:schemeClr>
+            </a:gs>
+            <a:gs pos="35000">
+              <a:srgbClr val="C1E9C5"/>
+            </a:gs>
+            <a:gs pos="100000">
+              <a:schemeClr val="accent2">
+                <a:hueOff val="-849241"/>
+                <a:satOff val="-47854"/>
+                <a:lumOff val="67135"/>
+              </a:schemeClr>
+            </a:gs>
+          </a:gsLst>
+          <a:lin ang="16200000" scaled="0"/>
+        </a:gradFill>
+      </p:bgPr>
+    </p:bg>
     <p:spTree>
       <p:nvGrpSpPr>
         <p:cNvPr id="1" name=""/>
@@ -3293,9 +3280,7 @@
       <p:sp>
         <p:nvSpPr>
           <p:cNvPr id="124" name="Shape 124"/>
-          <p:cNvSpPr>
-            <a:spLocks noGrp="1"/>
-          </p:cNvSpPr>
+          <p:cNvSpPr/>
           <p:nvPr>
             <p:ph type="title"/>
           </p:nvPr>
@@ -3309,6 +3294,7 @@
           <a:bodyPr/>
           <a:lstStyle/>
           <a:p>
+            <a:pPr/>
             <a:r>
               <a:t>Glossary</a:t>
             </a:r>
@@ -3319,39 +3305,21 @@
         <p:nvGraphicFramePr>
           <p:cNvPr id="125" name="Table 125"/>
           <p:cNvGraphicFramePr/>
-          <p:nvPr>
-            <p:extLst>
-              <p:ext uri="{D42A27DB-BD31-4B8C-83A1-F6EECF244321}">
-                <p14:modId xmlns:p14="http://schemas.microsoft.com/office/powerpoint/2010/main" val="1070720824"/>
-              </p:ext>
-            </p:extLst>
-          </p:nvPr>
+          <p:nvPr/>
         </p:nvGraphicFramePr>
         <p:xfrm>
           <a:off x="952500" y="2438400"/>
-          <a:ext cx="11483340" cy="6784335"/>
+          <a:ext cx="11483341" cy="6784335"/>
         </p:xfrm>
-        <a:graphic>
+        <a:graphic xmlns:a="http://schemas.openxmlformats.org/drawingml/2006/main">
           <a:graphicData uri="http://schemas.openxmlformats.org/drawingml/2006/table">
             <a:tbl>
-              <a:tblPr firstRow="1" bandRow="1">
+              <a:tblPr firstCol="0" firstRow="1" lastCol="0" lastRow="0" bandCol="0" bandRow="1" rtl="0">
                 <a:tableStyleId>{4C3C2611-4C71-4FC5-86AE-919BDF0F9419}</a:tableStyleId>
               </a:tblPr>
               <a:tblGrid>
-                <a:gridCol w="2698455">
-                  <a:extLst>
-                    <a:ext uri="{9D8B030D-6E8A-4147-A177-3AD203B41FA5}">
-                      <a16:colId xmlns:a16="http://schemas.microsoft.com/office/drawing/2014/main" val="20000"/>
-                    </a:ext>
-                  </a:extLst>
-                </a:gridCol>
-                <a:gridCol w="8784885">
-                  <a:extLst>
-                    <a:ext uri="{9D8B030D-6E8A-4147-A177-3AD203B41FA5}">
-                      <a16:colId xmlns:a16="http://schemas.microsoft.com/office/drawing/2014/main" val="20001"/>
-                    </a:ext>
-                  </a:extLst>
-                </a:gridCol>
+                <a:gridCol w="2698455"/>
+                <a:gridCol w="8784885"/>
               </a:tblGrid>
               <a:tr h="753815">
                 <a:tc>
@@ -3370,16 +3338,16 @@
                         </a:defRPr>
                       </a:pPr>
                       <a:r>
-                        <a:rPr sz="2800" dirty="0">
-                          <a:latin typeface="+mn-lt"/>
-                          <a:ea typeface="+mn-ea"/>
-                          <a:cs typeface="+mn-cs"/>
+                        <a:rPr sz="2800">
+                          <a:latin typeface="Helvetica Light"/>
+                          <a:ea typeface="Helvetica Light"/>
+                          <a:cs typeface="Helvetica Light"/>
                         </a:rPr>
                         <a:t>Leaderboard</a:t>
                       </a:r>
                     </a:p>
                   </a:txBody>
-                  <a:tcPr marL="0" marR="0" marT="0" marB="0" anchor="ctr" horzOverflow="overflow">
+                  <a:tcPr marL="0" marR="0" marT="0" marB="0" anchor="ctr" anchorCtr="0" horzOverflow="overflow">
                     <a:lnL w="12700">
                       <a:solidFill>
                         <a:srgbClr val="000000"/>
@@ -3425,16 +3393,16 @@
                         </a:defRPr>
                       </a:pPr>
                       <a:r>
-                        <a:rPr sz="1400" dirty="0">
-                          <a:latin typeface="+mn-lt"/>
-                          <a:ea typeface="+mn-ea"/>
-                          <a:cs typeface="+mn-cs"/>
+                        <a:rPr sz="1400">
+                          <a:latin typeface="Helvetica Light"/>
+                          <a:ea typeface="Helvetica Light"/>
+                          <a:cs typeface="Helvetica Light"/>
                         </a:rPr>
                         <a:t>A scoreboard showing the names of users and their current scores. The game has one leaderboard that each user can view.</a:t>
                       </a:r>
                     </a:p>
                   </a:txBody>
-                  <a:tcPr marL="0" marR="0" marT="0" marB="0" anchor="ctr" horzOverflow="overflow">
+                  <a:tcPr marL="0" marR="0" marT="0" marB="0" anchor="ctr" anchorCtr="0" horzOverflow="overflow">
                     <a:lnL w="12700">
                       <a:solidFill>
                         <a:srgbClr val="000000"/>
@@ -3464,11 +3432,6 @@
                     </a:solidFill>
                   </a:tcPr>
                 </a:tc>
-                <a:extLst>
-                  <a:ext uri="{0D108BD9-81ED-4DB2-BD59-A6C34878D82A}">
-                    <a16:rowId xmlns:a16="http://schemas.microsoft.com/office/drawing/2014/main" val="10000"/>
-                  </a:ext>
-                </a:extLst>
               </a:tr>
               <a:tr h="753815">
                 <a:tc>
@@ -3487,7 +3450,7 @@
                       </a:r>
                     </a:p>
                   </a:txBody>
-                  <a:tcPr marL="0" marR="0" marT="0" marB="0" anchor="ctr" horzOverflow="overflow">
+                  <a:tcPr marL="0" marR="0" marT="0" marB="0" anchor="ctr" anchorCtr="0" horzOverflow="overflow">
                     <a:lnL w="12700">
                       <a:solidFill>
                         <a:srgbClr val="000000"/>
@@ -3525,12 +3488,12 @@
                         </a:spcBef>
                       </a:pPr>
                       <a:r>
-                        <a:rPr sz="1400" dirty="0"/>
+                        <a:rPr sz="1400"/>
                         <a:t>Visual display of personal data associated with a specific user such as name and games in progress. Each user profile can view their individual game history</a:t>
                       </a:r>
                     </a:p>
                   </a:txBody>
-                  <a:tcPr marL="0" marR="0" marT="0" marB="0" anchor="ctr" horzOverflow="overflow">
+                  <a:tcPr marL="0" marR="0" marT="0" marB="0" anchor="ctr" anchorCtr="0" horzOverflow="overflow">
                     <a:lnL w="12700">
                       <a:solidFill>
                         <a:srgbClr val="000000"/>
@@ -3557,11 +3520,6 @@
                     </a:lnB>
                   </a:tcPr>
                 </a:tc>
-                <a:extLst>
-                  <a:ext uri="{0D108BD9-81ED-4DB2-BD59-A6C34878D82A}">
-                    <a16:rowId xmlns:a16="http://schemas.microsoft.com/office/drawing/2014/main" val="10001"/>
-                  </a:ext>
-                </a:extLst>
               </a:tr>
               <a:tr h="753815">
                 <a:tc>
@@ -3580,7 +3538,7 @@
                       </a:r>
                     </a:p>
                   </a:txBody>
-                  <a:tcPr marL="0" marR="0" marT="0" marB="0" anchor="ctr" horzOverflow="overflow">
+                  <a:tcPr marL="0" marR="0" marT="0" marB="0" anchor="ctr" anchorCtr="0" horzOverflow="overflow">
                     <a:lnL w="12700">
                       <a:solidFill>
                         <a:srgbClr val="000000"/>
@@ -3618,12 +3576,12 @@
                         </a:spcBef>
                       </a:pPr>
                       <a:r>
-                        <a:rPr sz="1400" dirty="0"/>
+                        <a:rPr sz="1400"/>
                         <a:t>Each game has an associated history that includes information on things such as which color a user was, end result and time played. Game history is the combination of all of these games.</a:t>
                       </a:r>
                     </a:p>
                   </a:txBody>
-                  <a:tcPr marL="0" marR="0" marT="0" marB="0" anchor="ctr" horzOverflow="overflow">
+                  <a:tcPr marL="0" marR="0" marT="0" marB="0" anchor="ctr" anchorCtr="0" horzOverflow="overflow">
                     <a:lnL w="12700">
                       <a:solidFill>
                         <a:srgbClr val="000000"/>
@@ -3650,11 +3608,6 @@
                     </a:lnB>
                   </a:tcPr>
                 </a:tc>
-                <a:extLst>
-                  <a:ext uri="{0D108BD9-81ED-4DB2-BD59-A6C34878D82A}">
-                    <a16:rowId xmlns:a16="http://schemas.microsoft.com/office/drawing/2014/main" val="10002"/>
-                  </a:ext>
-                </a:extLst>
               </a:tr>
               <a:tr h="753815">
                 <a:tc>
@@ -3673,7 +3626,7 @@
                       </a:r>
                     </a:p>
                   </a:txBody>
-                  <a:tcPr marL="0" marR="0" marT="0" marB="0" anchor="ctr" horzOverflow="overflow">
+                  <a:tcPr marL="0" marR="0" marT="0" marB="0" anchor="ctr" anchorCtr="0" horzOverflow="overflow">
                     <a:lnL w="12700">
                       <a:solidFill>
                         <a:srgbClr val="000000"/>
@@ -3711,12 +3664,12 @@
                         </a:spcBef>
                       </a:pPr>
                       <a:r>
-                        <a:rPr sz="1400" dirty="0"/>
+                        <a:rPr sz="1400"/>
                         <a:t>A person registered to play the game. They may send invitations to other users to play one or more games at a time. Each user has a user profile. </a:t>
                       </a:r>
                     </a:p>
                   </a:txBody>
-                  <a:tcPr marL="0" marR="0" marT="0" marB="0" anchor="ctr" horzOverflow="overflow">
+                  <a:tcPr marL="0" marR="0" marT="0" marB="0" anchor="ctr" anchorCtr="0" horzOverflow="overflow">
                     <a:lnL w="12700">
                       <a:solidFill>
                         <a:srgbClr val="000000"/>
@@ -3743,11 +3696,6 @@
                     </a:lnB>
                   </a:tcPr>
                 </a:tc>
-                <a:extLst>
-                  <a:ext uri="{0D108BD9-81ED-4DB2-BD59-A6C34878D82A}">
-                    <a16:rowId xmlns:a16="http://schemas.microsoft.com/office/drawing/2014/main" val="10003"/>
-                  </a:ext>
-                </a:extLst>
               </a:tr>
               <a:tr h="753815">
                 <a:tc>
@@ -3766,7 +3714,7 @@
                       </a:r>
                     </a:p>
                   </a:txBody>
-                  <a:tcPr marL="0" marR="0" marT="0" marB="0" anchor="ctr" horzOverflow="overflow">
+                  <a:tcPr marL="0" marR="0" marT="0" marB="0" anchor="ctr" anchorCtr="0" horzOverflow="overflow">
                     <a:lnL w="12700">
                       <a:solidFill>
                         <a:srgbClr val="000000"/>
@@ -3804,12 +3752,12 @@
                         </a:spcBef>
                       </a:pPr>
                       <a:r>
-                        <a:rPr sz="1400" dirty="0"/>
+                        <a:rPr sz="1400"/>
                         <a:t>A user may send an invitation to another user as well as receive an invitation from another user to play a game. A user may send multiple invitations to multiple users to play a game.</a:t>
                       </a:r>
                     </a:p>
                   </a:txBody>
-                  <a:tcPr marL="0" marR="0" marT="0" marB="0" anchor="ctr" horzOverflow="overflow">
+                  <a:tcPr marL="0" marR="0" marT="0" marB="0" anchor="ctr" anchorCtr="0" horzOverflow="overflow">
                     <a:lnL w="12700">
                       <a:solidFill>
                         <a:srgbClr val="000000"/>
@@ -3836,11 +3784,6 @@
                     </a:lnB>
                   </a:tcPr>
                 </a:tc>
-                <a:extLst>
-                  <a:ext uri="{0D108BD9-81ED-4DB2-BD59-A6C34878D82A}">
-                    <a16:rowId xmlns:a16="http://schemas.microsoft.com/office/drawing/2014/main" val="10004"/>
-                  </a:ext>
-                </a:extLst>
               </a:tr>
               <a:tr h="753815">
                 <a:tc>
@@ -3859,7 +3802,7 @@
                       </a:r>
                     </a:p>
                   </a:txBody>
-                  <a:tcPr marL="0" marR="0" marT="0" marB="0" anchor="ctr" horzOverflow="overflow">
+                  <a:tcPr marL="0" marR="0" marT="0" marB="0" anchor="ctr" anchorCtr="0" horzOverflow="overflow">
                     <a:lnL w="12700">
                       <a:solidFill>
                         <a:srgbClr val="000000"/>
@@ -3897,12 +3840,12 @@
                         </a:spcBef>
                       </a:pPr>
                       <a:r>
-                        <a:rPr sz="1400" dirty="0"/>
+                        <a:rPr sz="1400"/>
                         <a:t>A game consists of two users who take turns moving their pieces around the board.</a:t>
                       </a:r>
                     </a:p>
                   </a:txBody>
-                  <a:tcPr marL="0" marR="0" marT="0" marB="0" anchor="ctr" horzOverflow="overflow">
+                  <a:tcPr marL="0" marR="0" marT="0" marB="0" anchor="ctr" anchorCtr="0" horzOverflow="overflow">
                     <a:lnL w="12700">
                       <a:solidFill>
                         <a:srgbClr val="000000"/>
@@ -3929,11 +3872,6 @@
                     </a:lnB>
                   </a:tcPr>
                 </a:tc>
-                <a:extLst>
-                  <a:ext uri="{0D108BD9-81ED-4DB2-BD59-A6C34878D82A}">
-                    <a16:rowId xmlns:a16="http://schemas.microsoft.com/office/drawing/2014/main" val="10005"/>
-                  </a:ext>
-                </a:extLst>
               </a:tr>
               <a:tr h="753815">
                 <a:tc>
@@ -3952,7 +3890,7 @@
                       </a:r>
                     </a:p>
                   </a:txBody>
-                  <a:tcPr marL="0" marR="0" marT="0" marB="0" anchor="ctr" horzOverflow="overflow">
+                  <a:tcPr marL="0" marR="0" marT="0" marB="0" anchor="ctr" anchorCtr="0" horzOverflow="overflow">
                     <a:lnL w="12700">
                       <a:solidFill>
                         <a:srgbClr val="000000"/>
@@ -3990,12 +3928,12 @@
                         </a:spcBef>
                       </a:pPr>
                       <a:r>
-                        <a:rPr sz="1400" dirty="0"/>
+                        <a:rPr sz="1400"/>
                         <a:t>The game state is a real time snapshot of a game that includes the current position of pieces on the board as well as who's turn it is.</a:t>
                       </a:r>
                     </a:p>
                   </a:txBody>
-                  <a:tcPr marL="0" marR="0" marT="0" marB="0" anchor="ctr" horzOverflow="overflow">
+                  <a:tcPr marL="0" marR="0" marT="0" marB="0" anchor="ctr" anchorCtr="0" horzOverflow="overflow">
                     <a:lnL w="12700">
                       <a:solidFill>
                         <a:srgbClr val="000000"/>
@@ -4022,11 +3960,6 @@
                     </a:lnB>
                   </a:tcPr>
                 </a:tc>
-                <a:extLst>
-                  <a:ext uri="{0D108BD9-81ED-4DB2-BD59-A6C34878D82A}">
-                    <a16:rowId xmlns:a16="http://schemas.microsoft.com/office/drawing/2014/main" val="10006"/>
-                  </a:ext>
-                </a:extLst>
               </a:tr>
               <a:tr h="753815">
                 <a:tc>
@@ -4045,7 +3978,7 @@
                       </a:r>
                     </a:p>
                   </a:txBody>
-                  <a:tcPr marL="0" marR="0" marT="0" marB="0" anchor="ctr" horzOverflow="overflow">
+                  <a:tcPr marL="0" marR="0" marT="0" marB="0" anchor="ctr" anchorCtr="0" horzOverflow="overflow">
                     <a:lnL w="12700">
                       <a:solidFill>
                         <a:srgbClr val="000000"/>
@@ -4083,12 +4016,12 @@
                         </a:spcBef>
                       </a:pPr>
                       <a:r>
-                        <a:rPr sz="1400" dirty="0"/>
+                        <a:rPr sz="1400"/>
                         <a:t>The board is the combination of spaces that a piece may move and the boundaries of the game.</a:t>
                       </a:r>
                     </a:p>
                   </a:txBody>
-                  <a:tcPr marL="0" marR="0" marT="0" marB="0" anchor="ctr" horzOverflow="overflow">
+                  <a:tcPr marL="0" marR="0" marT="0" marB="0" anchor="ctr" anchorCtr="0" horzOverflow="overflow">
                     <a:lnL w="12700">
                       <a:solidFill>
                         <a:srgbClr val="000000"/>
@@ -4115,11 +4048,6 @@
                     </a:lnB>
                   </a:tcPr>
                 </a:tc>
-                <a:extLst>
-                  <a:ext uri="{0D108BD9-81ED-4DB2-BD59-A6C34878D82A}">
-                    <a16:rowId xmlns:a16="http://schemas.microsoft.com/office/drawing/2014/main" val="10007"/>
-                  </a:ext>
-                </a:extLst>
               </a:tr>
               <a:tr h="753815">
                 <a:tc>
@@ -4138,7 +4066,7 @@
                       </a:r>
                     </a:p>
                   </a:txBody>
-                  <a:tcPr marL="0" marR="0" marT="0" marB="0" anchor="ctr" horzOverflow="overflow">
+                  <a:tcPr marL="0" marR="0" marT="0" marB="0" anchor="ctr" anchorCtr="0" horzOverflow="overflow">
                     <a:lnL w="12700">
                       <a:solidFill>
                         <a:srgbClr val="000000"/>
@@ -4176,12 +4104,12 @@
                         </a:spcBef>
                       </a:pPr>
                       <a:r>
-                        <a:rPr sz="1400" dirty="0"/>
+                        <a:rPr sz="1400"/>
                         <a:t>The game is played with different pieces; each with unique movements and rules. Each player has either six white or six black pieces that include two pawns, one king, one bishop and two rooks.</a:t>
                       </a:r>
                     </a:p>
                   </a:txBody>
-                  <a:tcPr marL="0" marR="0" marT="0" marB="0" anchor="ctr" horzOverflow="overflow">
+                  <a:tcPr marL="0" marR="0" marT="0" marB="0" anchor="ctr" anchorCtr="0" horzOverflow="overflow">
                     <a:lnL w="12700">
                       <a:solidFill>
                         <a:srgbClr val="000000"/>
@@ -4208,11 +4136,6 @@
                     </a:lnB>
                   </a:tcPr>
                 </a:tc>
-                <a:extLst>
-                  <a:ext uri="{0D108BD9-81ED-4DB2-BD59-A6C34878D82A}">
-                    <a16:rowId xmlns:a16="http://schemas.microsoft.com/office/drawing/2014/main" val="10008"/>
-                  </a:ext>
-                </a:extLst>
               </a:tr>
             </a:tbl>
           </a:graphicData>
@@ -4223,12 +4146,12 @@
   <p:clrMapOvr>
     <a:masterClrMapping/>
   </p:clrMapOvr>
-  <p:transition spd="med"/>
+  <p:transition xmlns:p14="http://schemas.microsoft.com/office/powerpoint/2010/main" spd="med" advClick="1"/>
 </p:sld>
 </file>
 
 <file path=ppt/theme/theme1.xml><?xml version="1.0" encoding="utf-8"?>
-<a:theme xmlns:a="http://schemas.openxmlformats.org/drawingml/2006/main" name="White">
+<a:theme xmlns:a="http://schemas.openxmlformats.org/drawingml/2006/main" xmlns:r="http://schemas.openxmlformats.org/officeDocument/2006/relationships" name="White">
   <a:themeElements>
     <a:clrScheme name="White">
       <a:dk1>
@@ -4238,10 +4161,10 @@
         <a:srgbClr val="FFFFFF"/>
       </a:lt1>
       <a:dk2>
-        <a:srgbClr val="53585F"/>
+        <a:srgbClr val="A7A7A7"/>
       </a:dk2>
       <a:lt2>
-        <a:srgbClr val="DCDEE0"/>
+        <a:srgbClr val="535353"/>
       </a:lt2>
       <a:accent1>
         <a:srgbClr val="0365C0"/>
@@ -4270,14 +4193,14 @@
     </a:clrScheme>
     <a:fontScheme name="White">
       <a:majorFont>
-        <a:latin typeface="Helvetica Light"/>
-        <a:ea typeface="Helvetica Light"/>
-        <a:cs typeface="Helvetica Light"/>
+        <a:latin typeface="Helvetica Neue"/>
+        <a:ea typeface="Helvetica Neue"/>
+        <a:cs typeface="Helvetica Neue"/>
       </a:majorFont>
       <a:minorFont>
-        <a:latin typeface="Helvetica Light"/>
-        <a:ea typeface="Helvetica Light"/>
-        <a:cs typeface="Helvetica Light"/>
+        <a:latin typeface="Helvetica"/>
+        <a:ea typeface="Helvetica"/>
+        <a:cs typeface="Helvetica"/>
       </a:minorFont>
     </a:fontScheme>
     <a:fmtScheme name="White">
@@ -4354,7 +4277,7 @@
       <a:effectStyleLst>
         <a:effectStyle>
           <a:effectLst>
-            <a:outerShdw blurRad="38100" dist="25400" dir="5400000" rotWithShape="0">
+            <a:outerShdw sx="100000" sy="100000" kx="0" ky="0" algn="b" rotWithShape="0" blurRad="38100" dist="25400" dir="5400000">
               <a:srgbClr val="000000">
                 <a:alpha val="50000"/>
               </a:srgbClr>
@@ -4363,7 +4286,7 @@
         </a:effectStyle>
         <a:effectStyle>
           <a:effectLst>
-            <a:outerShdw blurRad="50800" dist="12700" rotWithShape="0">
+            <a:outerShdw sx="100000" sy="100000" kx="0" ky="0" algn="b" rotWithShape="0" blurRad="38100" dist="25400" dir="5400000">
               <a:srgbClr val="000000">
                 <a:alpha val="50000"/>
               </a:srgbClr>
@@ -4372,7 +4295,7 @@
         </a:effectStyle>
         <a:effectStyle>
           <a:effectLst>
-            <a:outerShdw blurRad="38100" dist="25400" dir="5400000" rotWithShape="0">
+            <a:outerShdw sx="100000" sy="100000" kx="0" ky="0" algn="b" rotWithShape="0" blurRad="38100" dist="25400" dir="5400000">
               <a:srgbClr val="000000">
                 <a:alpha val="50000"/>
               </a:srgbClr>
@@ -4435,17 +4358,18 @@
   <a:objectDefaults>
     <a:spDef>
       <a:spPr>
-        <a:blipFill rotWithShape="1">
-          <a:blip xmlns:r="http://schemas.openxmlformats.org/officeDocument/2006/relationships" r:embed="rId1"/>
-          <a:srcRect/>
-          <a:tile tx="0" ty="0" sx="100000" sy="100000" flip="none" algn="tl"/>
-        </a:blipFill>
-        <a:ln w="12700" cap="flat">
-          <a:noFill/>
-          <a:miter lim="400000"/>
+        <a:solidFill>
+          <a:srgbClr val="FFFFFF"/>
+        </a:solidFill>
+        <a:ln w="25400" cap="flat">
+          <a:solidFill>
+            <a:schemeClr val="accent1"/>
+          </a:solidFill>
+          <a:prstDash val="solid"/>
+          <a:round/>
         </a:ln>
         <a:effectLst>
-          <a:outerShdw blurRad="38100" dist="25400" dir="5400000" rotWithShape="0">
+          <a:outerShdw sx="100000" sy="100000" kx="0" ky="0" algn="b" rotWithShape="0" blurRad="38100" dist="25400" dir="5400000">
             <a:srgbClr val="000000">
               <a:alpha val="50000"/>
             </a:srgbClr>
@@ -4453,7 +4377,7 @@
         </a:effectLst>
         <a:sp3d/>
       </a:spPr>
-      <a:bodyPr rot="0" spcFirstLastPara="1" vertOverflow="overflow" horzOverflow="overflow" vert="horz" wrap="square" lIns="50800" tIns="50800" rIns="50800" bIns="50800" numCol="1" spcCol="38100" rtlCol="0" anchor="ctr">
+      <a:bodyPr rot="0" spcFirstLastPara="1" vertOverflow="overflow" horzOverflow="overflow" vert="horz" wrap="square" lIns="50800" tIns="50800" rIns="50800" bIns="50800" numCol="1" spcCol="38100" rtlCol="0" anchor="ctr" upright="0">
         <a:spAutoFit/>
       </a:bodyPr>
       <a:lstStyle>
@@ -4472,18 +4396,18 @@
           <a:buFontTx/>
           <a:buNone/>
           <a:tabLst/>
-          <a:defRPr kumimoji="0" sz="2400" b="0" i="0" u="none" strike="noStrike" cap="none" spc="0" normalizeH="0" baseline="0">
+          <a:defRPr b="0" baseline="0" cap="none" i="0" spc="0" strike="noStrike" sz="3600" u="none" kumimoji="0" normalizeH="0">
             <a:ln>
               <a:noFill/>
             </a:ln>
             <a:solidFill>
-              <a:srgbClr val="FFFFFF"/>
+              <a:srgbClr val="000000"/>
             </a:solidFill>
             <a:effectLst/>
             <a:uFillTx/>
-            <a:latin typeface="+mn-lt"/>
-            <a:ea typeface="+mn-ea"/>
-            <a:cs typeface="+mn-cs"/>
+            <a:latin typeface="Helvetica Light"/>
+            <a:ea typeface="Helvetica Light"/>
+            <a:cs typeface="Helvetica Light"/>
             <a:sym typeface="Helvetica Light"/>
           </a:defRPr>
         </a:defPPr>
@@ -4502,7 +4426,7 @@
           <a:buFontTx/>
           <a:buNone/>
           <a:tabLst/>
-          <a:defRPr kumimoji="0" sz="1800" b="0" i="0" u="none" strike="noStrike" cap="none" spc="0" normalizeH="0" baseline="0">
+          <a:defRPr b="0" baseline="0" cap="none" i="0" spc="0" strike="noStrike" sz="1800" u="none" kumimoji="0" normalizeH="0">
             <a:ln>
               <a:noFill/>
             </a:ln>
@@ -4528,7 +4452,7 @@
           <a:buFontTx/>
           <a:buNone/>
           <a:tabLst/>
-          <a:defRPr kumimoji="0" sz="1800" b="0" i="0" u="none" strike="noStrike" cap="none" spc="0" normalizeH="0" baseline="0">
+          <a:defRPr b="0" baseline="0" cap="none" i="0" spc="0" strike="noStrike" sz="1800" u="none" kumimoji="0" normalizeH="0">
             <a:ln>
               <a:noFill/>
             </a:ln>
@@ -4554,7 +4478,7 @@
           <a:buFontTx/>
           <a:buNone/>
           <a:tabLst/>
-          <a:defRPr kumimoji="0" sz="1800" b="0" i="0" u="none" strike="noStrike" cap="none" spc="0" normalizeH="0" baseline="0">
+          <a:defRPr b="0" baseline="0" cap="none" i="0" spc="0" strike="noStrike" sz="1800" u="none" kumimoji="0" normalizeH="0">
             <a:ln>
               <a:noFill/>
             </a:ln>
@@ -4580,7 +4504,7 @@
           <a:buFontTx/>
           <a:buNone/>
           <a:tabLst/>
-          <a:defRPr kumimoji="0" sz="1800" b="0" i="0" u="none" strike="noStrike" cap="none" spc="0" normalizeH="0" baseline="0">
+          <a:defRPr b="0" baseline="0" cap="none" i="0" spc="0" strike="noStrike" sz="1800" u="none" kumimoji="0" normalizeH="0">
             <a:ln>
               <a:noFill/>
             </a:ln>
@@ -4606,7 +4530,7 @@
           <a:buFontTx/>
           <a:buNone/>
           <a:tabLst/>
-          <a:defRPr kumimoji="0" sz="1800" b="0" i="0" u="none" strike="noStrike" cap="none" spc="0" normalizeH="0" baseline="0">
+          <a:defRPr b="0" baseline="0" cap="none" i="0" spc="0" strike="noStrike" sz="1800" u="none" kumimoji="0" normalizeH="0">
             <a:ln>
               <a:noFill/>
             </a:ln>
@@ -4632,7 +4556,7 @@
           <a:buFontTx/>
           <a:buNone/>
           <a:tabLst/>
-          <a:defRPr kumimoji="0" sz="1800" b="0" i="0" u="none" strike="noStrike" cap="none" spc="0" normalizeH="0" baseline="0">
+          <a:defRPr b="0" baseline="0" cap="none" i="0" spc="0" strike="noStrike" sz="1800" u="none" kumimoji="0" normalizeH="0">
             <a:ln>
               <a:noFill/>
             </a:ln>
@@ -4658,7 +4582,7 @@
           <a:buFontTx/>
           <a:buNone/>
           <a:tabLst/>
-          <a:defRPr kumimoji="0" sz="1800" b="0" i="0" u="none" strike="noStrike" cap="none" spc="0" normalizeH="0" baseline="0">
+          <a:defRPr b="0" baseline="0" cap="none" i="0" spc="0" strike="noStrike" sz="1800" u="none" kumimoji="0" normalizeH="0">
             <a:ln>
               <a:noFill/>
             </a:ln>
@@ -4684,7 +4608,7 @@
           <a:buFontTx/>
           <a:buNone/>
           <a:tabLst/>
-          <a:defRPr kumimoji="0" sz="1800" b="0" i="0" u="none" strike="noStrike" cap="none" spc="0" normalizeH="0" baseline="0">
+          <a:defRPr b="0" baseline="0" cap="none" i="0" spc="0" strike="noStrike" sz="1800" u="none" kumimoji="0" normalizeH="0">
             <a:ln>
               <a:noFill/>
             </a:ln>
@@ -4710,7 +4634,7 @@
           <a:buFontTx/>
           <a:buNone/>
           <a:tabLst/>
-          <a:defRPr kumimoji="0" sz="1800" b="0" i="0" u="none" strike="noStrike" cap="none" spc="0" normalizeH="0" baseline="0">
+          <a:defRPr b="0" baseline="0" cap="none" i="0" spc="0" strike="noStrike" sz="1800" u="none" kumimoji="0" normalizeH="0">
             <a:ln>
               <a:noFill/>
             </a:ln>
@@ -4723,15 +4647,9 @@
         </a:lvl9pPr>
       </a:lstStyle>
       <a:style>
-        <a:lnRef idx="0">
-          <a:scrgbClr r="0" g="0" b="0"/>
-        </a:lnRef>
-        <a:fillRef idx="0">
-          <a:scrgbClr r="0" g="0" b="0"/>
-        </a:fillRef>
-        <a:effectRef idx="0">
-          <a:scrgbClr r="0" g="0" b="0"/>
-        </a:effectRef>
+        <a:lnRef idx="0"/>
+        <a:fillRef idx="0"/>
+        <a:effectRef idx="0"/>
         <a:fontRef idx="none"/>
       </a:style>
     </a:spDef>
@@ -4740,15 +4658,21 @@
         <a:noFill/>
         <a:ln w="25400" cap="flat">
           <a:solidFill>
-            <a:srgbClr val="000000"/>
+            <a:schemeClr val="accent1"/>
           </a:solidFill>
           <a:prstDash val="solid"/>
-          <a:miter lim="400000"/>
+          <a:round/>
         </a:ln>
-        <a:effectLst/>
+        <a:effectLst>
+          <a:outerShdw sx="100000" sy="100000" kx="0" ky="0" algn="b" rotWithShape="0" blurRad="38100" dist="25400" dir="5400000">
+            <a:srgbClr val="000000">
+              <a:alpha val="50000"/>
+            </a:srgbClr>
+          </a:outerShdw>
+        </a:effectLst>
         <a:sp3d/>
       </a:spPr>
-      <a:bodyPr rot="0" spcFirstLastPara="1" vertOverflow="overflow" horzOverflow="overflow" vert="horz" wrap="square" lIns="91439" tIns="45719" rIns="91439" bIns="45719" numCol="1" spcCol="38100" rtlCol="0" anchor="t">
+      <a:bodyPr rot="0" spcFirstLastPara="1" vertOverflow="overflow" horzOverflow="overflow" vert="horz" wrap="square" lIns="91439" tIns="45719" rIns="91439" bIns="45719" numCol="1" spcCol="38100" rtlCol="0" anchor="t" upright="0">
         <a:noAutofit/>
       </a:bodyPr>
       <a:lstStyle>
@@ -4767,7 +4691,7 @@
           <a:buFontTx/>
           <a:buNone/>
           <a:tabLst/>
-          <a:defRPr kumimoji="0" sz="1800" b="0" i="0" u="none" strike="noStrike" cap="none" spc="0" normalizeH="0" baseline="0">
+          <a:defRPr b="0" baseline="0" cap="none" i="0" spc="0" strike="noStrike" sz="1800" u="none" kumimoji="0" normalizeH="0">
             <a:ln>
               <a:noFill/>
             </a:ln>
@@ -4793,7 +4717,7 @@
           <a:buFontTx/>
           <a:buNone/>
           <a:tabLst/>
-          <a:defRPr kumimoji="0" sz="1800" b="0" i="0" u="none" strike="noStrike" cap="none" spc="0" normalizeH="0" baseline="0">
+          <a:defRPr b="0" baseline="0" cap="none" i="0" spc="0" strike="noStrike" sz="1800" u="none" kumimoji="0" normalizeH="0">
             <a:ln>
               <a:noFill/>
             </a:ln>
@@ -4819,7 +4743,7 @@
           <a:buFontTx/>
           <a:buNone/>
           <a:tabLst/>
-          <a:defRPr kumimoji="0" sz="1800" b="0" i="0" u="none" strike="noStrike" cap="none" spc="0" normalizeH="0" baseline="0">
+          <a:defRPr b="0" baseline="0" cap="none" i="0" spc="0" strike="noStrike" sz="1800" u="none" kumimoji="0" normalizeH="0">
             <a:ln>
               <a:noFill/>
             </a:ln>
@@ -4845,7 +4769,7 @@
           <a:buFontTx/>
           <a:buNone/>
           <a:tabLst/>
-          <a:defRPr kumimoji="0" sz="1800" b="0" i="0" u="none" strike="noStrike" cap="none" spc="0" normalizeH="0" baseline="0">
+          <a:defRPr b="0" baseline="0" cap="none" i="0" spc="0" strike="noStrike" sz="1800" u="none" kumimoji="0" normalizeH="0">
             <a:ln>
               <a:noFill/>
             </a:ln>
@@ -4871,7 +4795,7 @@
           <a:buFontTx/>
           <a:buNone/>
           <a:tabLst/>
-          <a:defRPr kumimoji="0" sz="1800" b="0" i="0" u="none" strike="noStrike" cap="none" spc="0" normalizeH="0" baseline="0">
+          <a:defRPr b="0" baseline="0" cap="none" i="0" spc="0" strike="noStrike" sz="1800" u="none" kumimoji="0" normalizeH="0">
             <a:ln>
               <a:noFill/>
             </a:ln>
@@ -4897,7 +4821,7 @@
           <a:buFontTx/>
           <a:buNone/>
           <a:tabLst/>
-          <a:defRPr kumimoji="0" sz="1800" b="0" i="0" u="none" strike="noStrike" cap="none" spc="0" normalizeH="0" baseline="0">
+          <a:defRPr b="0" baseline="0" cap="none" i="0" spc="0" strike="noStrike" sz="1800" u="none" kumimoji="0" normalizeH="0">
             <a:ln>
               <a:noFill/>
             </a:ln>
@@ -4923,7 +4847,7 @@
           <a:buFontTx/>
           <a:buNone/>
           <a:tabLst/>
-          <a:defRPr kumimoji="0" sz="1800" b="0" i="0" u="none" strike="noStrike" cap="none" spc="0" normalizeH="0" baseline="0">
+          <a:defRPr b="0" baseline="0" cap="none" i="0" spc="0" strike="noStrike" sz="1800" u="none" kumimoji="0" normalizeH="0">
             <a:ln>
               <a:noFill/>
             </a:ln>
@@ -4949,7 +4873,7 @@
           <a:buFontTx/>
           <a:buNone/>
           <a:tabLst/>
-          <a:defRPr kumimoji="0" sz="1800" b="0" i="0" u="none" strike="noStrike" cap="none" spc="0" normalizeH="0" baseline="0">
+          <a:defRPr b="0" baseline="0" cap="none" i="0" spc="0" strike="noStrike" sz="1800" u="none" kumimoji="0" normalizeH="0">
             <a:ln>
               <a:noFill/>
             </a:ln>
@@ -4975,7 +4899,7 @@
           <a:buFontTx/>
           <a:buNone/>
           <a:tabLst/>
-          <a:defRPr kumimoji="0" sz="1800" b="0" i="0" u="none" strike="noStrike" cap="none" spc="0" normalizeH="0" baseline="0">
+          <a:defRPr b="0" baseline="0" cap="none" i="0" spc="0" strike="noStrike" sz="1800" u="none" kumimoji="0" normalizeH="0">
             <a:ln>
               <a:noFill/>
             </a:ln>
@@ -5001,7 +4925,7 @@
           <a:buFontTx/>
           <a:buNone/>
           <a:tabLst/>
-          <a:defRPr kumimoji="0" sz="1800" b="0" i="0" u="none" strike="noStrike" cap="none" spc="0" normalizeH="0" baseline="0">
+          <a:defRPr b="0" baseline="0" cap="none" i="0" spc="0" strike="noStrike" sz="1800" u="none" kumimoji="0" normalizeH="0">
             <a:ln>
               <a:noFill/>
             </a:ln>
@@ -5014,15 +4938,9 @@
         </a:lvl9pPr>
       </a:lstStyle>
       <a:style>
-        <a:lnRef idx="0">
-          <a:scrgbClr r="0" g="0" b="0"/>
-        </a:lnRef>
-        <a:fillRef idx="0">
-          <a:scrgbClr r="0" g="0" b="0"/>
-        </a:fillRef>
-        <a:effectRef idx="0">
-          <a:scrgbClr r="0" g="0" b="0"/>
-        </a:effectRef>
+        <a:lnRef idx="0"/>
+        <a:fillRef idx="0"/>
+        <a:effectRef idx="0"/>
         <a:fontRef idx="none"/>
       </a:style>
     </a:lnDef>
@@ -5036,7 +4954,7 @@
         <a:effectLst/>
         <a:sp3d/>
       </a:spPr>
-      <a:bodyPr rot="0" spcFirstLastPara="1" vertOverflow="overflow" horzOverflow="overflow" vert="horz" wrap="square" lIns="50800" tIns="50800" rIns="50800" bIns="50800" numCol="1" spcCol="38100" rtlCol="0" anchor="ctr">
+      <a:bodyPr rot="0" spcFirstLastPara="1" vertOverflow="overflow" horzOverflow="overflow" vert="horz" wrap="square" lIns="50800" tIns="50800" rIns="50800" bIns="50800" numCol="1" spcCol="38100" rtlCol="0" anchor="ctr" upright="0">
         <a:spAutoFit/>
       </a:bodyPr>
       <a:lstStyle>
@@ -5055,7 +4973,7 @@
           <a:buFontTx/>
           <a:buNone/>
           <a:tabLst/>
-          <a:defRPr kumimoji="0" sz="3600" b="0" i="0" u="none" strike="noStrike" cap="none" spc="0" normalizeH="0" baseline="0">
+          <a:defRPr b="0" baseline="0" cap="none" i="0" spc="0" strike="noStrike" sz="3600" u="none" kumimoji="0" normalizeH="0">
             <a:ln>
               <a:noFill/>
             </a:ln>
@@ -5064,9 +4982,9 @@
             </a:solidFill>
             <a:effectLst/>
             <a:uFillTx/>
-            <a:latin typeface="+mn-lt"/>
-            <a:ea typeface="+mn-ea"/>
-            <a:cs typeface="+mn-cs"/>
+            <a:latin typeface="Helvetica Light"/>
+            <a:ea typeface="Helvetica Light"/>
+            <a:cs typeface="Helvetica Light"/>
             <a:sym typeface="Helvetica Light"/>
           </a:defRPr>
         </a:defPPr>
@@ -5085,7 +5003,7 @@
           <a:buFontTx/>
           <a:buNone/>
           <a:tabLst/>
-          <a:defRPr kumimoji="0" sz="1800" b="0" i="0" u="none" strike="noStrike" cap="none" spc="0" normalizeH="0" baseline="0">
+          <a:defRPr b="0" baseline="0" cap="none" i="0" spc="0" strike="noStrike" sz="1800" u="none" kumimoji="0" normalizeH="0">
             <a:ln>
               <a:noFill/>
             </a:ln>
@@ -5111,7 +5029,7 @@
           <a:buFontTx/>
           <a:buNone/>
           <a:tabLst/>
-          <a:defRPr kumimoji="0" sz="1800" b="0" i="0" u="none" strike="noStrike" cap="none" spc="0" normalizeH="0" baseline="0">
+          <a:defRPr b="0" baseline="0" cap="none" i="0" spc="0" strike="noStrike" sz="1800" u="none" kumimoji="0" normalizeH="0">
             <a:ln>
               <a:noFill/>
             </a:ln>
@@ -5137,7 +5055,7 @@
           <a:buFontTx/>
           <a:buNone/>
           <a:tabLst/>
-          <a:defRPr kumimoji="0" sz="1800" b="0" i="0" u="none" strike="noStrike" cap="none" spc="0" normalizeH="0" baseline="0">
+          <a:defRPr b="0" baseline="0" cap="none" i="0" spc="0" strike="noStrike" sz="1800" u="none" kumimoji="0" normalizeH="0">
             <a:ln>
               <a:noFill/>
             </a:ln>
@@ -5163,7 +5081,7 @@
           <a:buFontTx/>
           <a:buNone/>
           <a:tabLst/>
-          <a:defRPr kumimoji="0" sz="1800" b="0" i="0" u="none" strike="noStrike" cap="none" spc="0" normalizeH="0" baseline="0">
+          <a:defRPr b="0" baseline="0" cap="none" i="0" spc="0" strike="noStrike" sz="1800" u="none" kumimoji="0" normalizeH="0">
             <a:ln>
               <a:noFill/>
             </a:ln>
@@ -5189,7 +5107,7 @@
           <a:buFontTx/>
           <a:buNone/>
           <a:tabLst/>
-          <a:defRPr kumimoji="0" sz="1800" b="0" i="0" u="none" strike="noStrike" cap="none" spc="0" normalizeH="0" baseline="0">
+          <a:defRPr b="0" baseline="0" cap="none" i="0" spc="0" strike="noStrike" sz="1800" u="none" kumimoji="0" normalizeH="0">
             <a:ln>
               <a:noFill/>
             </a:ln>
@@ -5215,7 +5133,7 @@
           <a:buFontTx/>
           <a:buNone/>
           <a:tabLst/>
-          <a:defRPr kumimoji="0" sz="1800" b="0" i="0" u="none" strike="noStrike" cap="none" spc="0" normalizeH="0" baseline="0">
+          <a:defRPr b="0" baseline="0" cap="none" i="0" spc="0" strike="noStrike" sz="1800" u="none" kumimoji="0" normalizeH="0">
             <a:ln>
               <a:noFill/>
             </a:ln>
@@ -5241,7 +5159,7 @@
           <a:buFontTx/>
           <a:buNone/>
           <a:tabLst/>
-          <a:defRPr kumimoji="0" sz="1800" b="0" i="0" u="none" strike="noStrike" cap="none" spc="0" normalizeH="0" baseline="0">
+          <a:defRPr b="0" baseline="0" cap="none" i="0" spc="0" strike="noStrike" sz="1800" u="none" kumimoji="0" normalizeH="0">
             <a:ln>
               <a:noFill/>
             </a:ln>
@@ -5267,7 +5185,7 @@
           <a:buFontTx/>
           <a:buNone/>
           <a:tabLst/>
-          <a:defRPr kumimoji="0" sz="1800" b="0" i="0" u="none" strike="noStrike" cap="none" spc="0" normalizeH="0" baseline="0">
+          <a:defRPr b="0" baseline="0" cap="none" i="0" spc="0" strike="noStrike" sz="1800" u="none" kumimoji="0" normalizeH="0">
             <a:ln>
               <a:noFill/>
             </a:ln>
@@ -5293,7 +5211,7 @@
           <a:buFontTx/>
           <a:buNone/>
           <a:tabLst/>
-          <a:defRPr kumimoji="0" sz="1800" b="0" i="0" u="none" strike="noStrike" cap="none" spc="0" normalizeH="0" baseline="0">
+          <a:defRPr b="0" baseline="0" cap="none" i="0" spc="0" strike="noStrike" sz="1800" u="none" kumimoji="0" normalizeH="0">
             <a:ln>
               <a:noFill/>
             </a:ln>
@@ -5306,25 +5224,18 @@
         </a:lvl9pPr>
       </a:lstStyle>
       <a:style>
-        <a:lnRef idx="0">
-          <a:scrgbClr r="0" g="0" b="0"/>
-        </a:lnRef>
-        <a:fillRef idx="0">
-          <a:scrgbClr r="0" g="0" b="0"/>
-        </a:fillRef>
-        <a:effectRef idx="0">
-          <a:scrgbClr r="0" g="0" b="0"/>
-        </a:effectRef>
+        <a:lnRef idx="0"/>
+        <a:fillRef idx="0"/>
+        <a:effectRef idx="0"/>
         <a:fontRef idx="none"/>
       </a:style>
     </a:txDef>
   </a:objectDefaults>
-  <a:extraClrSchemeLst/>
 </a:theme>
 </file>
 
 <file path=ppt/theme/theme2.xml><?xml version="1.0" encoding="utf-8"?>
-<a:theme xmlns:a="http://schemas.openxmlformats.org/drawingml/2006/main" name="White">
+<a:theme xmlns:a="http://schemas.openxmlformats.org/drawingml/2006/main" xmlns:r="http://schemas.openxmlformats.org/officeDocument/2006/relationships" name="White">
   <a:themeElements>
     <a:clrScheme name="White">
       <a:dk1>
@@ -5334,10 +5245,10 @@
         <a:srgbClr val="FFFFFF"/>
       </a:lt1>
       <a:dk2>
-        <a:srgbClr val="53585F"/>
+        <a:srgbClr val="A7A7A7"/>
       </a:dk2>
       <a:lt2>
-        <a:srgbClr val="DCDEE0"/>
+        <a:srgbClr val="535353"/>
       </a:lt2>
       <a:accent1>
         <a:srgbClr val="0365C0"/>
@@ -5366,14 +5277,14 @@
     </a:clrScheme>
     <a:fontScheme name="White">
       <a:majorFont>
-        <a:latin typeface="Helvetica Light"/>
-        <a:ea typeface="Helvetica Light"/>
-        <a:cs typeface="Helvetica Light"/>
+        <a:latin typeface="Helvetica Neue"/>
+        <a:ea typeface="Helvetica Neue"/>
+        <a:cs typeface="Helvetica Neue"/>
       </a:majorFont>
       <a:minorFont>
-        <a:latin typeface="Helvetica Light"/>
-        <a:ea typeface="Helvetica Light"/>
-        <a:cs typeface="Helvetica Light"/>
+        <a:latin typeface="Helvetica"/>
+        <a:ea typeface="Helvetica"/>
+        <a:cs typeface="Helvetica"/>
       </a:minorFont>
     </a:fontScheme>
     <a:fmtScheme name="White">
@@ -5450,7 +5361,7 @@
       <a:effectStyleLst>
         <a:effectStyle>
           <a:effectLst>
-            <a:outerShdw blurRad="38100" dist="25400" dir="5400000" rotWithShape="0">
+            <a:outerShdw sx="100000" sy="100000" kx="0" ky="0" algn="b" rotWithShape="0" blurRad="38100" dist="25400" dir="5400000">
               <a:srgbClr val="000000">
                 <a:alpha val="50000"/>
               </a:srgbClr>
@@ -5459,7 +5370,7 @@
         </a:effectStyle>
         <a:effectStyle>
           <a:effectLst>
-            <a:outerShdw blurRad="50800" dist="12700" rotWithShape="0">
+            <a:outerShdw sx="100000" sy="100000" kx="0" ky="0" algn="b" rotWithShape="0" blurRad="38100" dist="25400" dir="5400000">
               <a:srgbClr val="000000">
                 <a:alpha val="50000"/>
               </a:srgbClr>
@@ -5468,7 +5379,7 @@
         </a:effectStyle>
         <a:effectStyle>
           <a:effectLst>
-            <a:outerShdw blurRad="38100" dist="25400" dir="5400000" rotWithShape="0">
+            <a:outerShdw sx="100000" sy="100000" kx="0" ky="0" algn="b" rotWithShape="0" blurRad="38100" dist="25400" dir="5400000">
               <a:srgbClr val="000000">
                 <a:alpha val="50000"/>
               </a:srgbClr>
@@ -5531,17 +5442,18 @@
   <a:objectDefaults>
     <a:spDef>
       <a:spPr>
-        <a:blipFill rotWithShape="1">
-          <a:blip xmlns:r="http://schemas.openxmlformats.org/officeDocument/2006/relationships" r:embed="rId1"/>
-          <a:srcRect/>
-          <a:tile tx="0" ty="0" sx="100000" sy="100000" flip="none" algn="tl"/>
-        </a:blipFill>
-        <a:ln w="12700" cap="flat">
-          <a:noFill/>
-          <a:miter lim="400000"/>
+        <a:solidFill>
+          <a:srgbClr val="FFFFFF"/>
+        </a:solidFill>
+        <a:ln w="25400" cap="flat">
+          <a:solidFill>
+            <a:schemeClr val="accent1"/>
+          </a:solidFill>
+          <a:prstDash val="solid"/>
+          <a:round/>
         </a:ln>
         <a:effectLst>
-          <a:outerShdw blurRad="38100" dist="25400" dir="5400000" rotWithShape="0">
+          <a:outerShdw sx="100000" sy="100000" kx="0" ky="0" algn="b" rotWithShape="0" blurRad="38100" dist="25400" dir="5400000">
             <a:srgbClr val="000000">
               <a:alpha val="50000"/>
             </a:srgbClr>
@@ -5549,7 +5461,7 @@
         </a:effectLst>
         <a:sp3d/>
       </a:spPr>
-      <a:bodyPr rot="0" spcFirstLastPara="1" vertOverflow="overflow" horzOverflow="overflow" vert="horz" wrap="square" lIns="50800" tIns="50800" rIns="50800" bIns="50800" numCol="1" spcCol="38100" rtlCol="0" anchor="ctr">
+      <a:bodyPr rot="0" spcFirstLastPara="1" vertOverflow="overflow" horzOverflow="overflow" vert="horz" wrap="square" lIns="50800" tIns="50800" rIns="50800" bIns="50800" numCol="1" spcCol="38100" rtlCol="0" anchor="ctr" upright="0">
         <a:spAutoFit/>
       </a:bodyPr>
       <a:lstStyle>
@@ -5568,18 +5480,18 @@
           <a:buFontTx/>
           <a:buNone/>
           <a:tabLst/>
-          <a:defRPr kumimoji="0" sz="2400" b="0" i="0" u="none" strike="noStrike" cap="none" spc="0" normalizeH="0" baseline="0">
+          <a:defRPr b="0" baseline="0" cap="none" i="0" spc="0" strike="noStrike" sz="3600" u="none" kumimoji="0" normalizeH="0">
             <a:ln>
               <a:noFill/>
             </a:ln>
             <a:solidFill>
-              <a:srgbClr val="FFFFFF"/>
+              <a:srgbClr val="000000"/>
             </a:solidFill>
             <a:effectLst/>
             <a:uFillTx/>
-            <a:latin typeface="+mn-lt"/>
-            <a:ea typeface="+mn-ea"/>
-            <a:cs typeface="+mn-cs"/>
+            <a:latin typeface="Helvetica Light"/>
+            <a:ea typeface="Helvetica Light"/>
+            <a:cs typeface="Helvetica Light"/>
             <a:sym typeface="Helvetica Light"/>
           </a:defRPr>
         </a:defPPr>
@@ -5598,7 +5510,7 @@
           <a:buFontTx/>
           <a:buNone/>
           <a:tabLst/>
-          <a:defRPr kumimoji="0" sz="1800" b="0" i="0" u="none" strike="noStrike" cap="none" spc="0" normalizeH="0" baseline="0">
+          <a:defRPr b="0" baseline="0" cap="none" i="0" spc="0" strike="noStrike" sz="1800" u="none" kumimoji="0" normalizeH="0">
             <a:ln>
               <a:noFill/>
             </a:ln>
@@ -5624,7 +5536,7 @@
           <a:buFontTx/>
           <a:buNone/>
           <a:tabLst/>
-          <a:defRPr kumimoji="0" sz="1800" b="0" i="0" u="none" strike="noStrike" cap="none" spc="0" normalizeH="0" baseline="0">
+          <a:defRPr b="0" baseline="0" cap="none" i="0" spc="0" strike="noStrike" sz="1800" u="none" kumimoji="0" normalizeH="0">
             <a:ln>
               <a:noFill/>
             </a:ln>
@@ -5650,7 +5562,7 @@
           <a:buFontTx/>
           <a:buNone/>
           <a:tabLst/>
-          <a:defRPr kumimoji="0" sz="1800" b="0" i="0" u="none" strike="noStrike" cap="none" spc="0" normalizeH="0" baseline="0">
+          <a:defRPr b="0" baseline="0" cap="none" i="0" spc="0" strike="noStrike" sz="1800" u="none" kumimoji="0" normalizeH="0">
             <a:ln>
               <a:noFill/>
             </a:ln>
@@ -5676,7 +5588,7 @@
           <a:buFontTx/>
           <a:buNone/>
           <a:tabLst/>
-          <a:defRPr kumimoji="0" sz="1800" b="0" i="0" u="none" strike="noStrike" cap="none" spc="0" normalizeH="0" baseline="0">
+          <a:defRPr b="0" baseline="0" cap="none" i="0" spc="0" strike="noStrike" sz="1800" u="none" kumimoji="0" normalizeH="0">
             <a:ln>
               <a:noFill/>
             </a:ln>
@@ -5702,7 +5614,7 @@
           <a:buFontTx/>
           <a:buNone/>
           <a:tabLst/>
-          <a:defRPr kumimoji="0" sz="1800" b="0" i="0" u="none" strike="noStrike" cap="none" spc="0" normalizeH="0" baseline="0">
+          <a:defRPr b="0" baseline="0" cap="none" i="0" spc="0" strike="noStrike" sz="1800" u="none" kumimoji="0" normalizeH="0">
             <a:ln>
               <a:noFill/>
             </a:ln>
@@ -5728,7 +5640,7 @@
           <a:buFontTx/>
           <a:buNone/>
           <a:tabLst/>
-          <a:defRPr kumimoji="0" sz="1800" b="0" i="0" u="none" strike="noStrike" cap="none" spc="0" normalizeH="0" baseline="0">
+          <a:defRPr b="0" baseline="0" cap="none" i="0" spc="0" strike="noStrike" sz="1800" u="none" kumimoji="0" normalizeH="0">
             <a:ln>
               <a:noFill/>
             </a:ln>
@@ -5754,7 +5666,7 @@
           <a:buFontTx/>
           <a:buNone/>
           <a:tabLst/>
-          <a:defRPr kumimoji="0" sz="1800" b="0" i="0" u="none" strike="noStrike" cap="none" spc="0" normalizeH="0" baseline="0">
+          <a:defRPr b="0" baseline="0" cap="none" i="0" spc="0" strike="noStrike" sz="1800" u="none" kumimoji="0" normalizeH="0">
             <a:ln>
               <a:noFill/>
             </a:ln>
@@ -5780,7 +5692,7 @@
           <a:buFontTx/>
           <a:buNone/>
           <a:tabLst/>
-          <a:defRPr kumimoji="0" sz="1800" b="0" i="0" u="none" strike="noStrike" cap="none" spc="0" normalizeH="0" baseline="0">
+          <a:defRPr b="0" baseline="0" cap="none" i="0" spc="0" strike="noStrike" sz="1800" u="none" kumimoji="0" normalizeH="0">
             <a:ln>
               <a:noFill/>
             </a:ln>
@@ -5806,7 +5718,7 @@
           <a:buFontTx/>
           <a:buNone/>
           <a:tabLst/>
-          <a:defRPr kumimoji="0" sz="1800" b="0" i="0" u="none" strike="noStrike" cap="none" spc="0" normalizeH="0" baseline="0">
+          <a:defRPr b="0" baseline="0" cap="none" i="0" spc="0" strike="noStrike" sz="1800" u="none" kumimoji="0" normalizeH="0">
             <a:ln>
               <a:noFill/>
             </a:ln>
@@ -5819,15 +5731,9 @@
         </a:lvl9pPr>
       </a:lstStyle>
       <a:style>
-        <a:lnRef idx="0">
-          <a:scrgbClr r="0" g="0" b="0"/>
-        </a:lnRef>
-        <a:fillRef idx="0">
-          <a:scrgbClr r="0" g="0" b="0"/>
-        </a:fillRef>
-        <a:effectRef idx="0">
-          <a:scrgbClr r="0" g="0" b="0"/>
-        </a:effectRef>
+        <a:lnRef idx="0"/>
+        <a:fillRef idx="0"/>
+        <a:effectRef idx="0"/>
         <a:fontRef idx="none"/>
       </a:style>
     </a:spDef>
@@ -5836,15 +5742,21 @@
         <a:noFill/>
         <a:ln w="25400" cap="flat">
           <a:solidFill>
-            <a:srgbClr val="000000"/>
+            <a:schemeClr val="accent1"/>
           </a:solidFill>
           <a:prstDash val="solid"/>
-          <a:miter lim="400000"/>
+          <a:round/>
         </a:ln>
-        <a:effectLst/>
+        <a:effectLst>
+          <a:outerShdw sx="100000" sy="100000" kx="0" ky="0" algn="b" rotWithShape="0" blurRad="38100" dist="25400" dir="5400000">
+            <a:srgbClr val="000000">
+              <a:alpha val="50000"/>
+            </a:srgbClr>
+          </a:outerShdw>
+        </a:effectLst>
         <a:sp3d/>
       </a:spPr>
-      <a:bodyPr rot="0" spcFirstLastPara="1" vertOverflow="overflow" horzOverflow="overflow" vert="horz" wrap="square" lIns="91439" tIns="45719" rIns="91439" bIns="45719" numCol="1" spcCol="38100" rtlCol="0" anchor="t">
+      <a:bodyPr rot="0" spcFirstLastPara="1" vertOverflow="overflow" horzOverflow="overflow" vert="horz" wrap="square" lIns="91439" tIns="45719" rIns="91439" bIns="45719" numCol="1" spcCol="38100" rtlCol="0" anchor="t" upright="0">
         <a:noAutofit/>
       </a:bodyPr>
       <a:lstStyle>
@@ -5863,7 +5775,7 @@
           <a:buFontTx/>
           <a:buNone/>
           <a:tabLst/>
-          <a:defRPr kumimoji="0" sz="1800" b="0" i="0" u="none" strike="noStrike" cap="none" spc="0" normalizeH="0" baseline="0">
+          <a:defRPr b="0" baseline="0" cap="none" i="0" spc="0" strike="noStrike" sz="1800" u="none" kumimoji="0" normalizeH="0">
             <a:ln>
               <a:noFill/>
             </a:ln>
@@ -5889,7 +5801,7 @@
           <a:buFontTx/>
           <a:buNone/>
           <a:tabLst/>
-          <a:defRPr kumimoji="0" sz="1800" b="0" i="0" u="none" strike="noStrike" cap="none" spc="0" normalizeH="0" baseline="0">
+          <a:defRPr b="0" baseline="0" cap="none" i="0" spc="0" strike="noStrike" sz="1800" u="none" kumimoji="0" normalizeH="0">
             <a:ln>
               <a:noFill/>
             </a:ln>
@@ -5915,7 +5827,7 @@
           <a:buFontTx/>
           <a:buNone/>
           <a:tabLst/>
-          <a:defRPr kumimoji="0" sz="1800" b="0" i="0" u="none" strike="noStrike" cap="none" spc="0" normalizeH="0" baseline="0">
+          <a:defRPr b="0" baseline="0" cap="none" i="0" spc="0" strike="noStrike" sz="1800" u="none" kumimoji="0" normalizeH="0">
             <a:ln>
               <a:noFill/>
             </a:ln>
@@ -5941,7 +5853,7 @@
           <a:buFontTx/>
           <a:buNone/>
           <a:tabLst/>
-          <a:defRPr kumimoji="0" sz="1800" b="0" i="0" u="none" strike="noStrike" cap="none" spc="0" normalizeH="0" baseline="0">
+          <a:defRPr b="0" baseline="0" cap="none" i="0" spc="0" strike="noStrike" sz="1800" u="none" kumimoji="0" normalizeH="0">
             <a:ln>
               <a:noFill/>
             </a:ln>
@@ -5967,7 +5879,7 @@
           <a:buFontTx/>
           <a:buNone/>
           <a:tabLst/>
-          <a:defRPr kumimoji="0" sz="1800" b="0" i="0" u="none" strike="noStrike" cap="none" spc="0" normalizeH="0" baseline="0">
+          <a:defRPr b="0" baseline="0" cap="none" i="0" spc="0" strike="noStrike" sz="1800" u="none" kumimoji="0" normalizeH="0">
             <a:ln>
               <a:noFill/>
             </a:ln>
@@ -5993,7 +5905,7 @@
           <a:buFontTx/>
           <a:buNone/>
           <a:tabLst/>
-          <a:defRPr kumimoji="0" sz="1800" b="0" i="0" u="none" strike="noStrike" cap="none" spc="0" normalizeH="0" baseline="0">
+          <a:defRPr b="0" baseline="0" cap="none" i="0" spc="0" strike="noStrike" sz="1800" u="none" kumimoji="0" normalizeH="0">
             <a:ln>
               <a:noFill/>
             </a:ln>
@@ -6019,7 +5931,7 @@
           <a:buFontTx/>
           <a:buNone/>
           <a:tabLst/>
-          <a:defRPr kumimoji="0" sz="1800" b="0" i="0" u="none" strike="noStrike" cap="none" spc="0" normalizeH="0" baseline="0">
+          <a:defRPr b="0" baseline="0" cap="none" i="0" spc="0" strike="noStrike" sz="1800" u="none" kumimoji="0" normalizeH="0">
             <a:ln>
               <a:noFill/>
             </a:ln>
@@ -6045,7 +5957,7 @@
           <a:buFontTx/>
           <a:buNone/>
           <a:tabLst/>
-          <a:defRPr kumimoji="0" sz="1800" b="0" i="0" u="none" strike="noStrike" cap="none" spc="0" normalizeH="0" baseline="0">
+          <a:defRPr b="0" baseline="0" cap="none" i="0" spc="0" strike="noStrike" sz="1800" u="none" kumimoji="0" normalizeH="0">
             <a:ln>
               <a:noFill/>
             </a:ln>
@@ -6071,7 +5983,7 @@
           <a:buFontTx/>
           <a:buNone/>
           <a:tabLst/>
-          <a:defRPr kumimoji="0" sz="1800" b="0" i="0" u="none" strike="noStrike" cap="none" spc="0" normalizeH="0" baseline="0">
+          <a:defRPr b="0" baseline="0" cap="none" i="0" spc="0" strike="noStrike" sz="1800" u="none" kumimoji="0" normalizeH="0">
             <a:ln>
               <a:noFill/>
             </a:ln>
@@ -6097,7 +6009,7 @@
           <a:buFontTx/>
           <a:buNone/>
           <a:tabLst/>
-          <a:defRPr kumimoji="0" sz="1800" b="0" i="0" u="none" strike="noStrike" cap="none" spc="0" normalizeH="0" baseline="0">
+          <a:defRPr b="0" baseline="0" cap="none" i="0" spc="0" strike="noStrike" sz="1800" u="none" kumimoji="0" normalizeH="0">
             <a:ln>
               <a:noFill/>
             </a:ln>
@@ -6110,15 +6022,9 @@
         </a:lvl9pPr>
       </a:lstStyle>
       <a:style>
-        <a:lnRef idx="0">
-          <a:scrgbClr r="0" g="0" b="0"/>
-        </a:lnRef>
-        <a:fillRef idx="0">
-          <a:scrgbClr r="0" g="0" b="0"/>
-        </a:fillRef>
-        <a:effectRef idx="0">
-          <a:scrgbClr r="0" g="0" b="0"/>
-        </a:effectRef>
+        <a:lnRef idx="0"/>
+        <a:fillRef idx="0"/>
+        <a:effectRef idx="0"/>
         <a:fontRef idx="none"/>
       </a:style>
     </a:lnDef>
@@ -6132,7 +6038,7 @@
         <a:effectLst/>
         <a:sp3d/>
       </a:spPr>
-      <a:bodyPr rot="0" spcFirstLastPara="1" vertOverflow="overflow" horzOverflow="overflow" vert="horz" wrap="square" lIns="50800" tIns="50800" rIns="50800" bIns="50800" numCol="1" spcCol="38100" rtlCol="0" anchor="ctr">
+      <a:bodyPr rot="0" spcFirstLastPara="1" vertOverflow="overflow" horzOverflow="overflow" vert="horz" wrap="square" lIns="50800" tIns="50800" rIns="50800" bIns="50800" numCol="1" spcCol="38100" rtlCol="0" anchor="ctr" upright="0">
         <a:spAutoFit/>
       </a:bodyPr>
       <a:lstStyle>
@@ -6151,7 +6057,7 @@
           <a:buFontTx/>
           <a:buNone/>
           <a:tabLst/>
-          <a:defRPr kumimoji="0" sz="3600" b="0" i="0" u="none" strike="noStrike" cap="none" spc="0" normalizeH="0" baseline="0">
+          <a:defRPr b="0" baseline="0" cap="none" i="0" spc="0" strike="noStrike" sz="3600" u="none" kumimoji="0" normalizeH="0">
             <a:ln>
               <a:noFill/>
             </a:ln>
@@ -6160,9 +6066,9 @@
             </a:solidFill>
             <a:effectLst/>
             <a:uFillTx/>
-            <a:latin typeface="+mn-lt"/>
-            <a:ea typeface="+mn-ea"/>
-            <a:cs typeface="+mn-cs"/>
+            <a:latin typeface="Helvetica Light"/>
+            <a:ea typeface="Helvetica Light"/>
+            <a:cs typeface="Helvetica Light"/>
             <a:sym typeface="Helvetica Light"/>
           </a:defRPr>
         </a:defPPr>
@@ -6181,7 +6087,7 @@
           <a:buFontTx/>
           <a:buNone/>
           <a:tabLst/>
-          <a:defRPr kumimoji="0" sz="1800" b="0" i="0" u="none" strike="noStrike" cap="none" spc="0" normalizeH="0" baseline="0">
+          <a:defRPr b="0" baseline="0" cap="none" i="0" spc="0" strike="noStrike" sz="1800" u="none" kumimoji="0" normalizeH="0">
             <a:ln>
               <a:noFill/>
             </a:ln>
@@ -6207,7 +6113,7 @@
           <a:buFontTx/>
           <a:buNone/>
           <a:tabLst/>
-          <a:defRPr kumimoji="0" sz="1800" b="0" i="0" u="none" strike="noStrike" cap="none" spc="0" normalizeH="0" baseline="0">
+          <a:defRPr b="0" baseline="0" cap="none" i="0" spc="0" strike="noStrike" sz="1800" u="none" kumimoji="0" normalizeH="0">
             <a:ln>
               <a:noFill/>
             </a:ln>
@@ -6233,7 +6139,7 @@
           <a:buFontTx/>
           <a:buNone/>
           <a:tabLst/>
-          <a:defRPr kumimoji="0" sz="1800" b="0" i="0" u="none" strike="noStrike" cap="none" spc="0" normalizeH="0" baseline="0">
+          <a:defRPr b="0" baseline="0" cap="none" i="0" spc="0" strike="noStrike" sz="1800" u="none" kumimoji="0" normalizeH="0">
             <a:ln>
               <a:noFill/>
             </a:ln>
@@ -6259,7 +6165,7 @@
           <a:buFontTx/>
           <a:buNone/>
           <a:tabLst/>
-          <a:defRPr kumimoji="0" sz="1800" b="0" i="0" u="none" strike="noStrike" cap="none" spc="0" normalizeH="0" baseline="0">
+          <a:defRPr b="0" baseline="0" cap="none" i="0" spc="0" strike="noStrike" sz="1800" u="none" kumimoji="0" normalizeH="0">
             <a:ln>
               <a:noFill/>
             </a:ln>
@@ -6285,7 +6191,7 @@
           <a:buFontTx/>
           <a:buNone/>
           <a:tabLst/>
-          <a:defRPr kumimoji="0" sz="1800" b="0" i="0" u="none" strike="noStrike" cap="none" spc="0" normalizeH="0" baseline="0">
+          <a:defRPr b="0" baseline="0" cap="none" i="0" spc="0" strike="noStrike" sz="1800" u="none" kumimoji="0" normalizeH="0">
             <a:ln>
               <a:noFill/>
             </a:ln>
@@ -6311,7 +6217,7 @@
           <a:buFontTx/>
           <a:buNone/>
           <a:tabLst/>
-          <a:defRPr kumimoji="0" sz="1800" b="0" i="0" u="none" strike="noStrike" cap="none" spc="0" normalizeH="0" baseline="0">
+          <a:defRPr b="0" baseline="0" cap="none" i="0" spc="0" strike="noStrike" sz="1800" u="none" kumimoji="0" normalizeH="0">
             <a:ln>
               <a:noFill/>
             </a:ln>
@@ -6337,7 +6243,7 @@
           <a:buFontTx/>
           <a:buNone/>
           <a:tabLst/>
-          <a:defRPr kumimoji="0" sz="1800" b="0" i="0" u="none" strike="noStrike" cap="none" spc="0" normalizeH="0" baseline="0">
+          <a:defRPr b="0" baseline="0" cap="none" i="0" spc="0" strike="noStrike" sz="1800" u="none" kumimoji="0" normalizeH="0">
             <a:ln>
               <a:noFill/>
             </a:ln>
@@ -6363,7 +6269,7 @@
           <a:buFontTx/>
           <a:buNone/>
           <a:tabLst/>
-          <a:defRPr kumimoji="0" sz="1800" b="0" i="0" u="none" strike="noStrike" cap="none" spc="0" normalizeH="0" baseline="0">
+          <a:defRPr b="0" baseline="0" cap="none" i="0" spc="0" strike="noStrike" sz="1800" u="none" kumimoji="0" normalizeH="0">
             <a:ln>
               <a:noFill/>
             </a:ln>
@@ -6389,7 +6295,7 @@
           <a:buFontTx/>
           <a:buNone/>
           <a:tabLst/>
-          <a:defRPr kumimoji="0" sz="1800" b="0" i="0" u="none" strike="noStrike" cap="none" spc="0" normalizeH="0" baseline="0">
+          <a:defRPr b="0" baseline="0" cap="none" i="0" spc="0" strike="noStrike" sz="1800" u="none" kumimoji="0" normalizeH="0">
             <a:ln>
               <a:noFill/>
             </a:ln>
@@ -6402,19 +6308,12 @@
         </a:lvl9pPr>
       </a:lstStyle>
       <a:style>
-        <a:lnRef idx="0">
-          <a:scrgbClr r="0" g="0" b="0"/>
-        </a:lnRef>
-        <a:fillRef idx="0">
-          <a:scrgbClr r="0" g="0" b="0"/>
-        </a:fillRef>
-        <a:effectRef idx="0">
-          <a:scrgbClr r="0" g="0" b="0"/>
-        </a:effectRef>
+        <a:lnRef idx="0"/>
+        <a:fillRef idx="0"/>
+        <a:effectRef idx="0"/>
         <a:fontRef idx="none"/>
       </a:style>
     </a:txDef>
   </a:objectDefaults>
-  <a:extraClrSchemeLst/>
 </a:theme>
 </file>